--- a/Presentations/XDSonFHIR-MHD+mXDE+QEDm.pptx
+++ b/Presentations/XDSonFHIR-MHD+mXDE+QEDm.pptx
@@ -227,7 +227,7 @@
           <a:p>
             <a:fld id="{71BE66DA-DE36-4F01-9331-EF645F1F7C5F}" type="datetimeFigureOut">
               <a:rPr lang="en-US" smtClean="0"/>
-              <a:t>2/28/2020</a:t>
+              <a:t>2/29/2020</a:t>
             </a:fld>
             <a:endParaRPr lang="en-US"/>
           </a:p>
@@ -1124,7 +1124,119 @@
           <a:bodyPr/>
           <a:lstStyle/>
           <a:p>
-            <a:endParaRPr lang="en-US"/>
+            <a:r>
+              <a:rPr lang="en-US" sz="1200" b="0" i="0" kern="1200" dirty="0">
+                <a:solidFill>
+                  <a:schemeClr val="tx1"/>
+                </a:solidFill>
+                <a:effectLst/>
+                <a:latin typeface="+mn-lt"/>
+                <a:ea typeface="+mn-ea"/>
+                <a:cs typeface="+mn-cs"/>
+              </a:rPr>
+              <a:t>In the past XDS was used when one wanted to create a Document Sharing HIE, and XCA was used to federate XDS Document Sharing HIE and add in EHR based Document publications. Now IHE has the MHDS infrastructure, so the question is likely to come up.</a:t>
+            </a:r>
+          </a:p>
+          <a:p>
+            <a:br>
+              <a:rPr lang="en-US" sz="1200" b="0" i="0" kern="1200" dirty="0">
+                <a:solidFill>
+                  <a:schemeClr val="tx1"/>
+                </a:solidFill>
+                <a:effectLst/>
+                <a:latin typeface="+mn-lt"/>
+                <a:ea typeface="+mn-ea"/>
+                <a:cs typeface="+mn-cs"/>
+              </a:rPr>
+            </a:br>
+            <a:r>
+              <a:rPr lang="en-US" sz="1200" b="0" i="0" kern="1200" dirty="0">
+                <a:solidFill>
+                  <a:schemeClr val="tx1"/>
+                </a:solidFill>
+                <a:effectLst/>
+                <a:latin typeface="+mn-lt"/>
+                <a:ea typeface="+mn-ea"/>
+                <a:cs typeface="+mn-cs"/>
+              </a:rPr>
+              <a:t>Mostly if you have XDS clients, you need to continue to use XDS or XCA. </a:t>
+            </a:r>
+          </a:p>
+          <a:p>
+            <a:br>
+              <a:rPr lang="en-US" sz="1200" b="0" i="0" kern="1200" dirty="0">
+                <a:solidFill>
+                  <a:schemeClr val="tx1"/>
+                </a:solidFill>
+                <a:effectLst/>
+                <a:latin typeface="+mn-lt"/>
+                <a:ea typeface="+mn-ea"/>
+                <a:cs typeface="+mn-cs"/>
+              </a:rPr>
+            </a:br>
+            <a:r>
+              <a:rPr lang="en-US" sz="1200" b="0" i="0" kern="1200" dirty="0">
+                <a:solidFill>
+                  <a:schemeClr val="tx1"/>
+                </a:solidFill>
+                <a:effectLst/>
+                <a:latin typeface="+mn-lt"/>
+                <a:ea typeface="+mn-ea"/>
+                <a:cs typeface="+mn-cs"/>
+              </a:rPr>
+              <a:t>If you have MHD clients, then you can add MHD to XDS or XCA.</a:t>
+            </a:r>
+            <a:br>
+              <a:rPr lang="en-US" sz="1200" b="0" i="0" kern="1200" dirty="0">
+                <a:solidFill>
+                  <a:schemeClr val="tx1"/>
+                </a:solidFill>
+                <a:effectLst/>
+                <a:latin typeface="+mn-lt"/>
+                <a:ea typeface="+mn-ea"/>
+                <a:cs typeface="+mn-cs"/>
+              </a:rPr>
+            </a:br>
+            <a:endParaRPr lang="en-US" sz="1200" b="0" i="0" kern="1200" dirty="0">
+              <a:solidFill>
+                <a:schemeClr val="tx1"/>
+              </a:solidFill>
+              <a:effectLst/>
+              <a:latin typeface="+mn-lt"/>
+              <a:ea typeface="+mn-ea"/>
+              <a:cs typeface="+mn-cs"/>
+            </a:endParaRPr>
+          </a:p>
+          <a:p>
+            <a:r>
+              <a:rPr lang="en-US" sz="1200" b="0" i="0" kern="1200" dirty="0">
+                <a:solidFill>
+                  <a:schemeClr val="tx1"/>
+                </a:solidFill>
+                <a:effectLst/>
+                <a:latin typeface="+mn-lt"/>
+                <a:ea typeface="+mn-ea"/>
+                <a:cs typeface="+mn-cs"/>
+              </a:rPr>
+              <a:t>If you have no legacy, then it is possible that MHDS is the right platform for you.</a:t>
+            </a:r>
+          </a:p>
+          <a:p>
+            <a:endParaRPr lang="en-US" dirty="0"/>
+          </a:p>
+          <a:p>
+            <a:r>
+              <a:rPr lang="en-US" dirty="0"/>
+              <a:t>There is likely future IHE projects that will federate MHDS, enable connection of MHDS to XCA federations, and add XDS </a:t>
+            </a:r>
+            <a:r>
+              <a:rPr lang="en-US" dirty="0" err="1"/>
+              <a:t>api</a:t>
+            </a:r>
+            <a:r>
+              <a:rPr lang="en-US" dirty="0"/>
+              <a:t> to MHDS. All of these are unusual configurations, so will need market demand to come to the table to make it clear they are needed, vs simply being academic gaps.</a:t>
+            </a:r>
           </a:p>
         </p:txBody>
       </p:sp>
@@ -1135,7 +1247,7 @@
             <a:spLocks noGrp="1"/>
           </p:cNvSpPr>
           <p:nvPr>
-            <p:ph type="sldNum" sz="quarter" idx="10"/>
+            <p:ph type="sldNum" sz="quarter" idx="5"/>
           </p:nvPr>
         </p:nvSpPr>
         <p:spPr/>
@@ -1145,7 +1257,7 @@
           <a:p>
             <a:fld id="{2CFF194C-9619-40B7-9733-83494643ED3C}" type="slidenum">
               <a:rPr lang="en-US" smtClean="0"/>
-              <a:t>23</a:t>
+              <a:t>21</a:t>
             </a:fld>
             <a:endParaRPr lang="en-US"/>
           </a:p>
@@ -1154,7 +1266,7 @@
     </p:spTree>
     <p:extLst>
       <p:ext uri="{BB962C8B-B14F-4D97-AF65-F5344CB8AC3E}">
-        <p14:creationId xmlns:p14="http://schemas.microsoft.com/office/powerpoint/2010/main" val="553753170"/>
+        <p14:creationId xmlns:p14="http://schemas.microsoft.com/office/powerpoint/2010/main" val="3295803476"/>
       </p:ext>
     </p:extLst>
   </p:cSld>
@@ -1208,7 +1320,7 @@
           <a:bodyPr/>
           <a:lstStyle/>
           <a:p>
-            <a:endParaRPr lang="en-US" dirty="0"/>
+            <a:endParaRPr lang="en-US"/>
           </a:p>
         </p:txBody>
       </p:sp>
@@ -1229,7 +1341,7 @@
           <a:p>
             <a:fld id="{2CFF194C-9619-40B7-9733-83494643ED3C}" type="slidenum">
               <a:rPr lang="en-US" smtClean="0"/>
-              <a:t>26</a:t>
+              <a:t>23</a:t>
             </a:fld>
             <a:endParaRPr lang="en-US"/>
           </a:p>
@@ -1238,7 +1350,7 @@
     </p:spTree>
     <p:extLst>
       <p:ext uri="{BB962C8B-B14F-4D97-AF65-F5344CB8AC3E}">
-        <p14:creationId xmlns:p14="http://schemas.microsoft.com/office/powerpoint/2010/main" val="2957338799"/>
+        <p14:creationId xmlns:p14="http://schemas.microsoft.com/office/powerpoint/2010/main" val="553753170"/>
       </p:ext>
     </p:extLst>
   </p:cSld>
@@ -1292,7 +1404,7 @@
           <a:bodyPr/>
           <a:lstStyle/>
           <a:p>
-            <a:endParaRPr lang="en-US"/>
+            <a:endParaRPr lang="en-US" dirty="0"/>
           </a:p>
         </p:txBody>
       </p:sp>
@@ -1313,7 +1425,7 @@
           <a:p>
             <a:fld id="{2CFF194C-9619-40B7-9733-83494643ED3C}" type="slidenum">
               <a:rPr lang="en-US" smtClean="0"/>
-              <a:t>27</a:t>
+              <a:t>26</a:t>
             </a:fld>
             <a:endParaRPr lang="en-US"/>
           </a:p>
@@ -1322,7 +1434,7 @@
     </p:spTree>
     <p:extLst>
       <p:ext uri="{BB962C8B-B14F-4D97-AF65-F5344CB8AC3E}">
-        <p14:creationId xmlns:p14="http://schemas.microsoft.com/office/powerpoint/2010/main" val="1590946692"/>
+        <p14:creationId xmlns:p14="http://schemas.microsoft.com/office/powerpoint/2010/main" val="2957338799"/>
       </p:ext>
     </p:extLst>
   </p:cSld>
@@ -1397,7 +1509,7 @@
           <a:p>
             <a:fld id="{2CFF194C-9619-40B7-9733-83494643ED3C}" type="slidenum">
               <a:rPr lang="en-US" smtClean="0"/>
-              <a:t>29</a:t>
+              <a:t>27</a:t>
             </a:fld>
             <a:endParaRPr lang="en-US"/>
           </a:p>
@@ -1406,7 +1518,7 @@
     </p:spTree>
     <p:extLst>
       <p:ext uri="{BB962C8B-B14F-4D97-AF65-F5344CB8AC3E}">
-        <p14:creationId xmlns:p14="http://schemas.microsoft.com/office/powerpoint/2010/main" val="3182526890"/>
+        <p14:creationId xmlns:p14="http://schemas.microsoft.com/office/powerpoint/2010/main" val="1590946692"/>
       </p:ext>
     </p:extLst>
   </p:cSld>
@@ -1435,96 +1547,54 @@
       </p:grpSpPr>
       <p:sp>
         <p:nvSpPr>
-          <p:cNvPr id="132098" name="Rectangle 7"/>
+          <p:cNvPr id="2" name="Slide Image Placeholder 1"/>
           <p:cNvSpPr>
-            <a:spLocks noGrp="1" noChangeArrowheads="1"/>
-          </p:cNvSpPr>
-          <p:nvPr>
-            <p:ph type="sldNum" sz="quarter" idx="5"/>
-          </p:nvPr>
-        </p:nvSpPr>
-        <p:spPr>
-          <a:noFill/>
-        </p:spPr>
-        <p:txBody>
-          <a:bodyPr/>
-          <a:lstStyle/>
-          <a:p>
-            <a:pPr defTabSz="937797" fontAlgn="base">
-              <a:spcBef>
-                <a:spcPct val="0"/>
-              </a:spcBef>
-              <a:spcAft>
-                <a:spcPct val="0"/>
-              </a:spcAft>
-              <a:defRPr/>
-            </a:pPr>
-            <a:fld id="{1D27111E-FC2B-4A84-BB26-67BA3BE2E651}" type="slidenum">
-              <a:rPr lang="en-US">
-                <a:solidFill>
-                  <a:srgbClr val="000000"/>
-                </a:solidFill>
-                <a:latin typeface="Arial" charset="0"/>
-                <a:cs typeface="Arial" charset="0"/>
-              </a:rPr>
-              <a:pPr defTabSz="937797" fontAlgn="base">
-                <a:spcBef>
-                  <a:spcPct val="0"/>
-                </a:spcBef>
-                <a:spcAft>
-                  <a:spcPct val="0"/>
-                </a:spcAft>
-                <a:defRPr/>
-              </a:pPr>
-              <a:t>30</a:t>
-            </a:fld>
-            <a:endParaRPr lang="en-US" dirty="0">
-              <a:solidFill>
-                <a:srgbClr val="000000"/>
-              </a:solidFill>
-              <a:latin typeface="Arial" charset="0"/>
-              <a:cs typeface="Arial" charset="0"/>
-            </a:endParaRPr>
-          </a:p>
-        </p:txBody>
-      </p:sp>
-      <p:sp>
-        <p:nvSpPr>
-          <p:cNvPr id="132099" name="Rectangle 2"/>
-          <p:cNvSpPr>
-            <a:spLocks noGrp="1" noRot="1" noChangeAspect="1" noChangeArrowheads="1" noTextEdit="1"/>
+            <a:spLocks noGrp="1" noRot="1" noChangeAspect="1"/>
           </p:cNvSpPr>
           <p:nvPr>
             <p:ph type="sldImg"/>
           </p:nvPr>
         </p:nvSpPr>
-        <p:spPr>
-          <a:xfrm>
-            <a:off x="450850" y="720725"/>
-            <a:ext cx="6402388" cy="3602038"/>
-          </a:xfrm>
-          <a:ln/>
-        </p:spPr>
+        <p:spPr/>
       </p:sp>
       <p:sp>
         <p:nvSpPr>
-          <p:cNvPr id="132100" name="Rectangle 3"/>
+          <p:cNvPr id="3" name="Notes Placeholder 2"/>
           <p:cNvSpPr>
-            <a:spLocks noGrp="1" noChangeArrowheads="1"/>
+            <a:spLocks noGrp="1"/>
           </p:cNvSpPr>
           <p:nvPr>
             <p:ph type="body" idx="1"/>
           </p:nvPr>
         </p:nvSpPr>
-        <p:spPr>
-          <a:noFill/>
-          <a:ln/>
-        </p:spPr>
+        <p:spPr/>
         <p:txBody>
           <a:bodyPr/>
           <a:lstStyle/>
           <a:p>
-            <a:pPr eaLnBrk="1" hangingPunct="1"/>
+            <a:endParaRPr lang="en-US"/>
+          </a:p>
+        </p:txBody>
+      </p:sp>
+      <p:sp>
+        <p:nvSpPr>
+          <p:cNvPr id="4" name="Slide Number Placeholder 3"/>
+          <p:cNvSpPr>
+            <a:spLocks noGrp="1"/>
+          </p:cNvSpPr>
+          <p:nvPr>
+            <p:ph type="sldNum" sz="quarter" idx="10"/>
+          </p:nvPr>
+        </p:nvSpPr>
+        <p:spPr/>
+        <p:txBody>
+          <a:bodyPr/>
+          <a:lstStyle/>
+          <a:p>
+            <a:fld id="{2CFF194C-9619-40B7-9733-83494643ED3C}" type="slidenum">
+              <a:rPr lang="en-US" smtClean="0"/>
+              <a:t>29</a:t>
+            </a:fld>
             <a:endParaRPr lang="en-US"/>
           </a:p>
         </p:txBody>
@@ -1532,7 +1602,7 @@
     </p:spTree>
     <p:extLst>
       <p:ext uri="{BB962C8B-B14F-4D97-AF65-F5344CB8AC3E}">
-        <p14:creationId xmlns:p14="http://schemas.microsoft.com/office/powerpoint/2010/main" val="453035399"/>
+        <p14:creationId xmlns:p14="http://schemas.microsoft.com/office/powerpoint/2010/main" val="3182526890"/>
       </p:ext>
     </p:extLst>
   </p:cSld>
@@ -1627,6 +1697,132 @@
 </file>
 
 <file path=ppt/notesSlides/notesSlide20.xml><?xml version="1.0" encoding="utf-8"?>
+<p:notes xmlns:a="http://schemas.openxmlformats.org/drawingml/2006/main" xmlns:r="http://schemas.openxmlformats.org/officeDocument/2006/relationships" xmlns:p="http://schemas.openxmlformats.org/presentationml/2006/main">
+  <p:cSld>
+    <p:spTree>
+      <p:nvGrpSpPr>
+        <p:cNvPr id="1" name=""/>
+        <p:cNvGrpSpPr/>
+        <p:nvPr/>
+      </p:nvGrpSpPr>
+      <p:grpSpPr>
+        <a:xfrm>
+          <a:off x="0" y="0"/>
+          <a:ext cx="0" cy="0"/>
+          <a:chOff x="0" y="0"/>
+          <a:chExt cx="0" cy="0"/>
+        </a:xfrm>
+      </p:grpSpPr>
+      <p:sp>
+        <p:nvSpPr>
+          <p:cNvPr id="132098" name="Rectangle 7"/>
+          <p:cNvSpPr>
+            <a:spLocks noGrp="1" noChangeArrowheads="1"/>
+          </p:cNvSpPr>
+          <p:nvPr>
+            <p:ph type="sldNum" sz="quarter" idx="5"/>
+          </p:nvPr>
+        </p:nvSpPr>
+        <p:spPr>
+          <a:noFill/>
+        </p:spPr>
+        <p:txBody>
+          <a:bodyPr/>
+          <a:lstStyle/>
+          <a:p>
+            <a:pPr defTabSz="937797" fontAlgn="base">
+              <a:spcBef>
+                <a:spcPct val="0"/>
+              </a:spcBef>
+              <a:spcAft>
+                <a:spcPct val="0"/>
+              </a:spcAft>
+              <a:defRPr/>
+            </a:pPr>
+            <a:fld id="{1D27111E-FC2B-4A84-BB26-67BA3BE2E651}" type="slidenum">
+              <a:rPr lang="en-US">
+                <a:solidFill>
+                  <a:srgbClr val="000000"/>
+                </a:solidFill>
+                <a:latin typeface="Arial" charset="0"/>
+                <a:cs typeface="Arial" charset="0"/>
+              </a:rPr>
+              <a:pPr defTabSz="937797" fontAlgn="base">
+                <a:spcBef>
+                  <a:spcPct val="0"/>
+                </a:spcBef>
+                <a:spcAft>
+                  <a:spcPct val="0"/>
+                </a:spcAft>
+                <a:defRPr/>
+              </a:pPr>
+              <a:t>30</a:t>
+            </a:fld>
+            <a:endParaRPr lang="en-US" dirty="0">
+              <a:solidFill>
+                <a:srgbClr val="000000"/>
+              </a:solidFill>
+              <a:latin typeface="Arial" charset="0"/>
+              <a:cs typeface="Arial" charset="0"/>
+            </a:endParaRPr>
+          </a:p>
+        </p:txBody>
+      </p:sp>
+      <p:sp>
+        <p:nvSpPr>
+          <p:cNvPr id="132099" name="Rectangle 2"/>
+          <p:cNvSpPr>
+            <a:spLocks noGrp="1" noRot="1" noChangeAspect="1" noChangeArrowheads="1" noTextEdit="1"/>
+          </p:cNvSpPr>
+          <p:nvPr>
+            <p:ph type="sldImg"/>
+          </p:nvPr>
+        </p:nvSpPr>
+        <p:spPr>
+          <a:xfrm>
+            <a:off x="450850" y="720725"/>
+            <a:ext cx="6402388" cy="3602038"/>
+          </a:xfrm>
+          <a:ln/>
+        </p:spPr>
+      </p:sp>
+      <p:sp>
+        <p:nvSpPr>
+          <p:cNvPr id="132100" name="Rectangle 3"/>
+          <p:cNvSpPr>
+            <a:spLocks noGrp="1" noChangeArrowheads="1"/>
+          </p:cNvSpPr>
+          <p:nvPr>
+            <p:ph type="body" idx="1"/>
+          </p:nvPr>
+        </p:nvSpPr>
+        <p:spPr>
+          <a:noFill/>
+          <a:ln/>
+        </p:spPr>
+        <p:txBody>
+          <a:bodyPr/>
+          <a:lstStyle/>
+          <a:p>
+            <a:pPr eaLnBrk="1" hangingPunct="1"/>
+            <a:endParaRPr lang="en-US"/>
+          </a:p>
+        </p:txBody>
+      </p:sp>
+    </p:spTree>
+    <p:extLst>
+      <p:ext uri="{BB962C8B-B14F-4D97-AF65-F5344CB8AC3E}">
+        <p14:creationId xmlns:p14="http://schemas.microsoft.com/office/powerpoint/2010/main" val="453035399"/>
+      </p:ext>
+    </p:extLst>
+  </p:cSld>
+  <p:clrMapOvr>
+    <a:masterClrMapping/>
+  </p:clrMapOvr>
+</p:notes>
+</file>
+
+<file path=ppt/notesSlides/notesSlide21.xml><?xml version="1.0" encoding="utf-8"?>
 <p:notes xmlns:a="http://schemas.openxmlformats.org/drawingml/2006/main" xmlns:r="http://schemas.openxmlformats.org/officeDocument/2006/relationships" xmlns:p="http://schemas.openxmlformats.org/presentationml/2006/main">
   <p:cSld>
     <p:spTree>
@@ -6259,7 +6455,7 @@
             <a:fld id="{B5FB3126-25FB-F241-9D08-EF0C3CBFF311}" type="datetimeFigureOut">
               <a:rPr lang="en-US" smtClean="0"/>
               <a:pPr/>
-              <a:t>2/28/2020</a:t>
+              <a:t>2/29/2020</a:t>
             </a:fld>
             <a:endParaRPr lang="en-US"/>
           </a:p>
@@ -16016,14 +16212,21 @@
             <p:ph type="title"/>
           </p:nvPr>
         </p:nvSpPr>
-        <p:spPr/>
+        <p:spPr>
+          <a:xfrm>
+            <a:off x="838200" y="365126"/>
+            <a:ext cx="10880834" cy="671274"/>
+          </a:xfrm>
+        </p:spPr>
         <p:txBody>
-          <a:bodyPr/>
+          <a:bodyPr>
+            <a:normAutofit fontScale="90000"/>
+          </a:bodyPr>
           <a:lstStyle/>
           <a:p>
             <a:r>
               <a:rPr lang="en-US" dirty="0"/>
-              <a:t>Which Infrastructure to use (XDS, XCA, MHDS)</a:t>
+              <a:t>MHD Consumer -- Which Infrastructure to use</a:t>
             </a:r>
           </a:p>
         </p:txBody>
@@ -16046,7 +16249,7 @@
         </p:nvSpPr>
         <p:spPr>
           <a:xfrm>
-            <a:off x="8610600" y="5986704"/>
+            <a:off x="8610600" y="6196904"/>
             <a:ext cx="2743200" cy="365125"/>
           </a:xfrm>
         </p:spPr>
@@ -16082,7 +16285,7 @@
         </p:nvSpPr>
         <p:spPr>
           <a:xfrm>
-            <a:off x="1355834" y="1564257"/>
+            <a:off x="1326740" y="1059777"/>
             <a:ext cx="2750340" cy="671274"/>
           </a:xfrm>
           <a:prstGeom prst="rect">
@@ -16129,7 +16332,7 @@
         </p:nvSpPr>
         <p:spPr>
           <a:xfrm>
-            <a:off x="1355834" y="2603036"/>
+            <a:off x="1326740" y="2065440"/>
             <a:ext cx="2750340" cy="671274"/>
           </a:xfrm>
           <a:prstGeom prst="rect">
@@ -16176,7 +16379,7 @@
         </p:nvSpPr>
         <p:spPr>
           <a:xfrm>
-            <a:off x="1355834" y="3641815"/>
+            <a:off x="1326740" y="3071103"/>
             <a:ext cx="2750340" cy="671274"/>
           </a:xfrm>
           <a:prstGeom prst="rect">
@@ -16223,7 +16426,7 @@
         </p:nvSpPr>
         <p:spPr>
           <a:xfrm>
-            <a:off x="1355834" y="4680594"/>
+            <a:off x="1326740" y="4076766"/>
             <a:ext cx="2750340" cy="671274"/>
           </a:xfrm>
           <a:prstGeom prst="rect">
@@ -16270,7 +16473,7 @@
         </p:nvSpPr>
         <p:spPr>
           <a:xfrm>
-            <a:off x="10243513" y="1469292"/>
+            <a:off x="10243513" y="964812"/>
             <a:ext cx="1371600" cy="914400"/>
           </a:xfrm>
           <a:prstGeom prst="ellipse">
@@ -16298,7 +16501,7 @@
             <a:pPr algn="ctr"/>
             <a:r>
               <a:rPr lang="en-US" dirty="0"/>
-              <a:t>XDS</a:t>
+              <a:t>XDS+ MHD</a:t>
             </a:r>
           </a:p>
         </p:txBody>
@@ -16317,7 +16520,7 @@
         </p:nvSpPr>
         <p:spPr>
           <a:xfrm>
-            <a:off x="7635812" y="2520394"/>
+            <a:off x="7635812" y="2015914"/>
             <a:ext cx="1371600" cy="914400"/>
           </a:xfrm>
           <a:prstGeom prst="ellipse">
@@ -16345,7 +16548,7 @@
             <a:pPr algn="ctr"/>
             <a:r>
               <a:rPr lang="en-US" dirty="0"/>
-              <a:t>XCA</a:t>
+              <a:t>XCA+ MHD</a:t>
             </a:r>
           </a:p>
         </p:txBody>
@@ -16364,7 +16567,7 @@
         </p:nvSpPr>
         <p:spPr>
           <a:xfrm>
-            <a:off x="9982200" y="5616226"/>
+            <a:off x="9982200" y="5826426"/>
             <a:ext cx="1371600" cy="914400"/>
           </a:xfrm>
           <a:prstGeom prst="ellipse">
@@ -16415,8 +16618,8 @@
         </p:nvCxnSpPr>
         <p:spPr>
           <a:xfrm>
-            <a:off x="2731004" y="2235531"/>
-            <a:ext cx="0" cy="367505"/>
+            <a:off x="2701910" y="1731051"/>
+            <a:ext cx="0" cy="334389"/>
           </a:xfrm>
           <a:prstGeom prst="straightConnector1">
             <a:avLst/>
@@ -16458,8 +16661,8 @@
         </p:nvCxnSpPr>
         <p:spPr>
           <a:xfrm>
-            <a:off x="4106174" y="2938673"/>
-            <a:ext cx="3529638" cy="38921"/>
+            <a:off x="4077080" y="2401077"/>
+            <a:ext cx="3558732" cy="72037"/>
           </a:xfrm>
           <a:prstGeom prst="straightConnector1">
             <a:avLst/>
@@ -16501,8 +16704,8 @@
         </p:nvCxnSpPr>
         <p:spPr>
           <a:xfrm>
-            <a:off x="4106174" y="3977452"/>
-            <a:ext cx="2604482" cy="697904"/>
+            <a:off x="4077080" y="3406740"/>
+            <a:ext cx="2633576" cy="764136"/>
           </a:xfrm>
           <a:prstGeom prst="straightConnector1">
             <a:avLst/>
@@ -16544,8 +16747,8 @@
         </p:nvCxnSpPr>
         <p:spPr>
           <a:xfrm flipV="1">
-            <a:off x="4106174" y="4675356"/>
-            <a:ext cx="2604482" cy="340875"/>
+            <a:off x="4077080" y="4170876"/>
+            <a:ext cx="2633576" cy="241527"/>
           </a:xfrm>
           <a:prstGeom prst="straightConnector1">
             <a:avLst/>
@@ -16587,8 +16790,8 @@
         </p:nvCxnSpPr>
         <p:spPr>
           <a:xfrm>
-            <a:off x="4106174" y="1899894"/>
-            <a:ext cx="6137339" cy="26598"/>
+            <a:off x="4077080" y="1395414"/>
+            <a:ext cx="6166433" cy="26598"/>
           </a:xfrm>
           <a:prstGeom prst="straightConnector1">
             <a:avLst/>
@@ -16630,8 +16833,8 @@
         </p:nvCxnSpPr>
         <p:spPr>
           <a:xfrm>
-            <a:off x="2731004" y="3274310"/>
-            <a:ext cx="0" cy="367505"/>
+            <a:off x="2701910" y="2736714"/>
+            <a:ext cx="0" cy="334389"/>
           </a:xfrm>
           <a:prstGeom prst="straightConnector1">
             <a:avLst/>
@@ -16673,8 +16876,8 @@
         </p:nvCxnSpPr>
         <p:spPr>
           <a:xfrm>
-            <a:off x="2731004" y="4313089"/>
-            <a:ext cx="0" cy="367505"/>
+            <a:off x="2701910" y="3742377"/>
+            <a:ext cx="0" cy="334389"/>
           </a:xfrm>
           <a:prstGeom prst="straightConnector1">
             <a:avLst/>
@@ -16710,13 +16913,14 @@
           <p:cNvCxnSpPr>
             <a:cxnSpLocks/>
             <a:stCxn id="9" idx="2"/>
+            <a:endCxn id="35" idx="0"/>
           </p:cNvCxnSpPr>
           <p:nvPr/>
         </p:nvCxnSpPr>
         <p:spPr>
           <a:xfrm>
-            <a:off x="2731004" y="5351868"/>
-            <a:ext cx="22699" cy="426367"/>
+            <a:off x="2701910" y="4748040"/>
+            <a:ext cx="0" cy="334389"/>
           </a:xfrm>
           <a:prstGeom prst="straightConnector1">
             <a:avLst/>
@@ -16754,7 +16958,7 @@
         </p:nvSpPr>
         <p:spPr>
           <a:xfrm>
-            <a:off x="1378533" y="5719373"/>
+            <a:off x="1326740" y="6088093"/>
             <a:ext cx="2750340" cy="671274"/>
           </a:xfrm>
           <a:prstGeom prst="rect">
@@ -16804,9 +17008,9 @@
           <p:nvPr/>
         </p:nvCxnSpPr>
         <p:spPr>
-          <a:xfrm>
-            <a:off x="4128873" y="6055010"/>
-            <a:ext cx="5853327" cy="18416"/>
+          <a:xfrm flipV="1">
+            <a:off x="4077080" y="6283626"/>
+            <a:ext cx="5905120" cy="140104"/>
           </a:xfrm>
           <a:prstGeom prst="straightConnector1">
             <a:avLst/>
@@ -16844,7 +17048,7 @@
         </p:nvSpPr>
         <p:spPr>
           <a:xfrm>
-            <a:off x="4367487" y="1610625"/>
+            <a:off x="4367487" y="1106145"/>
             <a:ext cx="512641" cy="369332"/>
           </a:xfrm>
           <a:prstGeom prst="rect">
@@ -16879,7 +17083,7 @@
         </p:nvSpPr>
         <p:spPr>
           <a:xfrm>
-            <a:off x="4356233" y="2601177"/>
+            <a:off x="4356233" y="2096697"/>
             <a:ext cx="512641" cy="369332"/>
           </a:xfrm>
           <a:prstGeom prst="rect">
@@ -16914,7 +17118,7 @@
         </p:nvSpPr>
         <p:spPr>
           <a:xfrm>
-            <a:off x="4354242" y="3591729"/>
+            <a:off x="4354242" y="3087249"/>
             <a:ext cx="512641" cy="369332"/>
           </a:xfrm>
           <a:prstGeom prst="rect">
@@ -16949,7 +17153,7 @@
         </p:nvSpPr>
         <p:spPr>
           <a:xfrm>
-            <a:off x="4356232" y="4544623"/>
+            <a:off x="4356232" y="4040143"/>
             <a:ext cx="512641" cy="369332"/>
           </a:xfrm>
           <a:prstGeom prst="rect">
@@ -16984,7 +17188,7 @@
         </p:nvSpPr>
         <p:spPr>
           <a:xfrm>
-            <a:off x="4361469" y="5649422"/>
+            <a:off x="4278065" y="6037551"/>
             <a:ext cx="512641" cy="369332"/>
           </a:xfrm>
           <a:prstGeom prst="rect">
@@ -17019,7 +17223,7 @@
         </p:nvSpPr>
         <p:spPr>
           <a:xfrm>
-            <a:off x="6710656" y="4339719"/>
+            <a:off x="6710656" y="3835239"/>
             <a:ext cx="2750340" cy="671274"/>
           </a:xfrm>
           <a:prstGeom prst="rect">
@@ -17070,7 +17274,7 @@
         </p:nvCxnSpPr>
         <p:spPr>
           <a:xfrm flipV="1">
-            <a:off x="9460996" y="2249781"/>
+            <a:off x="9460996" y="1745301"/>
             <a:ext cx="983383" cy="2425575"/>
           </a:xfrm>
           <a:prstGeom prst="straightConnector1">
@@ -17113,7 +17317,7 @@
         </p:nvCxnSpPr>
         <p:spPr>
           <a:xfrm flipV="1">
-            <a:off x="8085826" y="3434794"/>
+            <a:off x="8085826" y="2930314"/>
             <a:ext cx="235786" cy="904925"/>
           </a:xfrm>
           <a:prstGeom prst="straightConnector1">
@@ -17152,7 +17356,7 @@
         </p:nvSpPr>
         <p:spPr>
           <a:xfrm>
-            <a:off x="9547575" y="4218094"/>
+            <a:off x="9547575" y="3713614"/>
             <a:ext cx="512641" cy="369332"/>
           </a:xfrm>
           <a:prstGeom prst="rect">
@@ -17187,7 +17391,7 @@
         </p:nvSpPr>
         <p:spPr>
           <a:xfrm>
-            <a:off x="8244952" y="3633045"/>
+            <a:off x="8244952" y="3128565"/>
             <a:ext cx="512641" cy="369332"/>
           </a:xfrm>
           <a:prstGeom prst="rect">
@@ -17208,6 +17412,352 @@
           </a:p>
         </p:txBody>
       </p:sp>
+      <p:sp>
+        <p:nvSpPr>
+          <p:cNvPr id="32" name="Slide Number Placeholder 3">
+            <a:extLst>
+              <a:ext uri="{FF2B5EF4-FFF2-40B4-BE49-F238E27FC236}">
+                <a16:creationId xmlns:a16="http://schemas.microsoft.com/office/drawing/2014/main" id="{70CD743C-9692-48CC-B2A9-46AFA6C46D63}"/>
+              </a:ext>
+            </a:extLst>
+          </p:cNvPr>
+          <p:cNvSpPr txBox="1">
+            <a:spLocks/>
+          </p:cNvSpPr>
+          <p:nvPr/>
+        </p:nvSpPr>
+        <p:spPr>
+          <a:xfrm>
+            <a:off x="8610600" y="5380935"/>
+            <a:ext cx="2743200" cy="365125"/>
+          </a:xfrm>
+          <a:prstGeom prst="rect">
+            <a:avLst/>
+          </a:prstGeom>
+        </p:spPr>
+        <p:txBody>
+          <a:bodyPr vert="horz" lIns="91440" tIns="45720" rIns="91440" bIns="45720" rtlCol="0" anchor="ctr"/>
+          <a:lstStyle>
+            <a:defPPr>
+              <a:defRPr lang="en-US"/>
+            </a:defPPr>
+            <a:lvl1pPr marL="0" algn="r" defTabSz="914400" rtl="0" eaLnBrk="1" latinLnBrk="0" hangingPunct="1">
+              <a:defRPr sz="1200" kern="1200">
+                <a:solidFill>
+                  <a:schemeClr val="tx1">
+                    <a:tint val="75000"/>
+                  </a:schemeClr>
+                </a:solidFill>
+                <a:latin typeface="+mn-lt"/>
+                <a:ea typeface="+mn-ea"/>
+                <a:cs typeface="+mn-cs"/>
+              </a:defRPr>
+            </a:lvl1pPr>
+            <a:lvl2pPr marL="457200" algn="l" defTabSz="914400" rtl="0" eaLnBrk="1" latinLnBrk="0" hangingPunct="1">
+              <a:defRPr sz="1800" kern="1200">
+                <a:solidFill>
+                  <a:schemeClr val="tx1"/>
+                </a:solidFill>
+                <a:latin typeface="+mn-lt"/>
+                <a:ea typeface="+mn-ea"/>
+                <a:cs typeface="+mn-cs"/>
+              </a:defRPr>
+            </a:lvl2pPr>
+            <a:lvl3pPr marL="914400" algn="l" defTabSz="914400" rtl="0" eaLnBrk="1" latinLnBrk="0" hangingPunct="1">
+              <a:defRPr sz="1800" kern="1200">
+                <a:solidFill>
+                  <a:schemeClr val="tx1"/>
+                </a:solidFill>
+                <a:latin typeface="+mn-lt"/>
+                <a:ea typeface="+mn-ea"/>
+                <a:cs typeface="+mn-cs"/>
+              </a:defRPr>
+            </a:lvl3pPr>
+            <a:lvl4pPr marL="1371600" algn="l" defTabSz="914400" rtl="0" eaLnBrk="1" latinLnBrk="0" hangingPunct="1">
+              <a:defRPr sz="1800" kern="1200">
+                <a:solidFill>
+                  <a:schemeClr val="tx1"/>
+                </a:solidFill>
+                <a:latin typeface="+mn-lt"/>
+                <a:ea typeface="+mn-ea"/>
+                <a:cs typeface="+mn-cs"/>
+              </a:defRPr>
+            </a:lvl4pPr>
+            <a:lvl5pPr marL="1828800" algn="l" defTabSz="914400" rtl="0" eaLnBrk="1" latinLnBrk="0" hangingPunct="1">
+              <a:defRPr sz="1800" kern="1200">
+                <a:solidFill>
+                  <a:schemeClr val="tx1"/>
+                </a:solidFill>
+                <a:latin typeface="+mn-lt"/>
+                <a:ea typeface="+mn-ea"/>
+                <a:cs typeface="+mn-cs"/>
+              </a:defRPr>
+            </a:lvl5pPr>
+            <a:lvl6pPr marL="2286000" algn="l" defTabSz="914400" rtl="0" eaLnBrk="1" latinLnBrk="0" hangingPunct="1">
+              <a:defRPr sz="1800" kern="1200">
+                <a:solidFill>
+                  <a:schemeClr val="tx1"/>
+                </a:solidFill>
+                <a:latin typeface="+mn-lt"/>
+                <a:ea typeface="+mn-ea"/>
+                <a:cs typeface="+mn-cs"/>
+              </a:defRPr>
+            </a:lvl6pPr>
+            <a:lvl7pPr marL="2743200" algn="l" defTabSz="914400" rtl="0" eaLnBrk="1" latinLnBrk="0" hangingPunct="1">
+              <a:defRPr sz="1800" kern="1200">
+                <a:solidFill>
+                  <a:schemeClr val="tx1"/>
+                </a:solidFill>
+                <a:latin typeface="+mn-lt"/>
+                <a:ea typeface="+mn-ea"/>
+                <a:cs typeface="+mn-cs"/>
+              </a:defRPr>
+            </a:lvl7pPr>
+            <a:lvl8pPr marL="3200400" algn="l" defTabSz="914400" rtl="0" eaLnBrk="1" latinLnBrk="0" hangingPunct="1">
+              <a:defRPr sz="1800" kern="1200">
+                <a:solidFill>
+                  <a:schemeClr val="tx1"/>
+                </a:solidFill>
+                <a:latin typeface="+mn-lt"/>
+                <a:ea typeface="+mn-ea"/>
+                <a:cs typeface="+mn-cs"/>
+              </a:defRPr>
+            </a:lvl8pPr>
+            <a:lvl9pPr marL="3657600" algn="l" defTabSz="914400" rtl="0" eaLnBrk="1" latinLnBrk="0" hangingPunct="1">
+              <a:defRPr sz="1800" kern="1200">
+                <a:solidFill>
+                  <a:schemeClr val="tx1"/>
+                </a:solidFill>
+                <a:latin typeface="+mn-lt"/>
+                <a:ea typeface="+mn-ea"/>
+                <a:cs typeface="+mn-cs"/>
+              </a:defRPr>
+            </a:lvl9pPr>
+          </a:lstStyle>
+          <a:p>
+            <a:pPr>
+              <a:defRPr/>
+            </a:pPr>
+            <a:fld id="{336892F5-F7A2-420A-8BF3-D2A2054912B1}" type="slidenum">
+              <a:rPr lang="en-US" smtClean="0"/>
+              <a:pPr>
+                <a:defRPr/>
+              </a:pPr>
+              <a:t>21</a:t>
+            </a:fld>
+            <a:endParaRPr lang="en-US"/>
+          </a:p>
+        </p:txBody>
+      </p:sp>
+      <p:sp>
+        <p:nvSpPr>
+          <p:cNvPr id="35" name="Rectangle 34">
+            <a:extLst>
+              <a:ext uri="{FF2B5EF4-FFF2-40B4-BE49-F238E27FC236}">
+                <a16:creationId xmlns:a16="http://schemas.microsoft.com/office/drawing/2014/main" id="{8AE52A65-C009-4FAD-93DC-230A955E103D}"/>
+              </a:ext>
+            </a:extLst>
+          </p:cNvPr>
+          <p:cNvSpPr/>
+          <p:nvPr/>
+        </p:nvSpPr>
+        <p:spPr>
+          <a:xfrm>
+            <a:off x="1326740" y="5082429"/>
+            <a:ext cx="2750340" cy="671274"/>
+          </a:xfrm>
+          <a:prstGeom prst="rect">
+            <a:avLst/>
+          </a:prstGeom>
+        </p:spPr>
+        <p:style>
+          <a:lnRef idx="2">
+            <a:schemeClr val="dk1"/>
+          </a:lnRef>
+          <a:fillRef idx="1">
+            <a:schemeClr val="lt1"/>
+          </a:fillRef>
+          <a:effectRef idx="0">
+            <a:schemeClr val="dk1"/>
+          </a:effectRef>
+          <a:fontRef idx="minor">
+            <a:schemeClr val="dk1"/>
+          </a:fontRef>
+        </p:style>
+        <p:txBody>
+          <a:bodyPr rtlCol="0" anchor="ctr"/>
+          <a:lstStyle/>
+          <a:p>
+            <a:pPr algn="ctr"/>
+            <a:r>
+              <a:rPr lang="en-US" dirty="0"/>
+              <a:t>XDS Document Source/Consumer?</a:t>
+            </a:r>
+          </a:p>
+        </p:txBody>
+      </p:sp>
+      <p:cxnSp>
+        <p:nvCxnSpPr>
+          <p:cNvPr id="36" name="Straight Arrow Connector 35">
+            <a:extLst>
+              <a:ext uri="{FF2B5EF4-FFF2-40B4-BE49-F238E27FC236}">
+                <a16:creationId xmlns:a16="http://schemas.microsoft.com/office/drawing/2014/main" id="{E8B4FE80-72F1-4945-A25B-8504D2B0663A}"/>
+              </a:ext>
+            </a:extLst>
+          </p:cNvPr>
+          <p:cNvCxnSpPr>
+            <a:cxnSpLocks/>
+            <a:stCxn id="35" idx="3"/>
+          </p:cNvCxnSpPr>
+          <p:nvPr/>
+        </p:nvCxnSpPr>
+        <p:spPr>
+          <a:xfrm flipV="1">
+            <a:off x="4077080" y="4991916"/>
+            <a:ext cx="5874340" cy="426150"/>
+          </a:xfrm>
+          <a:prstGeom prst="straightConnector1">
+            <a:avLst/>
+          </a:prstGeom>
+          <a:ln w="50800">
+            <a:tailEnd type="none"/>
+          </a:ln>
+        </p:spPr>
+        <p:style>
+          <a:lnRef idx="1">
+            <a:schemeClr val="dk1"/>
+          </a:lnRef>
+          <a:fillRef idx="0">
+            <a:schemeClr val="dk1"/>
+          </a:fillRef>
+          <a:effectRef idx="0">
+            <a:schemeClr val="dk1"/>
+          </a:effectRef>
+          <a:fontRef idx="minor">
+            <a:schemeClr val="tx1"/>
+          </a:fontRef>
+        </p:style>
+      </p:cxnSp>
+      <p:sp>
+        <p:nvSpPr>
+          <p:cNvPr id="37" name="TextBox 36">
+            <a:extLst>
+              <a:ext uri="{FF2B5EF4-FFF2-40B4-BE49-F238E27FC236}">
+                <a16:creationId xmlns:a16="http://schemas.microsoft.com/office/drawing/2014/main" id="{14B10319-E63C-47DA-B68F-43290D7260C4}"/>
+              </a:ext>
+            </a:extLst>
+          </p:cNvPr>
+          <p:cNvSpPr txBox="1"/>
+          <p:nvPr/>
+        </p:nvSpPr>
+        <p:spPr>
+          <a:xfrm>
+            <a:off x="4361469" y="5043653"/>
+            <a:ext cx="512641" cy="369332"/>
+          </a:xfrm>
+          <a:prstGeom prst="rect">
+            <a:avLst/>
+          </a:prstGeom>
+          <a:noFill/>
+        </p:spPr>
+        <p:txBody>
+          <a:bodyPr wrap="none" rtlCol="0">
+            <a:spAutoFit/>
+          </a:bodyPr>
+          <a:lstStyle/>
+          <a:p>
+            <a:r>
+              <a:rPr lang="en-US" dirty="0"/>
+              <a:t>YES</a:t>
+            </a:r>
+          </a:p>
+        </p:txBody>
+      </p:sp>
+      <p:cxnSp>
+        <p:nvCxnSpPr>
+          <p:cNvPr id="40" name="Straight Arrow Connector 39">
+            <a:extLst>
+              <a:ext uri="{FF2B5EF4-FFF2-40B4-BE49-F238E27FC236}">
+                <a16:creationId xmlns:a16="http://schemas.microsoft.com/office/drawing/2014/main" id="{7838CF80-331E-42AA-98DA-08969B167BA0}"/>
+              </a:ext>
+            </a:extLst>
+          </p:cNvPr>
+          <p:cNvCxnSpPr>
+            <a:cxnSpLocks/>
+            <a:stCxn id="35" idx="2"/>
+            <a:endCxn id="43" idx="0"/>
+          </p:cNvCxnSpPr>
+          <p:nvPr/>
+        </p:nvCxnSpPr>
+        <p:spPr>
+          <a:xfrm>
+            <a:off x="2701910" y="5753703"/>
+            <a:ext cx="0" cy="334390"/>
+          </a:xfrm>
+          <a:prstGeom prst="straightConnector1">
+            <a:avLst/>
+          </a:prstGeom>
+          <a:ln w="50800">
+            <a:tailEnd type="triangle"/>
+          </a:ln>
+        </p:spPr>
+        <p:style>
+          <a:lnRef idx="1">
+            <a:schemeClr val="dk1"/>
+          </a:lnRef>
+          <a:fillRef idx="0">
+            <a:schemeClr val="dk1"/>
+          </a:fillRef>
+          <a:effectRef idx="0">
+            <a:schemeClr val="dk1"/>
+          </a:effectRef>
+          <a:fontRef idx="minor">
+            <a:schemeClr val="tx1"/>
+          </a:fontRef>
+        </p:style>
+      </p:cxnSp>
+      <p:cxnSp>
+        <p:nvCxnSpPr>
+          <p:cNvPr id="45" name="Straight Arrow Connector 44">
+            <a:extLst>
+              <a:ext uri="{FF2B5EF4-FFF2-40B4-BE49-F238E27FC236}">
+                <a16:creationId xmlns:a16="http://schemas.microsoft.com/office/drawing/2014/main" id="{6467E0C7-289A-40B2-B2A5-E328C1D815D7}"/>
+              </a:ext>
+            </a:extLst>
+          </p:cNvPr>
+          <p:cNvCxnSpPr>
+            <a:cxnSpLocks/>
+            <a:endCxn id="10" idx="4"/>
+          </p:cNvCxnSpPr>
+          <p:nvPr/>
+        </p:nvCxnSpPr>
+        <p:spPr>
+          <a:xfrm flipV="1">
+            <a:off x="9929599" y="1879212"/>
+            <a:ext cx="999714" cy="3124975"/>
+          </a:xfrm>
+          <a:prstGeom prst="straightConnector1">
+            <a:avLst/>
+          </a:prstGeom>
+          <a:ln w="50800">
+            <a:tailEnd type="triangle"/>
+          </a:ln>
+        </p:spPr>
+        <p:style>
+          <a:lnRef idx="1">
+            <a:schemeClr val="dk1"/>
+          </a:lnRef>
+          <a:fillRef idx="0">
+            <a:schemeClr val="dk1"/>
+          </a:fillRef>
+          <a:effectRef idx="0">
+            <a:schemeClr val="dk1"/>
+          </a:effectRef>
+          <a:fontRef idx="minor">
+            <a:schemeClr val="tx1"/>
+          </a:fontRef>
+        </p:style>
+      </p:cxnSp>
     </p:spTree>
     <p:extLst>
       <p:ext uri="{BB962C8B-B14F-4D97-AF65-F5344CB8AC3E}">

--- a/Presentations/XDSonFHIR-MHD+mXDE+QEDm.pptx
+++ b/Presentations/XDSonFHIR-MHD+mXDE+QEDm.pptx
@@ -28,7 +28,7 @@
     <p:sldId id="2338" r:id="rId19"/>
     <p:sldId id="2344" r:id="rId20"/>
     <p:sldId id="2339" r:id="rId21"/>
-    <p:sldId id="2350" r:id="rId22"/>
+    <p:sldId id="2351" r:id="rId22"/>
     <p:sldId id="2345" r:id="rId23"/>
     <p:sldId id="261" r:id="rId24"/>
     <p:sldId id="298" r:id="rId25"/>
@@ -227,7 +227,7 @@
           <a:p>
             <a:fld id="{71BE66DA-DE36-4F01-9331-EF645F1F7C5F}" type="datetimeFigureOut">
               <a:rPr lang="en-US" smtClean="0"/>
-              <a:t>2/29/2020</a:t>
+              <a:t>3/3/2020</a:t>
             </a:fld>
             <a:endParaRPr lang="en-US"/>
           </a:p>
@@ -6455,7 +6455,7 @@
             <a:fld id="{B5FB3126-25FB-F241-9D08-EF0C3CBFF311}" type="datetimeFigureOut">
               <a:rPr lang="en-US" smtClean="0"/>
               <a:pPr/>
-              <a:t>2/29/2020</a:t>
+              <a:t>3/3/2020</a:t>
             </a:fld>
             <a:endParaRPr lang="en-US"/>
           </a:p>
@@ -15704,7 +15704,7 @@
         <p:spPr/>
         <p:txBody>
           <a:bodyPr>
-            <a:normAutofit fontScale="92500" lnSpcReduction="10000"/>
+            <a:normAutofit fontScale="92500" lnSpcReduction="20000"/>
           </a:bodyPr>
           <a:lstStyle/>
           <a:p>
@@ -15757,6 +15757,12 @@
           <a:p>
             <a:r>
               <a:rPr lang="en-US" sz="3600" dirty="0"/>
+              <a:t>MHDS as a full FHIR stack solution</a:t>
+            </a:r>
+          </a:p>
+          <a:p>
+            <a:r>
+              <a:rPr lang="en-US" sz="3600" dirty="0"/>
               <a:t>Decomposed into Elements/Resources</a:t>
             </a:r>
           </a:p>
@@ -15777,15 +15783,16 @@
             <a:endParaRPr lang="en-US" sz="3309" dirty="0"/>
           </a:p>
           <a:p>
-            <a:r>
-              <a:rPr lang="en-US" sz="3600" dirty="0"/>
-              <a:t>Using Provenance – to get back to source documents</a:t>
-            </a:r>
-          </a:p>
-          <a:p>
             <a:pPr lvl="1"/>
             <a:r>
-              <a:rPr lang="en-US" sz="3309" dirty="0"/>
+              <a:rPr lang="en-US" sz="3200" dirty="0"/>
+              <a:t>Add Provenance – to get back to source documents</a:t>
+            </a:r>
+          </a:p>
+          <a:p>
+            <a:pPr lvl="2"/>
+            <a:r>
+              <a:rPr lang="en-US" sz="2909" dirty="0"/>
               <a:t>MHD</a:t>
             </a:r>
           </a:p>
@@ -16226,7 +16233,7 @@
           <a:p>
             <a:r>
               <a:rPr lang="en-US" dirty="0"/>
-              <a:t>MHD Consumer -- Which Infrastructure to use</a:t>
+              <a:t>Which Infrastructure to use?</a:t>
             </a:r>
           </a:p>
         </p:txBody>
@@ -16501,7 +16508,15 @@
             <a:pPr algn="ctr"/>
             <a:r>
               <a:rPr lang="en-US" dirty="0"/>
-              <a:t>XDS+ MHD</a:t>
+              <a:t>XDS </a:t>
+            </a:r>
+            <a:r>
+              <a:rPr lang="en-US" dirty="0">
+                <a:highlight>
+                  <a:srgbClr val="FFFF00"/>
+                </a:highlight>
+              </a:rPr>
+              <a:t>+MHD</a:t>
             </a:r>
           </a:p>
         </p:txBody>
@@ -16548,7 +16563,15 @@
             <a:pPr algn="ctr"/>
             <a:r>
               <a:rPr lang="en-US" dirty="0"/>
-              <a:t>XCA+ MHD</a:t>
+              <a:t>XCA </a:t>
+            </a:r>
+            <a:r>
+              <a:rPr lang="en-US" dirty="0">
+                <a:highlight>
+                  <a:srgbClr val="FFFF00"/>
+                </a:highlight>
+              </a:rPr>
+              <a:t>+MHD</a:t>
             </a:r>
           </a:p>
         </p:txBody>
@@ -16567,8 +16590,8 @@
         </p:nvSpPr>
         <p:spPr>
           <a:xfrm>
-            <a:off x="9982200" y="5826426"/>
-            <a:ext cx="1371600" cy="914400"/>
+            <a:off x="8244951" y="5380935"/>
+            <a:ext cx="1634771" cy="1025948"/>
           </a:xfrm>
           <a:prstGeom prst="ellipse">
             <a:avLst/>
@@ -16594,7 +16617,11 @@
           <a:p>
             <a:pPr algn="ctr"/>
             <a:r>
-              <a:rPr lang="en-US" dirty="0"/>
+              <a:rPr lang="en-US" sz="2800" b="1" dirty="0">
+                <a:highlight>
+                  <a:srgbClr val="FFFF00"/>
+                </a:highlight>
+              </a:rPr>
               <a:t>MHDS</a:t>
             </a:r>
           </a:p>
@@ -16958,12 +16985,17 @@
         </p:nvSpPr>
         <p:spPr>
           <a:xfrm>
-            <a:off x="1326740" y="6088093"/>
+            <a:off x="4371980" y="5827774"/>
             <a:ext cx="2750340" cy="671274"/>
           </a:xfrm>
           <a:prstGeom prst="rect">
             <a:avLst/>
           </a:prstGeom>
+          <a:ln>
+            <a:solidFill>
+              <a:schemeClr val="bg1"/>
+            </a:solidFill>
+          </a:ln>
         </p:spPr>
         <p:style>
           <a:lnRef idx="2">
@@ -16986,7 +17018,7 @@
             <a:pPr algn="ctr"/>
             <a:r>
               <a:rPr lang="en-US" dirty="0"/>
-              <a:t>No Current Infrastructure?</a:t>
+              <a:t>No Current Infrastructure</a:t>
             </a:r>
           </a:p>
         </p:txBody>
@@ -17002,15 +17034,14 @@
           </p:cNvPr>
           <p:cNvCxnSpPr>
             <a:cxnSpLocks/>
-            <a:stCxn id="43" idx="3"/>
             <a:endCxn id="12" idx="2"/>
           </p:cNvCxnSpPr>
           <p:nvPr/>
         </p:nvCxnSpPr>
         <p:spPr>
           <a:xfrm flipV="1">
-            <a:off x="4077080" y="6283626"/>
-            <a:ext cx="5905120" cy="140104"/>
+            <a:off x="2701910" y="5893909"/>
+            <a:ext cx="5543041" cy="261695"/>
           </a:xfrm>
           <a:prstGeom prst="straightConnector1">
             <a:avLst/>
@@ -17048,7 +17079,7 @@
         </p:nvSpPr>
         <p:spPr>
           <a:xfrm>
-            <a:off x="4367487" y="1106145"/>
+            <a:off x="4367487" y="1095635"/>
             <a:ext cx="512641" cy="369332"/>
           </a:xfrm>
           <a:prstGeom prst="rect">
@@ -17118,7 +17149,7 @@
         </p:nvSpPr>
         <p:spPr>
           <a:xfrm>
-            <a:off x="4354242" y="3087249"/>
+            <a:off x="4354242" y="3234389"/>
             <a:ext cx="512641" cy="369332"/>
           </a:xfrm>
           <a:prstGeom prst="rect">
@@ -17154,41 +17185,6 @@
         <p:spPr>
           <a:xfrm>
             <a:off x="4356232" y="4040143"/>
-            <a:ext cx="512641" cy="369332"/>
-          </a:xfrm>
-          <a:prstGeom prst="rect">
-            <a:avLst/>
-          </a:prstGeom>
-          <a:noFill/>
-        </p:spPr>
-        <p:txBody>
-          <a:bodyPr wrap="none" rtlCol="0">
-            <a:spAutoFit/>
-          </a:bodyPr>
-          <a:lstStyle/>
-          <a:p>
-            <a:r>
-              <a:rPr lang="en-US" dirty="0"/>
-              <a:t>YES</a:t>
-            </a:r>
-          </a:p>
-        </p:txBody>
-      </p:sp>
-      <p:sp>
-        <p:nvSpPr>
-          <p:cNvPr id="59" name="TextBox 58">
-            <a:extLst>
-              <a:ext uri="{FF2B5EF4-FFF2-40B4-BE49-F238E27FC236}">
-                <a16:creationId xmlns:a16="http://schemas.microsoft.com/office/drawing/2014/main" id="{2B142F79-ED49-44C4-9E94-B3D17CA0050C}"/>
-              </a:ext>
-            </a:extLst>
-          </p:cNvPr>
-          <p:cNvSpPr txBox="1"/>
-          <p:nvPr/>
-        </p:nvSpPr>
-        <p:spPr>
-          <a:xfrm>
-            <a:off x="4278065" y="6037551"/>
             <a:ext cx="512641" cy="369332"/>
           </a:xfrm>
           <a:prstGeom prst="rect">
@@ -17596,48 +17592,6 @@
           </a:p>
         </p:txBody>
       </p:sp>
-      <p:cxnSp>
-        <p:nvCxnSpPr>
-          <p:cNvPr id="36" name="Straight Arrow Connector 35">
-            <a:extLst>
-              <a:ext uri="{FF2B5EF4-FFF2-40B4-BE49-F238E27FC236}">
-                <a16:creationId xmlns:a16="http://schemas.microsoft.com/office/drawing/2014/main" id="{E8B4FE80-72F1-4945-A25B-8504D2B0663A}"/>
-              </a:ext>
-            </a:extLst>
-          </p:cNvPr>
-          <p:cNvCxnSpPr>
-            <a:cxnSpLocks/>
-            <a:stCxn id="35" idx="3"/>
-          </p:cNvCxnSpPr>
-          <p:nvPr/>
-        </p:nvCxnSpPr>
-        <p:spPr>
-          <a:xfrm flipV="1">
-            <a:off x="4077080" y="4991916"/>
-            <a:ext cx="5874340" cy="426150"/>
-          </a:xfrm>
-          <a:prstGeom prst="straightConnector1">
-            <a:avLst/>
-          </a:prstGeom>
-          <a:ln w="50800">
-            <a:tailEnd type="none"/>
-          </a:ln>
-        </p:spPr>
-        <p:style>
-          <a:lnRef idx="1">
-            <a:schemeClr val="dk1"/>
-          </a:lnRef>
-          <a:fillRef idx="0">
-            <a:schemeClr val="dk1"/>
-          </a:fillRef>
-          <a:effectRef idx="0">
-            <a:schemeClr val="dk1"/>
-          </a:effectRef>
-          <a:fontRef idx="minor">
-            <a:schemeClr val="tx1"/>
-          </a:fontRef>
-        </p:style>
-      </p:cxnSp>
       <p:sp>
         <p:nvSpPr>
           <p:cNvPr id="37" name="TextBox 36">
@@ -17652,7 +17606,7 @@
         </p:nvSpPr>
         <p:spPr>
           <a:xfrm>
-            <a:off x="4361469" y="5043653"/>
+            <a:off x="4361469" y="4980593"/>
             <a:ext cx="512641" cy="369332"/>
           </a:xfrm>
           <a:prstGeom prst="rect">
@@ -17685,20 +17639,19 @@
           <p:cNvCxnSpPr>
             <a:cxnSpLocks/>
             <a:stCxn id="35" idx="2"/>
-            <a:endCxn id="43" idx="0"/>
           </p:cNvCxnSpPr>
           <p:nvPr/>
         </p:nvCxnSpPr>
         <p:spPr>
           <a:xfrm>
             <a:off x="2701910" y="5753703"/>
-            <a:ext cx="0" cy="334390"/>
+            <a:ext cx="0" cy="409708"/>
           </a:xfrm>
           <a:prstGeom prst="straightConnector1">
             <a:avLst/>
           </a:prstGeom>
           <a:ln w="50800">
-            <a:tailEnd type="triangle"/>
+            <a:tailEnd type="none"/>
           </a:ln>
         </p:spPr>
         <p:style>
@@ -17727,14 +17680,15 @@
           </p:cNvPr>
           <p:cNvCxnSpPr>
             <a:cxnSpLocks/>
-            <a:endCxn id="10" idx="4"/>
+            <a:stCxn id="35" idx="3"/>
+            <a:endCxn id="65" idx="2"/>
           </p:cNvCxnSpPr>
           <p:nvPr/>
         </p:nvCxnSpPr>
         <p:spPr>
           <a:xfrm flipV="1">
-            <a:off x="9929599" y="1879212"/>
-            <a:ext cx="999714" cy="3124975"/>
+            <a:off x="4077080" y="4506513"/>
+            <a:ext cx="4008746" cy="911553"/>
           </a:xfrm>
           <a:prstGeom prst="straightConnector1">
             <a:avLst/>
@@ -17761,13 +17715,21 @@
     </p:spTree>
     <p:extLst>
       <p:ext uri="{BB962C8B-B14F-4D97-AF65-F5344CB8AC3E}">
-        <p14:creationId xmlns:p14="http://schemas.microsoft.com/office/powerpoint/2010/main" val="382845095"/>
+        <p14:creationId xmlns:p14="http://schemas.microsoft.com/office/powerpoint/2010/main" val="671600077"/>
       </p:ext>
     </p:extLst>
   </p:cSld>
   <p:clrMapOvr>
     <a:masterClrMapping/>
   </p:clrMapOvr>
+  <mc:AlternateContent xmlns:mc="http://schemas.openxmlformats.org/markup-compatibility/2006">
+    <mc:Choice xmlns:p14="http://schemas.microsoft.com/office/powerpoint/2010/main" Requires="p14">
+      <p:transition spd="slow" p14:dur="2000" advTm="70413"/>
+    </mc:Choice>
+    <mc:Fallback>
+      <p:transition spd="slow" advTm="70413"/>
+    </mc:Fallback>
+  </mc:AlternateContent>
 </p:sld>
 </file>
 
@@ -17813,7 +17775,32 @@
           <a:p>
             <a:r>
               <a:rPr lang="en-US" dirty="0"/>
-              <a:t>Decomposed - Consuming Resources </a:t>
+              <a:t>Decomposed Documents </a:t>
+            </a:r>
+            <a:r>
+              <a:rPr lang="en-US" dirty="0">
+                <a:sym typeface="Wingdings" panose="05000000000000000000" pitchFamily="2" charset="2"/>
+              </a:rPr>
+              <a:t></a:t>
+            </a:r>
+            <a:br>
+              <a:rPr lang="en-US">
+                <a:sym typeface="Wingdings" panose="05000000000000000000" pitchFamily="2" charset="2"/>
+              </a:rPr>
+            </a:br>
+            <a:r>
+              <a:rPr lang="en-US">
+                <a:sym typeface="Wingdings" panose="05000000000000000000" pitchFamily="2" charset="2"/>
+              </a:rPr>
+              <a:t>	</a:t>
+            </a:r>
+            <a:r>
+              <a:rPr lang="en-US"/>
+              <a:t>Consuming </a:t>
+            </a:r>
+            <a:r>
+              <a:rPr lang="en-US" dirty="0"/>
+              <a:t>Resources</a:t>
             </a:r>
           </a:p>
         </p:txBody>
@@ -17841,7 +17828,7 @@
           </a:bodyPr>
           <a:lstStyle/>
           <a:p>
-            <a:endParaRPr lang="en-US"/>
+            <a:endParaRPr lang="en-US" dirty="0"/>
           </a:p>
         </p:txBody>
       </p:sp>
@@ -17898,7 +17885,7 @@
           <a:p>
             <a:r>
               <a:rPr lang="en-US" dirty="0"/>
-              <a:t>Documents are not optimal for FHIR clients</a:t>
+              <a:t>Consuming Documents is hard</a:t>
             </a:r>
           </a:p>
         </p:txBody>
@@ -17922,7 +17909,7 @@
         <p:spPr>
           <a:xfrm>
             <a:off x="838200" y="1825624"/>
-            <a:ext cx="10515600" cy="4743341"/>
+            <a:ext cx="11014494" cy="4667251"/>
           </a:xfrm>
         </p:spPr>
         <p:txBody>
@@ -17935,58 +17922,52 @@
               <a:buNone/>
             </a:pPr>
             <a:r>
-              <a:rPr lang="en-US" sz="1800" dirty="0"/>
+              <a:rPr lang="en-US" sz="2000" dirty="0"/>
               <a:t>MHD eliminates the need to understand SOAP and </a:t>
             </a:r>
             <a:r>
-              <a:rPr lang="en-US" sz="1800" dirty="0" err="1"/>
+              <a:rPr lang="en-US" sz="2000" dirty="0" err="1"/>
               <a:t>ebXML</a:t>
             </a:r>
             <a:r>
-              <a:rPr lang="en-US" sz="1800" dirty="0"/>
-              <a:t> . It does enable API use of JSON or simple XML.</a:t>
+              <a:rPr lang="en-US" sz="2000" dirty="0"/>
+              <a:t>. It enable API use of JSON or simple XML.</a:t>
             </a:r>
           </a:p>
           <a:p>
             <a:pPr marL="0" indent="0">
               <a:buNone/>
             </a:pPr>
-            <a:endParaRPr lang="en-US" sz="1800" dirty="0"/>
+            <a:endParaRPr lang="en-US" sz="2000" dirty="0"/>
           </a:p>
           <a:p>
             <a:pPr marL="0" indent="0">
               <a:buNone/>
             </a:pPr>
             <a:r>
-              <a:rPr lang="en-US" sz="1800" b="1" dirty="0"/>
-              <a:t>But Document format not changed</a:t>
-            </a:r>
-          </a:p>
-          <a:p>
-            <a:r>
-              <a:rPr lang="en-US" sz="1800" dirty="0"/>
+              <a:rPr lang="en-US" sz="2000" b="1" dirty="0"/>
+              <a:t>But Document content and format is not changed</a:t>
+            </a:r>
+          </a:p>
+          <a:p>
+            <a:r>
+              <a:rPr lang="en-US" sz="2000" dirty="0"/>
               <a:t>They are various formats (PDF, DICOM, CDA, CCR, </a:t>
             </a:r>
             <a:r>
-              <a:rPr lang="en-US" sz="1800" dirty="0" err="1"/>
+              <a:rPr lang="en-US" sz="2000" dirty="0" err="1"/>
               <a:t>etc</a:t>
             </a:r>
             <a:r>
-              <a:rPr lang="en-US" sz="1800" dirty="0"/>
+              <a:rPr lang="en-US" sz="2000" dirty="0"/>
               <a:t>)</a:t>
             </a:r>
           </a:p>
           <a:p>
             <a:pPr lvl="1"/>
             <a:r>
-              <a:rPr lang="en-US" sz="1800" dirty="0"/>
+              <a:rPr lang="en-US" sz="2000" dirty="0"/>
               <a:t>CDA XML is not simple XML</a:t>
-            </a:r>
-          </a:p>
-          <a:p>
-            <a:r>
-              <a:rPr lang="en-US" sz="1800" dirty="0"/>
-              <a:t>Apps tend to want summary without duplicates</a:t>
             </a:r>
           </a:p>
           <a:p>
@@ -17994,32 +17975,30 @@
               <a:buNone/>
             </a:pPr>
             <a:r>
-              <a:rPr lang="en-US" sz="1800" b="1" dirty="0"/>
-              <a:t>Yet</a:t>
-            </a:r>
-          </a:p>
-          <a:p>
-            <a:r>
-              <a:rPr lang="en-US" sz="1800" dirty="0"/>
-              <a:t>Apps will eventually need to know the integrity and authenticity of the data</a:t>
-            </a:r>
-          </a:p>
-          <a:p>
-            <a:r>
-              <a:rPr lang="en-US" sz="1800" dirty="0"/>
-              <a:t>Apps may need to reference the source</a:t>
-            </a:r>
-          </a:p>
-          <a:p>
-            <a:r>
-              <a:rPr lang="en-US" sz="1800" dirty="0"/>
-              <a:t>Many CDA today are just EHR data dumps – a Current Medical Summary</a:t>
-            </a:r>
-          </a:p>
-          <a:p>
-            <a:r>
-              <a:rPr lang="en-US" sz="1800" dirty="0"/>
-              <a:t>FHIR provides nice sized chunks</a:t>
+              <a:rPr lang="en-US" sz="2000" b="1" dirty="0"/>
+              <a:t>Better</a:t>
+            </a:r>
+          </a:p>
+          <a:p>
+            <a:r>
+              <a:rPr lang="en-US" sz="2000" dirty="0"/>
+              <a:t>Consume FHIR Resources (Observation, </a:t>
+            </a:r>
+            <a:r>
+              <a:rPr lang="en-US" sz="2000" dirty="0" err="1"/>
+              <a:t>AllergyIntolarance</a:t>
+            </a:r>
+            <a:r>
+              <a:rPr lang="en-US" sz="2000" dirty="0"/>
+              <a:t>, Immunization, Medication, </a:t>
+            </a:r>
+            <a:r>
+              <a:rPr lang="en-US" sz="2000" dirty="0" err="1"/>
+              <a:t>etc</a:t>
+            </a:r>
+            <a:r>
+              <a:rPr lang="en-US" sz="2000" dirty="0"/>
+              <a:t>)</a:t>
             </a:r>
           </a:p>
           <a:p>
@@ -18027,7 +18006,28 @@
               <a:buNone/>
             </a:pPr>
             <a:r>
-              <a:rPr lang="en-US" sz="1800" dirty="0"/>
+              <a:rPr lang="en-US" sz="2000" b="1" dirty="0"/>
+              <a:t>Yet</a:t>
+            </a:r>
+          </a:p>
+          <a:p>
+            <a:r>
+              <a:rPr lang="en-US" sz="2000" dirty="0"/>
+              <a:t>Use of data will eventually need to know the integrity and authenticity of the data</a:t>
+            </a:r>
+          </a:p>
+          <a:p>
+            <a:r>
+              <a:rPr lang="en-US" sz="2000" dirty="0"/>
+              <a:t>Clinicians using Apps will need to reference the source and thus clinical context of data element</a:t>
+            </a:r>
+          </a:p>
+          <a:p>
+            <a:pPr marL="0" indent="0">
+              <a:buNone/>
+            </a:pPr>
+            <a:r>
+              <a:rPr lang="en-US" sz="2000" dirty="0"/>
               <a:t>Note: MHD Retrieve Document could support service that converts the original document to FHIR-Document</a:t>
             </a:r>
           </a:p>
@@ -18082,15 +18082,7 @@
           <a:p>
             <a:r>
               <a:rPr lang="en-US" dirty="0"/>
-              <a:t>Query for Existing Data for Mobile (</a:t>
-            </a:r>
-            <a:r>
-              <a:rPr lang="en-US" dirty="0" err="1"/>
-              <a:t>mQED</a:t>
-            </a:r>
-            <a:r>
-              <a:rPr lang="en-US" dirty="0"/>
-              <a:t>)</a:t>
+              <a:t>Query for Existing Data for Mobile (QEDm)</a:t>
             </a:r>
           </a:p>
         </p:txBody>
@@ -26263,7 +26255,7 @@
             <a:pPr lvl="1"/>
             <a:r>
               <a:rPr lang="en-US" dirty="0"/>
-              <a:t>SAMP</a:t>
+              <a:t>SAML</a:t>
             </a:r>
           </a:p>
           <a:p>
@@ -26276,7 +26268,7 @@
             <a:pPr lvl="1"/>
             <a:r>
               <a:rPr lang="en-US" dirty="0"/>
-              <a:t>Based on HL7 v2</a:t>
+              <a:t>Based on HL7 v2 or v3</a:t>
             </a:r>
           </a:p>
           <a:p>

--- a/Presentations/XDSonFHIR-MHD+mXDE+QEDm.pptx
+++ b/Presentations/XDSonFHIR-MHD+mXDE+QEDm.pptx
@@ -1320,7 +1320,30 @@
           <a:bodyPr/>
           <a:lstStyle/>
           <a:p>
-            <a:endParaRPr lang="en-US"/>
+            <a:r>
+              <a:rPr lang="en-US" dirty="0"/>
+              <a:t>Documents are good at documenting facts of an encounter or episode or summary from an organization perspective</a:t>
+            </a:r>
+          </a:p>
+          <a:p>
+            <a:r>
+              <a:rPr lang="en-US" dirty="0"/>
+              <a:t>Fine-Grain FHIR Resources are more easy to get to the point, less noise</a:t>
+            </a:r>
+          </a:p>
+          <a:p>
+            <a:r>
+              <a:rPr lang="en-US" dirty="0"/>
+              <a:t>But, imagine you are a </a:t>
+            </a:r>
+            <a:r>
+              <a:rPr lang="en-US" dirty="0" err="1"/>
+              <a:t>clinian</a:t>
+            </a:r>
+            <a:r>
+              <a:rPr lang="en-US" dirty="0"/>
+              <a:t> and have come to a diagnosis based on a set of data including some fine-grain FHIR Resources derived from documents;  The Provenance would allow you to go see how many documents and to see the document content to fully understand the context of that data.  Medical Records integrity and authenticity</a:t>
+            </a:r>
           </a:p>
         </p:txBody>
       </p:sp>
@@ -17722,11 +17745,11 @@
   <p:clrMapOvr>
     <a:masterClrMapping/>
   </p:clrMapOvr>
-  <mc:AlternateContent xmlns:mc="http://schemas.openxmlformats.org/markup-compatibility/2006">
-    <mc:Choice xmlns:p14="http://schemas.microsoft.com/office/powerpoint/2010/main" Requires="p14">
+  <mc:AlternateContent xmlns:mc="http://schemas.openxmlformats.org/markup-compatibility/2006" xmlns:p14="http://schemas.microsoft.com/office/powerpoint/2010/main">
+    <mc:Choice Requires="p14">
       <p:transition spd="slow" p14:dur="2000" advTm="70413"/>
     </mc:Choice>
-    <mc:Fallback>
+    <mc:Fallback xmlns="">
       <p:transition spd="slow" advTm="70413"/>
     </mc:Fallback>
   </mc:AlternateContent>
@@ -17775,32 +17798,7 @@
           <a:p>
             <a:r>
               <a:rPr lang="en-US" dirty="0"/>
-              <a:t>Decomposed Documents </a:t>
-            </a:r>
-            <a:r>
-              <a:rPr lang="en-US" dirty="0">
-                <a:sym typeface="Wingdings" panose="05000000000000000000" pitchFamily="2" charset="2"/>
-              </a:rPr>
-              <a:t></a:t>
-            </a:r>
-            <a:br>
-              <a:rPr lang="en-US">
-                <a:sym typeface="Wingdings" panose="05000000000000000000" pitchFamily="2" charset="2"/>
-              </a:rPr>
-            </a:br>
-            <a:r>
-              <a:rPr lang="en-US">
-                <a:sym typeface="Wingdings" panose="05000000000000000000" pitchFamily="2" charset="2"/>
-              </a:rPr>
-              <a:t>	</a:t>
-            </a:r>
-            <a:r>
-              <a:rPr lang="en-US"/>
-              <a:t>Consuming </a:t>
-            </a:r>
-            <a:r>
-              <a:rPr lang="en-US" dirty="0"/>
-              <a:t>Resources</a:t>
+              <a:t>Consuming Fine-Grain Resources</a:t>
             </a:r>
           </a:p>
         </p:txBody>
@@ -17982,7 +17980,7 @@
           <a:p>
             <a:r>
               <a:rPr lang="en-US" sz="2000" dirty="0"/>
-              <a:t>Consume FHIR Resources (Observation, </a:t>
+              <a:t>Consume fine-grain FHIR Resources (Observation, </a:t>
             </a:r>
             <a:r>
               <a:rPr lang="en-US" sz="2000" dirty="0" err="1"/>
@@ -18019,16 +18017,7 @@
           <a:p>
             <a:r>
               <a:rPr lang="en-US" sz="2000" dirty="0"/>
-              <a:t>Clinicians using Apps will need to reference the source and thus clinical context of data element</a:t>
-            </a:r>
-          </a:p>
-          <a:p>
-            <a:pPr marL="0" indent="0">
-              <a:buNone/>
-            </a:pPr>
-            <a:r>
-              <a:rPr lang="en-US" sz="2000" dirty="0"/>
-              <a:t>Note: MHD Retrieve Document could support service that converts the original document to FHIR-Document</a:t>
+              <a:t>Clinicians decisions based on fine-grain FHIR Resources will need to reference the source and thus clinical context of data – cross-enterprise adds emphasis of need for Provenance</a:t>
             </a:r>
           </a:p>
         </p:txBody>

--- a/Presentations/XDSonFHIR-MHD+mXDE+QEDm.pptx
+++ b/Presentations/XDSonFHIR-MHD+mXDE+QEDm.pptx
@@ -5,7 +5,7 @@
     <p:sldMasterId id="2147483724" r:id="rId1"/>
   </p:sldMasterIdLst>
   <p:notesMasterIdLst>
-    <p:notesMasterId r:id="rId33"/>
+    <p:notesMasterId r:id="rId36"/>
   </p:notesMasterIdLst>
   <p:sldIdLst>
     <p:sldId id="338" r:id="rId2"/>
@@ -13,12 +13,12 @@
     <p:sldId id="2347" r:id="rId4"/>
     <p:sldId id="2343" r:id="rId5"/>
     <p:sldId id="2341" r:id="rId6"/>
-    <p:sldId id="2342" r:id="rId7"/>
-    <p:sldId id="2336" r:id="rId8"/>
+    <p:sldId id="2336" r:id="rId7"/>
+    <p:sldId id="2342" r:id="rId8"/>
     <p:sldId id="2348" r:id="rId9"/>
     <p:sldId id="2332" r:id="rId10"/>
-    <p:sldId id="2333" r:id="rId11"/>
-    <p:sldId id="2340" r:id="rId12"/>
+    <p:sldId id="2340" r:id="rId11"/>
+    <p:sldId id="2333" r:id="rId12"/>
     <p:sldId id="2349" r:id="rId13"/>
     <p:sldId id="259" r:id="rId14"/>
     <p:sldId id="295" r:id="rId15"/>
@@ -39,6 +39,9 @@
     <p:sldId id="266" r:id="rId30"/>
     <p:sldId id="2331" r:id="rId31"/>
     <p:sldId id="265" r:id="rId32"/>
+    <p:sldId id="2352" r:id="rId33"/>
+    <p:sldId id="2353" r:id="rId34"/>
+    <p:sldId id="2354" r:id="rId35"/>
   </p:sldIdLst>
   <p:sldSz cx="12192000" cy="6858000"/>
   <p:notesSz cx="7102475" cy="9388475"/>
@@ -1929,6 +1932,174 @@
 </p:notes>
 </file>
 
+<file path=ppt/notesSlides/notesSlide22.xml><?xml version="1.0" encoding="utf-8"?>
+<p:notes xmlns:a="http://schemas.openxmlformats.org/drawingml/2006/main" xmlns:r="http://schemas.openxmlformats.org/officeDocument/2006/relationships" xmlns:p="http://schemas.openxmlformats.org/presentationml/2006/main">
+  <p:cSld>
+    <p:spTree>
+      <p:nvGrpSpPr>
+        <p:cNvPr id="1" name=""/>
+        <p:cNvGrpSpPr/>
+        <p:nvPr/>
+      </p:nvGrpSpPr>
+      <p:grpSpPr>
+        <a:xfrm>
+          <a:off x="0" y="0"/>
+          <a:ext cx="0" cy="0"/>
+          <a:chOff x="0" y="0"/>
+          <a:chExt cx="0" cy="0"/>
+        </a:xfrm>
+      </p:grpSpPr>
+      <p:sp>
+        <p:nvSpPr>
+          <p:cNvPr id="2" name="Slide Image Placeholder 1"/>
+          <p:cNvSpPr>
+            <a:spLocks noGrp="1" noRot="1" noChangeAspect="1"/>
+          </p:cNvSpPr>
+          <p:nvPr>
+            <p:ph type="sldImg"/>
+          </p:nvPr>
+        </p:nvSpPr>
+        <p:spPr/>
+      </p:sp>
+      <p:sp>
+        <p:nvSpPr>
+          <p:cNvPr id="3" name="Notes Placeholder 2"/>
+          <p:cNvSpPr>
+            <a:spLocks noGrp="1"/>
+          </p:cNvSpPr>
+          <p:nvPr>
+            <p:ph type="body" idx="1"/>
+          </p:nvPr>
+        </p:nvSpPr>
+        <p:spPr/>
+        <p:txBody>
+          <a:bodyPr/>
+          <a:lstStyle/>
+          <a:p>
+            <a:endParaRPr lang="en-US" dirty="0"/>
+          </a:p>
+        </p:txBody>
+      </p:sp>
+      <p:sp>
+        <p:nvSpPr>
+          <p:cNvPr id="4" name="Slide Number Placeholder 3"/>
+          <p:cNvSpPr>
+            <a:spLocks noGrp="1"/>
+          </p:cNvSpPr>
+          <p:nvPr>
+            <p:ph type="sldNum" sz="quarter" idx="5"/>
+          </p:nvPr>
+        </p:nvSpPr>
+        <p:spPr/>
+        <p:txBody>
+          <a:bodyPr/>
+          <a:lstStyle/>
+          <a:p>
+            <a:fld id="{541AEF28-7744-A04C-B21F-F6017A7B833F}" type="slidenum">
+              <a:rPr lang="en-US" smtClean="0"/>
+              <a:t>33</a:t>
+            </a:fld>
+            <a:endParaRPr lang="en-US"/>
+          </a:p>
+        </p:txBody>
+      </p:sp>
+    </p:spTree>
+    <p:extLst>
+      <p:ext uri="{BB962C8B-B14F-4D97-AF65-F5344CB8AC3E}">
+        <p14:creationId xmlns:p14="http://schemas.microsoft.com/office/powerpoint/2010/main" val="3370427221"/>
+      </p:ext>
+    </p:extLst>
+  </p:cSld>
+  <p:clrMapOvr>
+    <a:masterClrMapping/>
+  </p:clrMapOvr>
+</p:notes>
+</file>
+
+<file path=ppt/notesSlides/notesSlide23.xml><?xml version="1.0" encoding="utf-8"?>
+<p:notes xmlns:a="http://schemas.openxmlformats.org/drawingml/2006/main" xmlns:r="http://schemas.openxmlformats.org/officeDocument/2006/relationships" xmlns:p="http://schemas.openxmlformats.org/presentationml/2006/main">
+  <p:cSld>
+    <p:spTree>
+      <p:nvGrpSpPr>
+        <p:cNvPr id="1" name=""/>
+        <p:cNvGrpSpPr/>
+        <p:nvPr/>
+      </p:nvGrpSpPr>
+      <p:grpSpPr>
+        <a:xfrm>
+          <a:off x="0" y="0"/>
+          <a:ext cx="0" cy="0"/>
+          <a:chOff x="0" y="0"/>
+          <a:chExt cx="0" cy="0"/>
+        </a:xfrm>
+      </p:grpSpPr>
+      <p:sp>
+        <p:nvSpPr>
+          <p:cNvPr id="2" name="Slide Image Placeholder 1"/>
+          <p:cNvSpPr>
+            <a:spLocks noGrp="1" noRot="1" noChangeAspect="1"/>
+          </p:cNvSpPr>
+          <p:nvPr>
+            <p:ph type="sldImg"/>
+          </p:nvPr>
+        </p:nvSpPr>
+        <p:spPr/>
+      </p:sp>
+      <p:sp>
+        <p:nvSpPr>
+          <p:cNvPr id="3" name="Notes Placeholder 2"/>
+          <p:cNvSpPr>
+            <a:spLocks noGrp="1"/>
+          </p:cNvSpPr>
+          <p:nvPr>
+            <p:ph type="body" idx="1"/>
+          </p:nvPr>
+        </p:nvSpPr>
+        <p:spPr/>
+        <p:txBody>
+          <a:bodyPr/>
+          <a:lstStyle/>
+          <a:p>
+            <a:endParaRPr lang="en-US" dirty="0"/>
+          </a:p>
+        </p:txBody>
+      </p:sp>
+      <p:sp>
+        <p:nvSpPr>
+          <p:cNvPr id="4" name="Slide Number Placeholder 3"/>
+          <p:cNvSpPr>
+            <a:spLocks noGrp="1"/>
+          </p:cNvSpPr>
+          <p:nvPr>
+            <p:ph type="sldNum" sz="quarter" idx="5"/>
+          </p:nvPr>
+        </p:nvSpPr>
+        <p:spPr/>
+        <p:txBody>
+          <a:bodyPr/>
+          <a:lstStyle/>
+          <a:p>
+            <a:fld id="{541AEF28-7744-A04C-B21F-F6017A7B833F}" type="slidenum">
+              <a:rPr lang="en-US" smtClean="0"/>
+              <a:t>34</a:t>
+            </a:fld>
+            <a:endParaRPr lang="en-US"/>
+          </a:p>
+        </p:txBody>
+      </p:sp>
+    </p:spTree>
+    <p:extLst>
+      <p:ext uri="{BB962C8B-B14F-4D97-AF65-F5344CB8AC3E}">
+        <p14:creationId xmlns:p14="http://schemas.microsoft.com/office/powerpoint/2010/main" val="1203573302"/>
+      </p:ext>
+    </p:extLst>
+  </p:cSld>
+  <p:clrMapOvr>
+    <a:masterClrMapping/>
+  </p:clrMapOvr>
+</p:notes>
+</file>
+
 <file path=ppt/notesSlides/notesSlide3.xml><?xml version="1.0" encoding="utf-8"?>
 <p:notes xmlns:a="http://schemas.openxmlformats.org/drawingml/2006/main" xmlns:r="http://schemas.openxmlformats.org/officeDocument/2006/relationships" xmlns:p="http://schemas.openxmlformats.org/presentationml/2006/main">
   <p:cSld>
@@ -2126,7 +2297,7 @@
           <a:p>
             <a:fld id="{2CFF194C-9619-40B7-9733-83494643ED3C}" type="slidenum">
               <a:rPr lang="en-US" smtClean="0"/>
-              <a:t>7</a:t>
+              <a:t>6</a:t>
             </a:fld>
             <a:endParaRPr lang="en-US"/>
           </a:p>
@@ -2306,7 +2477,7 @@
           <a:p>
             <a:fld id="{2CFF194C-9619-40B7-9733-83494643ED3C}" type="slidenum">
               <a:rPr lang="en-US" smtClean="0"/>
-              <a:t>10</a:t>
+              <a:t>11</a:t>
             </a:fld>
             <a:endParaRPr lang="en-US"/>
           </a:p>
@@ -9451,6 +9622,104 @@
 </file>
 
 <file path=ppt/slides/slide10.xml><?xml version="1.0" encoding="utf-8"?>
+<p:sld xmlns:a="http://schemas.openxmlformats.org/drawingml/2006/main" xmlns:r="http://schemas.openxmlformats.org/officeDocument/2006/relationships" xmlns:p="http://schemas.openxmlformats.org/presentationml/2006/main">
+  <p:cSld>
+    <p:spTree>
+      <p:nvGrpSpPr>
+        <p:cNvPr id="1" name=""/>
+        <p:cNvGrpSpPr/>
+        <p:nvPr/>
+      </p:nvGrpSpPr>
+      <p:grpSpPr>
+        <a:xfrm>
+          <a:off x="0" y="0"/>
+          <a:ext cx="0" cy="0"/>
+          <a:chOff x="0" y="0"/>
+          <a:chExt cx="0" cy="0"/>
+        </a:xfrm>
+      </p:grpSpPr>
+      <p:sp>
+        <p:nvSpPr>
+          <p:cNvPr id="2" name="Title 1">
+            <a:extLst>
+              <a:ext uri="{FF2B5EF4-FFF2-40B4-BE49-F238E27FC236}">
+                <a16:creationId xmlns:a16="http://schemas.microsoft.com/office/drawing/2014/main" id="{62D3DF70-EBEB-4A51-A00A-2EA9ED42AFEF}"/>
+              </a:ext>
+            </a:extLst>
+          </p:cNvPr>
+          <p:cNvSpPr>
+            <a:spLocks noGrp="1"/>
+          </p:cNvSpPr>
+          <p:nvPr>
+            <p:ph type="title"/>
+          </p:nvPr>
+        </p:nvSpPr>
+        <p:spPr>
+          <a:xfrm>
+            <a:off x="215462" y="258872"/>
+            <a:ext cx="3316014" cy="4786093"/>
+          </a:xfrm>
+        </p:spPr>
+        <p:txBody>
+          <a:bodyPr/>
+          <a:lstStyle/>
+          <a:p>
+            <a:r>
+              <a:rPr lang="en-US" dirty="0"/>
+              <a:t>Metadata – enables discovery</a:t>
+            </a:r>
+          </a:p>
+        </p:txBody>
+      </p:sp>
+      <p:pic>
+        <p:nvPicPr>
+          <p:cNvPr id="5" name="Content Placeholder 4" descr="A close up of a logo&#10;&#10;Description generated with high confidence">
+            <a:extLst>
+              <a:ext uri="{FF2B5EF4-FFF2-40B4-BE49-F238E27FC236}">
+                <a16:creationId xmlns:a16="http://schemas.microsoft.com/office/drawing/2014/main" id="{9A3A6BFB-E06C-4B97-A73B-B3D2808BCB67}"/>
+              </a:ext>
+            </a:extLst>
+          </p:cNvPr>
+          <p:cNvPicPr>
+            <a:picLocks noGrp="1" noChangeAspect="1"/>
+          </p:cNvPicPr>
+          <p:nvPr>
+            <p:ph idx="1"/>
+          </p:nvPr>
+        </p:nvPicPr>
+        <p:blipFill>
+          <a:blip r:embed="rId2">
+            <a:extLst>
+              <a:ext uri="{28A0092B-C50C-407E-A947-70E740481C1C}">
+                <a14:useLocalDpi xmlns:a14="http://schemas.microsoft.com/office/drawing/2010/main" val="0"/>
+              </a:ext>
+            </a:extLst>
+          </a:blip>
+          <a:stretch>
+            <a:fillRect/>
+          </a:stretch>
+        </p:blipFill>
+        <p:spPr>
+          <a:xfrm>
+            <a:off x="3129832" y="118464"/>
+            <a:ext cx="8725837" cy="6657212"/>
+          </a:xfrm>
+        </p:spPr>
+      </p:pic>
+    </p:spTree>
+    <p:extLst>
+      <p:ext uri="{BB962C8B-B14F-4D97-AF65-F5344CB8AC3E}">
+        <p14:creationId xmlns:p14="http://schemas.microsoft.com/office/powerpoint/2010/main" val="1334517121"/>
+      </p:ext>
+    </p:extLst>
+  </p:cSld>
+  <p:clrMapOvr>
+    <a:masterClrMapping/>
+  </p:clrMapOvr>
+</p:sld>
+</file>
+
+<file path=ppt/slides/slide11.xml><?xml version="1.0" encoding="utf-8"?>
 <p:sld xmlns:a="http://schemas.openxmlformats.org/drawingml/2006/main" xmlns:r="http://schemas.openxmlformats.org/officeDocument/2006/relationships" xmlns:p="http://schemas.openxmlformats.org/presentationml/2006/main">
   <p:cSld>
     <p:spTree>
@@ -10140,104 +10409,6 @@
 </p:sld>
 </file>
 
-<file path=ppt/slides/slide11.xml><?xml version="1.0" encoding="utf-8"?>
-<p:sld xmlns:a="http://schemas.openxmlformats.org/drawingml/2006/main" xmlns:r="http://schemas.openxmlformats.org/officeDocument/2006/relationships" xmlns:p="http://schemas.openxmlformats.org/presentationml/2006/main">
-  <p:cSld>
-    <p:spTree>
-      <p:nvGrpSpPr>
-        <p:cNvPr id="1" name=""/>
-        <p:cNvGrpSpPr/>
-        <p:nvPr/>
-      </p:nvGrpSpPr>
-      <p:grpSpPr>
-        <a:xfrm>
-          <a:off x="0" y="0"/>
-          <a:ext cx="0" cy="0"/>
-          <a:chOff x="0" y="0"/>
-          <a:chExt cx="0" cy="0"/>
-        </a:xfrm>
-      </p:grpSpPr>
-      <p:sp>
-        <p:nvSpPr>
-          <p:cNvPr id="2" name="Title 1">
-            <a:extLst>
-              <a:ext uri="{FF2B5EF4-FFF2-40B4-BE49-F238E27FC236}">
-                <a16:creationId xmlns:a16="http://schemas.microsoft.com/office/drawing/2014/main" id="{62D3DF70-EBEB-4A51-A00A-2EA9ED42AFEF}"/>
-              </a:ext>
-            </a:extLst>
-          </p:cNvPr>
-          <p:cNvSpPr>
-            <a:spLocks noGrp="1"/>
-          </p:cNvSpPr>
-          <p:nvPr>
-            <p:ph type="title"/>
-          </p:nvPr>
-        </p:nvSpPr>
-        <p:spPr>
-          <a:xfrm>
-            <a:off x="215462" y="258872"/>
-            <a:ext cx="3316014" cy="4786093"/>
-          </a:xfrm>
-        </p:spPr>
-        <p:txBody>
-          <a:bodyPr/>
-          <a:lstStyle/>
-          <a:p>
-            <a:r>
-              <a:rPr lang="en-US" dirty="0"/>
-              <a:t>Metadata – enables discovery</a:t>
-            </a:r>
-          </a:p>
-        </p:txBody>
-      </p:sp>
-      <p:pic>
-        <p:nvPicPr>
-          <p:cNvPr id="5" name="Content Placeholder 4" descr="A close up of a logo&#10;&#10;Description generated with high confidence">
-            <a:extLst>
-              <a:ext uri="{FF2B5EF4-FFF2-40B4-BE49-F238E27FC236}">
-                <a16:creationId xmlns:a16="http://schemas.microsoft.com/office/drawing/2014/main" id="{9A3A6BFB-E06C-4B97-A73B-B3D2808BCB67}"/>
-              </a:ext>
-            </a:extLst>
-          </p:cNvPr>
-          <p:cNvPicPr>
-            <a:picLocks noGrp="1" noChangeAspect="1"/>
-          </p:cNvPicPr>
-          <p:nvPr>
-            <p:ph idx="1"/>
-          </p:nvPr>
-        </p:nvPicPr>
-        <p:blipFill>
-          <a:blip r:embed="rId2">
-            <a:extLst>
-              <a:ext uri="{28A0092B-C50C-407E-A947-70E740481C1C}">
-                <a14:useLocalDpi xmlns:a14="http://schemas.microsoft.com/office/drawing/2010/main" val="0"/>
-              </a:ext>
-            </a:extLst>
-          </a:blip>
-          <a:stretch>
-            <a:fillRect/>
-          </a:stretch>
-        </p:blipFill>
-        <p:spPr>
-          <a:xfrm>
-            <a:off x="3129832" y="118464"/>
-            <a:ext cx="8725837" cy="6657212"/>
-          </a:xfrm>
-        </p:spPr>
-      </p:pic>
-    </p:spTree>
-    <p:extLst>
-      <p:ext uri="{BB962C8B-B14F-4D97-AF65-F5344CB8AC3E}">
-        <p14:creationId xmlns:p14="http://schemas.microsoft.com/office/powerpoint/2010/main" val="1334517121"/>
-      </p:ext>
-    </p:extLst>
-  </p:cSld>
-  <p:clrMapOvr>
-    <a:masterClrMapping/>
-  </p:clrMapOvr>
-</p:sld>
-</file>
-
 <file path=ppt/slides/slide12.xml><?xml version="1.0" encoding="utf-8"?>
 <p:sld xmlns:a="http://schemas.openxmlformats.org/drawingml/2006/main" xmlns:r="http://schemas.openxmlformats.org/officeDocument/2006/relationships" xmlns:p="http://schemas.openxmlformats.org/presentationml/2006/main">
   <p:cSld>
@@ -12814,7 +12985,7 @@
           <a:p>
             <a:r>
               <a:rPr lang="en-US" dirty="0"/>
-              <a:t>Support Profiles	</a:t>
+              <a:t>FHIR Support Profiles	</a:t>
             </a:r>
           </a:p>
         </p:txBody>
@@ -12841,20 +13012,15 @@
           <a:lstStyle/>
           <a:p>
             <a:r>
-              <a:rPr lang="en-US" dirty="0" err="1"/>
-              <a:t>PDQm</a:t>
-            </a:r>
-            <a:r>
               <a:rPr lang="en-US" dirty="0"/>
-              <a:t>, </a:t>
-            </a:r>
-            <a:r>
-              <a:rPr lang="en-US" dirty="0" err="1"/>
-              <a:t>PIXm</a:t>
-            </a:r>
+              <a:t>PDQm, PIXm – Patient lookup</a:t>
+            </a:r>
+          </a:p>
+          <a:p>
+            <a:pPr lvl="1"/>
             <a:r>
               <a:rPr lang="en-US" dirty="0"/>
-              <a:t> – Patient lookup</a:t>
+              <a:t>Proxy to PDQ, PIX, or XCPD</a:t>
             </a:r>
           </a:p>
           <a:p>
@@ -12872,27 +13038,56 @@
             </a:r>
           </a:p>
           <a:p>
+            <a:pPr lvl="1"/>
             <a:r>
               <a:rPr lang="en-US" dirty="0"/>
-              <a:t>ATNA – secure http specification, and </a:t>
+              <a:t>Proxy to XUA (SAML)</a:t>
+            </a:r>
+          </a:p>
+          <a:p>
+            <a:r>
+              <a:rPr lang="en-US" dirty="0"/>
+              <a:t>ATNA – secure http specification, and AuditEvent specification</a:t>
+            </a:r>
+          </a:p>
+          <a:p>
+            <a:pPr lvl="1"/>
+            <a:r>
+              <a:rPr lang="en-US" dirty="0"/>
+              <a:t>Similar functionality in both worlds</a:t>
+            </a:r>
+          </a:p>
+          <a:p>
+            <a:pPr lvl="1"/>
+            <a:r>
+              <a:rPr lang="en-US" dirty="0"/>
+              <a:t>Audit Logging by either FHIR AuditEvent or DICOM/SYSLOG </a:t>
             </a:r>
             <a:r>
               <a:rPr lang="en-US" dirty="0" err="1"/>
-              <a:t>AuditEvent</a:t>
-            </a:r>
+              <a:t>AuditMessage</a:t>
+            </a:r>
+            <a:endParaRPr lang="en-US" dirty="0"/>
+          </a:p>
+          <a:p>
             <a:r>
               <a:rPr lang="en-US" dirty="0"/>
-              <a:t> specification</a:t>
-            </a:r>
-          </a:p>
-          <a:p>
+              <a:t>mCSD – Directory of Provider, Organization, and Health Services</a:t>
+            </a:r>
+          </a:p>
+          <a:p>
+            <a:pPr lvl="1"/>
+            <a:r>
+              <a:rPr lang="en-US" dirty="0"/>
+              <a:t>Proxy to HPD, CSD, PWP, or a </a:t>
+            </a:r>
             <a:r>
               <a:rPr lang="en-US" dirty="0" err="1"/>
-              <a:t>mCSD</a:t>
+              <a:t>uddi</a:t>
             </a:r>
             <a:r>
               <a:rPr lang="en-US" dirty="0"/>
-              <a:t> – Directory of Provider, Organization, and Health Services</a:t>
+              <a:t> based management</a:t>
             </a:r>
           </a:p>
         </p:txBody>
@@ -15733,7 +15928,7 @@
           <a:p>
             <a:r>
               <a:rPr lang="en-US" sz="3600" dirty="0"/>
-              <a:t>Document Sharing – as a given</a:t>
+              <a:t>Document Sharing</a:t>
             </a:r>
           </a:p>
           <a:p>
@@ -15753,29 +15948,16 @@
             <a:pPr lvl="1"/>
             <a:r>
               <a:rPr lang="en-US" sz="2800" dirty="0"/>
-              <a:t>Support profiles: IUA, </a:t>
-            </a:r>
-            <a:r>
-              <a:rPr lang="en-US" sz="2800" dirty="0" err="1"/>
-              <a:t>PDQm</a:t>
-            </a:r>
-            <a:r>
-              <a:rPr lang="en-US" sz="2800" dirty="0"/>
-              <a:t>, </a:t>
-            </a:r>
-            <a:r>
-              <a:rPr lang="en-US" sz="2800" dirty="0" err="1"/>
-              <a:t>PIXm</a:t>
-            </a:r>
-            <a:r>
-              <a:rPr lang="en-US" sz="2800" dirty="0"/>
-              <a:t>, </a:t>
+              <a:t>Support profiles: IUA, PDQm, PIXm, </a:t>
             </a:r>
             <a:r>
               <a:rPr lang="en-US" sz="2800" dirty="0" err="1"/>
               <a:t>mCDS</a:t>
             </a:r>
-            <a:endParaRPr lang="en-US" sz="2800" dirty="0"/>
+            <a:r>
+              <a:rPr lang="en-US" sz="2800" dirty="0"/>
+              <a:t>, …</a:t>
+            </a:r>
           </a:p>
           <a:p>
             <a:r>
@@ -15786,7 +15968,7 @@
           <a:p>
             <a:r>
               <a:rPr lang="en-US" sz="3600" dirty="0"/>
-              <a:t>Decomposed into Elements/Resources</a:t>
+              <a:t>Consuming Elements/Resources</a:t>
             </a:r>
           </a:p>
           <a:p>
@@ -21183,8 +21365,8 @@
         </p:nvSpPr>
         <p:spPr bwMode="auto">
           <a:xfrm>
-            <a:off x="1822358" y="1991847"/>
-            <a:ext cx="8508066" cy="4911719"/>
+            <a:off x="1841967" y="1781640"/>
+            <a:ext cx="8508066" cy="5509254"/>
           </a:xfrm>
           <a:prstGeom prst="rect">
             <a:avLst/>
@@ -21256,6 +21438,26 @@
                 <a:cs typeface="Arial" charset="0"/>
               </a:rPr>
               <a:t>John Moehrke</a:t>
+            </a:r>
+          </a:p>
+          <a:p>
+            <a:pPr algn="ctr" defTabSz="899005" fontAlgn="base">
+              <a:spcBef>
+                <a:spcPct val="0"/>
+              </a:spcBef>
+              <a:spcAft>
+                <a:spcPct val="0"/>
+              </a:spcAft>
+            </a:pPr>
+            <a:r>
+              <a:rPr lang="en-US" sz="3883" dirty="0">
+                <a:solidFill>
+                  <a:prstClr val="black"/>
+                </a:solidFill>
+                <a:latin typeface="Arial" charset="0"/>
+                <a:cs typeface="Arial" charset="0"/>
+              </a:rPr>
+              <a:t>Consultant with By Light</a:t>
             </a:r>
           </a:p>
           <a:p>
@@ -21539,6 +21741,5646 @@
     <p:extLst>
       <p:ext uri="{BB962C8B-B14F-4D97-AF65-F5344CB8AC3E}">
         <p14:creationId xmlns:p14="http://schemas.microsoft.com/office/powerpoint/2010/main" val="4028003807"/>
+      </p:ext>
+    </p:extLst>
+  </p:cSld>
+  <p:clrMapOvr>
+    <a:masterClrMapping/>
+  </p:clrMapOvr>
+</p:sld>
+</file>
+
+<file path=ppt/slides/slide32.xml><?xml version="1.0" encoding="utf-8"?>
+<p:sld xmlns:a="http://schemas.openxmlformats.org/drawingml/2006/main" xmlns:r="http://schemas.openxmlformats.org/officeDocument/2006/relationships" xmlns:p="http://schemas.openxmlformats.org/presentationml/2006/main">
+  <p:cSld>
+    <p:spTree>
+      <p:nvGrpSpPr>
+        <p:cNvPr id="1" name=""/>
+        <p:cNvGrpSpPr/>
+        <p:nvPr/>
+      </p:nvGrpSpPr>
+      <p:grpSpPr>
+        <a:xfrm>
+          <a:off x="0" y="0"/>
+          <a:ext cx="0" cy="0"/>
+          <a:chOff x="0" y="0"/>
+          <a:chExt cx="0" cy="0"/>
+        </a:xfrm>
+      </p:grpSpPr>
+      <p:sp>
+        <p:nvSpPr>
+          <p:cNvPr id="2" name="Title 1">
+            <a:extLst>
+              <a:ext uri="{FF2B5EF4-FFF2-40B4-BE49-F238E27FC236}">
+                <a16:creationId xmlns:a16="http://schemas.microsoft.com/office/drawing/2014/main" id="{97067F42-F934-4A28-A00C-0527EE11F3AD}"/>
+              </a:ext>
+            </a:extLst>
+          </p:cNvPr>
+          <p:cNvSpPr>
+            <a:spLocks noGrp="1"/>
+          </p:cNvSpPr>
+          <p:nvPr>
+            <p:ph type="title"/>
+          </p:nvPr>
+        </p:nvSpPr>
+        <p:spPr/>
+        <p:txBody>
+          <a:bodyPr/>
+          <a:lstStyle/>
+          <a:p>
+            <a:r>
+              <a:rPr lang="en-US" dirty="0"/>
+              <a:t>Open Source</a:t>
+            </a:r>
+          </a:p>
+        </p:txBody>
+      </p:sp>
+      <p:sp>
+        <p:nvSpPr>
+          <p:cNvPr id="3" name="Content Placeholder 2">
+            <a:extLst>
+              <a:ext uri="{FF2B5EF4-FFF2-40B4-BE49-F238E27FC236}">
+                <a16:creationId xmlns:a16="http://schemas.microsoft.com/office/drawing/2014/main" id="{1F855AAA-65FF-4DE8-A2E2-7732C9B2B313}"/>
+              </a:ext>
+            </a:extLst>
+          </p:cNvPr>
+          <p:cNvSpPr>
+            <a:spLocks noGrp="1"/>
+          </p:cNvSpPr>
+          <p:nvPr>
+            <p:ph idx="1"/>
+          </p:nvPr>
+        </p:nvSpPr>
+        <p:spPr/>
+        <p:txBody>
+          <a:bodyPr/>
+          <a:lstStyle/>
+          <a:p>
+            <a:r>
+              <a:rPr lang="en-US" dirty="0">
+                <a:hlinkClick r:id="rId2"/>
+              </a:rPr>
+              <a:t>https://oehf.github.io/ipf-docs/</a:t>
+            </a:r>
+            <a:endParaRPr lang="en-US" dirty="0"/>
+          </a:p>
+          <a:p>
+            <a:endParaRPr lang="en-US" dirty="0"/>
+          </a:p>
+        </p:txBody>
+      </p:sp>
+      <p:sp>
+        <p:nvSpPr>
+          <p:cNvPr id="4" name="Slide Number Placeholder 3">
+            <a:extLst>
+              <a:ext uri="{FF2B5EF4-FFF2-40B4-BE49-F238E27FC236}">
+                <a16:creationId xmlns:a16="http://schemas.microsoft.com/office/drawing/2014/main" id="{606585D6-9860-4776-82CE-C273AF7E8393}"/>
+              </a:ext>
+            </a:extLst>
+          </p:cNvPr>
+          <p:cNvSpPr>
+            <a:spLocks noGrp="1"/>
+          </p:cNvSpPr>
+          <p:nvPr>
+            <p:ph type="sldNum" sz="quarter" idx="12"/>
+          </p:nvPr>
+        </p:nvSpPr>
+        <p:spPr/>
+        <p:txBody>
+          <a:bodyPr/>
+          <a:lstStyle/>
+          <a:p>
+            <a:pPr>
+              <a:defRPr/>
+            </a:pPr>
+            <a:fld id="{336892F5-F7A2-420A-8BF3-D2A2054912B1}" type="slidenum">
+              <a:rPr lang="en-US" smtClean="0"/>
+              <a:pPr>
+                <a:defRPr/>
+              </a:pPr>
+              <a:t>32</a:t>
+            </a:fld>
+            <a:endParaRPr lang="en-US"/>
+          </a:p>
+        </p:txBody>
+      </p:sp>
+    </p:spTree>
+    <p:extLst>
+      <p:ext uri="{BB962C8B-B14F-4D97-AF65-F5344CB8AC3E}">
+        <p14:creationId xmlns:p14="http://schemas.microsoft.com/office/powerpoint/2010/main" val="2022004459"/>
+      </p:ext>
+    </p:extLst>
+  </p:cSld>
+  <p:clrMapOvr>
+    <a:masterClrMapping/>
+  </p:clrMapOvr>
+</p:sld>
+</file>
+
+<file path=ppt/slides/slide33.xml><?xml version="1.0" encoding="utf-8"?>
+<p:sld xmlns:a="http://schemas.openxmlformats.org/drawingml/2006/main" xmlns:r="http://schemas.openxmlformats.org/officeDocument/2006/relationships" xmlns:p="http://schemas.openxmlformats.org/presentationml/2006/main">
+  <p:cSld>
+    <p:spTree>
+      <p:nvGrpSpPr>
+        <p:cNvPr id="1" name=""/>
+        <p:cNvGrpSpPr/>
+        <p:nvPr/>
+      </p:nvGrpSpPr>
+      <p:grpSpPr>
+        <a:xfrm>
+          <a:off x="0" y="0"/>
+          <a:ext cx="0" cy="0"/>
+          <a:chOff x="0" y="0"/>
+          <a:chExt cx="0" cy="0"/>
+        </a:xfrm>
+      </p:grpSpPr>
+      <p:sp>
+        <p:nvSpPr>
+          <p:cNvPr id="126" name="TextBox 125">
+            <a:extLst>
+              <a:ext uri="{FF2B5EF4-FFF2-40B4-BE49-F238E27FC236}">
+                <a16:creationId xmlns:a16="http://schemas.microsoft.com/office/drawing/2014/main" id="{2F718CE6-0FAC-EB4D-8B95-63CBC79521D3}"/>
+              </a:ext>
+            </a:extLst>
+          </p:cNvPr>
+          <p:cNvSpPr txBox="1"/>
+          <p:nvPr/>
+        </p:nvSpPr>
+        <p:spPr>
+          <a:xfrm>
+            <a:off x="8771221" y="1241933"/>
+            <a:ext cx="3181029" cy="4462760"/>
+          </a:xfrm>
+          <a:prstGeom prst="rect">
+            <a:avLst/>
+          </a:prstGeom>
+          <a:noFill/>
+          <a:ln w="12700">
+            <a:solidFill>
+              <a:schemeClr val="tx1"/>
+            </a:solidFill>
+          </a:ln>
+        </p:spPr>
+        <p:txBody>
+          <a:bodyPr wrap="square" rtlCol="0">
+            <a:spAutoFit/>
+          </a:bodyPr>
+          <a:lstStyle/>
+          <a:p>
+            <a:pPr algn="ctr"/>
+            <a:r>
+              <a:rPr lang="en-US" b="1" dirty="0"/>
+              <a:t>MHDS Document Registry</a:t>
+            </a:r>
+            <a:r>
+              <a:rPr lang="en-US" sz="1400" b="1" dirty="0"/>
+              <a:t>                </a:t>
+            </a:r>
+          </a:p>
+          <a:p>
+            <a:pPr algn="ctr"/>
+            <a:endParaRPr lang="en-US" sz="1400" b="1" dirty="0"/>
+          </a:p>
+          <a:p>
+            <a:pPr algn="ctr"/>
+            <a:endParaRPr lang="en-US" sz="1400" b="1" dirty="0"/>
+          </a:p>
+          <a:p>
+            <a:pPr algn="ctr"/>
+            <a:endParaRPr lang="en-US" sz="1400" b="1" dirty="0"/>
+          </a:p>
+          <a:p>
+            <a:pPr algn="ctr"/>
+            <a:endParaRPr lang="en-US" sz="1400" b="1" dirty="0"/>
+          </a:p>
+          <a:p>
+            <a:pPr algn="ctr"/>
+            <a:endParaRPr lang="en-US" sz="1400" b="1" dirty="0"/>
+          </a:p>
+          <a:p>
+            <a:pPr algn="ctr"/>
+            <a:endParaRPr lang="en-US" sz="1400" b="1" dirty="0"/>
+          </a:p>
+          <a:p>
+            <a:pPr algn="ctr"/>
+            <a:endParaRPr lang="en-US" sz="1400" b="1" dirty="0"/>
+          </a:p>
+          <a:p>
+            <a:pPr algn="ctr"/>
+            <a:endParaRPr lang="en-US" sz="1400" b="1" dirty="0"/>
+          </a:p>
+          <a:p>
+            <a:pPr algn="ctr"/>
+            <a:endParaRPr lang="en-US" sz="1400" b="1" dirty="0"/>
+          </a:p>
+          <a:p>
+            <a:pPr algn="ctr"/>
+            <a:endParaRPr lang="en-US" sz="1400" b="1" dirty="0"/>
+          </a:p>
+          <a:p>
+            <a:pPr algn="ctr"/>
+            <a:endParaRPr lang="en-US" sz="1400" b="1" dirty="0"/>
+          </a:p>
+          <a:p>
+            <a:pPr algn="ctr"/>
+            <a:endParaRPr lang="en-US" sz="1400" b="1" dirty="0"/>
+          </a:p>
+          <a:p>
+            <a:pPr algn="ctr"/>
+            <a:endParaRPr lang="en-US" sz="1400" b="1" dirty="0"/>
+          </a:p>
+          <a:p>
+            <a:pPr algn="ctr"/>
+            <a:endParaRPr lang="en-US" sz="1400" b="1" dirty="0"/>
+          </a:p>
+          <a:p>
+            <a:pPr algn="ctr"/>
+            <a:endParaRPr lang="en-US" sz="1400" b="1" dirty="0"/>
+          </a:p>
+          <a:p>
+            <a:pPr algn="ctr"/>
+            <a:endParaRPr lang="en-US" sz="1400" b="1" dirty="0"/>
+          </a:p>
+          <a:p>
+            <a:pPr algn="ctr"/>
+            <a:endParaRPr lang="en-US" sz="1400" b="1" dirty="0"/>
+          </a:p>
+          <a:p>
+            <a:pPr algn="ctr"/>
+            <a:endParaRPr lang="en-US" sz="1400" b="1" dirty="0"/>
+          </a:p>
+          <a:p>
+            <a:pPr algn="ctr"/>
+            <a:endParaRPr lang="en-US" sz="1400" b="1" dirty="0"/>
+          </a:p>
+        </p:txBody>
+      </p:sp>
+      <p:sp>
+        <p:nvSpPr>
+          <p:cNvPr id="145" name="Rounded Rectangle 144">
+            <a:extLst>
+              <a:ext uri="{FF2B5EF4-FFF2-40B4-BE49-F238E27FC236}">
+                <a16:creationId xmlns:a16="http://schemas.microsoft.com/office/drawing/2014/main" id="{3F0D704F-D4E4-C948-8E53-0C3E74484157}"/>
+              </a:ext>
+            </a:extLst>
+          </p:cNvPr>
+          <p:cNvSpPr/>
+          <p:nvPr/>
+        </p:nvSpPr>
+        <p:spPr>
+          <a:xfrm>
+            <a:off x="385370" y="2674564"/>
+            <a:ext cx="2786131" cy="2804541"/>
+          </a:xfrm>
+          <a:prstGeom prst="roundRect">
+            <a:avLst/>
+          </a:prstGeom>
+          <a:solidFill>
+            <a:schemeClr val="accent6">
+              <a:lumMod val="20000"/>
+              <a:lumOff val="80000"/>
+            </a:schemeClr>
+          </a:solidFill>
+          <a:ln>
+            <a:solidFill>
+              <a:schemeClr val="tx1">
+                <a:alpha val="81000"/>
+              </a:schemeClr>
+            </a:solidFill>
+            <a:prstDash val="dash"/>
+          </a:ln>
+        </p:spPr>
+        <p:style>
+          <a:lnRef idx="2">
+            <a:schemeClr val="accent1">
+              <a:shade val="50000"/>
+            </a:schemeClr>
+          </a:lnRef>
+          <a:fillRef idx="1">
+            <a:schemeClr val="accent1"/>
+          </a:fillRef>
+          <a:effectRef idx="0">
+            <a:schemeClr val="accent1"/>
+          </a:effectRef>
+          <a:fontRef idx="minor">
+            <a:schemeClr val="lt1"/>
+          </a:fontRef>
+        </p:style>
+        <p:txBody>
+          <a:bodyPr rtlCol="0" anchor="ctr"/>
+          <a:lstStyle/>
+          <a:p>
+            <a:pPr algn="ctr"/>
+            <a:endParaRPr lang="en-US" dirty="0"/>
+          </a:p>
+        </p:txBody>
+      </p:sp>
+      <p:sp>
+        <p:nvSpPr>
+          <p:cNvPr id="112" name="Rounded Rectangle 111">
+            <a:extLst>
+              <a:ext uri="{FF2B5EF4-FFF2-40B4-BE49-F238E27FC236}">
+                <a16:creationId xmlns:a16="http://schemas.microsoft.com/office/drawing/2014/main" id="{5B0FB12E-1FE8-404D-963C-53D2730624FE}"/>
+              </a:ext>
+            </a:extLst>
+          </p:cNvPr>
+          <p:cNvSpPr/>
+          <p:nvPr/>
+        </p:nvSpPr>
+        <p:spPr>
+          <a:xfrm>
+            <a:off x="4677362" y="3575701"/>
+            <a:ext cx="2679441" cy="3263030"/>
+          </a:xfrm>
+          <a:prstGeom prst="roundRect">
+            <a:avLst/>
+          </a:prstGeom>
+          <a:solidFill>
+            <a:schemeClr val="accent4">
+              <a:lumMod val="20000"/>
+              <a:lumOff val="80000"/>
+            </a:schemeClr>
+          </a:solidFill>
+          <a:ln>
+            <a:solidFill>
+              <a:schemeClr val="tx1">
+                <a:alpha val="81000"/>
+              </a:schemeClr>
+            </a:solidFill>
+            <a:prstDash val="dash"/>
+          </a:ln>
+        </p:spPr>
+        <p:style>
+          <a:lnRef idx="2">
+            <a:schemeClr val="accent1">
+              <a:shade val="50000"/>
+            </a:schemeClr>
+          </a:lnRef>
+          <a:fillRef idx="1">
+            <a:schemeClr val="accent1"/>
+          </a:fillRef>
+          <a:effectRef idx="0">
+            <a:schemeClr val="accent1"/>
+          </a:effectRef>
+          <a:fontRef idx="minor">
+            <a:schemeClr val="lt1"/>
+          </a:fontRef>
+        </p:style>
+        <p:txBody>
+          <a:bodyPr rtlCol="0" anchor="ctr"/>
+          <a:lstStyle/>
+          <a:p>
+            <a:pPr algn="ctr"/>
+            <a:endParaRPr lang="en-US" dirty="0"/>
+          </a:p>
+        </p:txBody>
+      </p:sp>
+      <p:sp>
+        <p:nvSpPr>
+          <p:cNvPr id="7" name="TextBox 6">
+            <a:extLst>
+              <a:ext uri="{FF2B5EF4-FFF2-40B4-BE49-F238E27FC236}">
+                <a16:creationId xmlns:a16="http://schemas.microsoft.com/office/drawing/2014/main" id="{A6A618DC-5EE9-0A45-B38E-52C96A710429}"/>
+              </a:ext>
+            </a:extLst>
+          </p:cNvPr>
+          <p:cNvSpPr txBox="1"/>
+          <p:nvPr/>
+        </p:nvSpPr>
+        <p:spPr>
+          <a:xfrm>
+            <a:off x="8915297" y="2158341"/>
+            <a:ext cx="2891969" cy="523220"/>
+          </a:xfrm>
+          <a:prstGeom prst="rect">
+            <a:avLst/>
+          </a:prstGeom>
+          <a:noFill/>
+          <a:ln w="12700">
+            <a:solidFill>
+              <a:schemeClr val="tx1"/>
+            </a:solidFill>
+          </a:ln>
+        </p:spPr>
+        <p:txBody>
+          <a:bodyPr wrap="square" rtlCol="0">
+            <a:spAutoFit/>
+          </a:bodyPr>
+          <a:lstStyle/>
+          <a:p>
+            <a:r>
+              <a:rPr lang="en-US" sz="1400" dirty="0"/>
+              <a:t>MHD Document Responder</a:t>
+            </a:r>
+          </a:p>
+          <a:p>
+            <a:endParaRPr lang="en-US" sz="1400" dirty="0"/>
+          </a:p>
+        </p:txBody>
+      </p:sp>
+      <p:sp>
+        <p:nvSpPr>
+          <p:cNvPr id="8" name="TextBox 7">
+            <a:extLst>
+              <a:ext uri="{FF2B5EF4-FFF2-40B4-BE49-F238E27FC236}">
+                <a16:creationId xmlns:a16="http://schemas.microsoft.com/office/drawing/2014/main" id="{8400586D-4C09-D341-ABC8-CCA7C32134B2}"/>
+              </a:ext>
+            </a:extLst>
+          </p:cNvPr>
+          <p:cNvSpPr txBox="1"/>
+          <p:nvPr/>
+        </p:nvSpPr>
+        <p:spPr>
+          <a:xfrm>
+            <a:off x="8915297" y="1601488"/>
+            <a:ext cx="2891969" cy="523220"/>
+          </a:xfrm>
+          <a:prstGeom prst="rect">
+            <a:avLst/>
+          </a:prstGeom>
+          <a:noFill/>
+          <a:ln w="12700">
+            <a:solidFill>
+              <a:schemeClr val="tx1"/>
+            </a:solidFill>
+          </a:ln>
+        </p:spPr>
+        <p:txBody>
+          <a:bodyPr wrap="square" rtlCol="0">
+            <a:spAutoFit/>
+          </a:bodyPr>
+          <a:lstStyle/>
+          <a:p>
+            <a:r>
+              <a:rPr lang="en-US" sz="1400" dirty="0"/>
+              <a:t>MHD Document Recipient</a:t>
+            </a:r>
+          </a:p>
+          <a:p>
+            <a:endParaRPr lang="en-US" sz="1400" dirty="0"/>
+          </a:p>
+        </p:txBody>
+      </p:sp>
+      <p:sp>
+        <p:nvSpPr>
+          <p:cNvPr id="9" name="TextBox 8">
+            <a:extLst>
+              <a:ext uri="{FF2B5EF4-FFF2-40B4-BE49-F238E27FC236}">
+                <a16:creationId xmlns:a16="http://schemas.microsoft.com/office/drawing/2014/main" id="{1CFC4452-D360-5A44-868D-E5EA8687EEBA}"/>
+              </a:ext>
+            </a:extLst>
+          </p:cNvPr>
+          <p:cNvSpPr txBox="1"/>
+          <p:nvPr/>
+        </p:nvSpPr>
+        <p:spPr>
+          <a:xfrm>
+            <a:off x="8915297" y="3597364"/>
+            <a:ext cx="2891969" cy="307777"/>
+          </a:xfrm>
+          <a:prstGeom prst="rect">
+            <a:avLst/>
+          </a:prstGeom>
+          <a:noFill/>
+          <a:ln w="12700">
+            <a:solidFill>
+              <a:schemeClr val="tx1"/>
+            </a:solidFill>
+          </a:ln>
+        </p:spPr>
+        <p:txBody>
+          <a:bodyPr wrap="square" rtlCol="0">
+            <a:spAutoFit/>
+          </a:bodyPr>
+          <a:lstStyle/>
+          <a:p>
+            <a:r>
+              <a:rPr lang="en-US" sz="1400" dirty="0"/>
+              <a:t>PMIR Patient Identity Consumer</a:t>
+            </a:r>
+          </a:p>
+        </p:txBody>
+      </p:sp>
+      <p:sp>
+        <p:nvSpPr>
+          <p:cNvPr id="10" name="TextBox 9">
+            <a:extLst>
+              <a:ext uri="{FF2B5EF4-FFF2-40B4-BE49-F238E27FC236}">
+                <a16:creationId xmlns:a16="http://schemas.microsoft.com/office/drawing/2014/main" id="{F61FC17B-F8E3-5345-A1C2-28769AFAFD9F}"/>
+              </a:ext>
+            </a:extLst>
+          </p:cNvPr>
+          <p:cNvSpPr txBox="1"/>
+          <p:nvPr/>
+        </p:nvSpPr>
+        <p:spPr>
+          <a:xfrm>
+            <a:off x="8906983" y="5149784"/>
+            <a:ext cx="2891969" cy="307777"/>
+          </a:xfrm>
+          <a:prstGeom prst="rect">
+            <a:avLst/>
+          </a:prstGeom>
+          <a:noFill/>
+          <a:ln w="12700">
+            <a:solidFill>
+              <a:schemeClr val="tx1"/>
+            </a:solidFill>
+          </a:ln>
+        </p:spPr>
+        <p:txBody>
+          <a:bodyPr wrap="square" rtlCol="0">
+            <a:spAutoFit/>
+          </a:bodyPr>
+          <a:lstStyle/>
+          <a:p>
+            <a:r>
+              <a:rPr lang="en-US" sz="1400" dirty="0"/>
+              <a:t>ATNA Secure Node</a:t>
+            </a:r>
+          </a:p>
+        </p:txBody>
+      </p:sp>
+      <p:sp>
+        <p:nvSpPr>
+          <p:cNvPr id="11" name="TextBox 10">
+            <a:extLst>
+              <a:ext uri="{FF2B5EF4-FFF2-40B4-BE49-F238E27FC236}">
+                <a16:creationId xmlns:a16="http://schemas.microsoft.com/office/drawing/2014/main" id="{CC08521B-FF64-BC4C-8498-0A223DDC4A54}"/>
+              </a:ext>
+            </a:extLst>
+          </p:cNvPr>
+          <p:cNvSpPr txBox="1"/>
+          <p:nvPr/>
+        </p:nvSpPr>
+        <p:spPr>
+          <a:xfrm>
+            <a:off x="8915297" y="4828157"/>
+            <a:ext cx="2891969" cy="307777"/>
+          </a:xfrm>
+          <a:prstGeom prst="rect">
+            <a:avLst/>
+          </a:prstGeom>
+          <a:noFill/>
+          <a:ln w="12700">
+            <a:solidFill>
+              <a:schemeClr val="tx1"/>
+            </a:solidFill>
+          </a:ln>
+        </p:spPr>
+        <p:txBody>
+          <a:bodyPr wrap="square" rtlCol="0">
+            <a:spAutoFit/>
+          </a:bodyPr>
+          <a:lstStyle/>
+          <a:p>
+            <a:r>
+              <a:rPr lang="en-US" sz="1400" dirty="0"/>
+              <a:t>CT Time Client</a:t>
+            </a:r>
+          </a:p>
+        </p:txBody>
+      </p:sp>
+      <p:sp>
+        <p:nvSpPr>
+          <p:cNvPr id="13" name="TextBox 12">
+            <a:extLst>
+              <a:ext uri="{FF2B5EF4-FFF2-40B4-BE49-F238E27FC236}">
+                <a16:creationId xmlns:a16="http://schemas.microsoft.com/office/drawing/2014/main" id="{BB55BDF6-A35D-8049-AC91-DBA96647E51D}"/>
+              </a:ext>
+            </a:extLst>
+          </p:cNvPr>
+          <p:cNvSpPr txBox="1"/>
+          <p:nvPr/>
+        </p:nvSpPr>
+        <p:spPr>
+          <a:xfrm>
+            <a:off x="8915297" y="4285136"/>
+            <a:ext cx="2891969" cy="523220"/>
+          </a:xfrm>
+          <a:prstGeom prst="rect">
+            <a:avLst/>
+          </a:prstGeom>
+          <a:noFill/>
+          <a:ln w="12700">
+            <a:solidFill>
+              <a:schemeClr val="tx1"/>
+            </a:solidFill>
+          </a:ln>
+        </p:spPr>
+        <p:txBody>
+          <a:bodyPr wrap="square" rtlCol="0">
+            <a:spAutoFit/>
+          </a:bodyPr>
+          <a:lstStyle/>
+          <a:p>
+            <a:r>
+              <a:rPr lang="en-US" sz="1400" dirty="0" err="1"/>
+              <a:t>mCSD</a:t>
+            </a:r>
+            <a:r>
+              <a:rPr lang="en-US" sz="1400" dirty="0"/>
+              <a:t> Care Services Selective Consumer</a:t>
+            </a:r>
+          </a:p>
+        </p:txBody>
+      </p:sp>
+      <p:sp>
+        <p:nvSpPr>
+          <p:cNvPr id="15" name="TextBox 14">
+            <a:extLst>
+              <a:ext uri="{FF2B5EF4-FFF2-40B4-BE49-F238E27FC236}">
+                <a16:creationId xmlns:a16="http://schemas.microsoft.com/office/drawing/2014/main" id="{2FD09FAF-81BF-0242-9A5B-D33785891C2B}"/>
+              </a:ext>
+            </a:extLst>
+          </p:cNvPr>
+          <p:cNvSpPr txBox="1"/>
+          <p:nvPr/>
+        </p:nvSpPr>
+        <p:spPr>
+          <a:xfrm>
+            <a:off x="8915297" y="3943964"/>
+            <a:ext cx="2891969" cy="307777"/>
+          </a:xfrm>
+          <a:prstGeom prst="rect">
+            <a:avLst/>
+          </a:prstGeom>
+          <a:noFill/>
+          <a:ln w="12700">
+            <a:solidFill>
+              <a:schemeClr val="tx1"/>
+            </a:solidFill>
+          </a:ln>
+        </p:spPr>
+        <p:txBody>
+          <a:bodyPr wrap="square" rtlCol="0">
+            <a:spAutoFit/>
+          </a:bodyPr>
+          <a:lstStyle/>
+          <a:p>
+            <a:r>
+              <a:rPr lang="en-US" sz="1400" dirty="0"/>
+              <a:t>SVCM Terminology Consumer</a:t>
+            </a:r>
+          </a:p>
+        </p:txBody>
+      </p:sp>
+      <p:sp>
+        <p:nvSpPr>
+          <p:cNvPr id="17" name="TextBox 16">
+            <a:extLst>
+              <a:ext uri="{FF2B5EF4-FFF2-40B4-BE49-F238E27FC236}">
+                <a16:creationId xmlns:a16="http://schemas.microsoft.com/office/drawing/2014/main" id="{48B05430-ACEE-514B-A8C7-62B728C543A8}"/>
+              </a:ext>
+            </a:extLst>
+          </p:cNvPr>
+          <p:cNvSpPr txBox="1"/>
+          <p:nvPr/>
+        </p:nvSpPr>
+        <p:spPr>
+          <a:xfrm>
+            <a:off x="5037730" y="6335784"/>
+            <a:ext cx="2066523" cy="307777"/>
+          </a:xfrm>
+          <a:prstGeom prst="rect">
+            <a:avLst/>
+          </a:prstGeom>
+          <a:noFill/>
+          <a:ln w="12700">
+            <a:solidFill>
+              <a:schemeClr val="tx1"/>
+            </a:solidFill>
+            <a:prstDash val="dash"/>
+          </a:ln>
+        </p:spPr>
+        <p:txBody>
+          <a:bodyPr wrap="square" rtlCol="0">
+            <a:spAutoFit/>
+          </a:bodyPr>
+          <a:lstStyle/>
+          <a:p>
+            <a:r>
+              <a:rPr lang="en-US" sz="1400" dirty="0"/>
+              <a:t>ATNA Audit Record Repos</a:t>
+            </a:r>
+          </a:p>
+        </p:txBody>
+      </p:sp>
+      <p:sp>
+        <p:nvSpPr>
+          <p:cNvPr id="18" name="TextBox 17">
+            <a:extLst>
+              <a:ext uri="{FF2B5EF4-FFF2-40B4-BE49-F238E27FC236}">
+                <a16:creationId xmlns:a16="http://schemas.microsoft.com/office/drawing/2014/main" id="{AD47F4C6-8F4B-A040-A348-C04565191AFE}"/>
+              </a:ext>
+            </a:extLst>
+          </p:cNvPr>
+          <p:cNvSpPr txBox="1"/>
+          <p:nvPr/>
+        </p:nvSpPr>
+        <p:spPr>
+          <a:xfrm>
+            <a:off x="5049275" y="6005672"/>
+            <a:ext cx="2066523" cy="307777"/>
+          </a:xfrm>
+          <a:prstGeom prst="rect">
+            <a:avLst/>
+          </a:prstGeom>
+          <a:noFill/>
+          <a:ln w="12700">
+            <a:solidFill>
+              <a:schemeClr val="tx1"/>
+            </a:solidFill>
+            <a:prstDash val="dash"/>
+          </a:ln>
+        </p:spPr>
+        <p:txBody>
+          <a:bodyPr wrap="square" rtlCol="0">
+            <a:spAutoFit/>
+          </a:bodyPr>
+          <a:lstStyle/>
+          <a:p>
+            <a:r>
+              <a:rPr lang="en-US" sz="1400" dirty="0"/>
+              <a:t>CT Time Server</a:t>
+            </a:r>
+          </a:p>
+        </p:txBody>
+      </p:sp>
+      <p:sp>
+        <p:nvSpPr>
+          <p:cNvPr id="19" name="TextBox 18">
+            <a:extLst>
+              <a:ext uri="{FF2B5EF4-FFF2-40B4-BE49-F238E27FC236}">
+                <a16:creationId xmlns:a16="http://schemas.microsoft.com/office/drawing/2014/main" id="{1DE22B6C-CD3A-0247-873E-0536D4B75FB1}"/>
+              </a:ext>
+            </a:extLst>
+          </p:cNvPr>
+          <p:cNvSpPr txBox="1"/>
+          <p:nvPr/>
+        </p:nvSpPr>
+        <p:spPr>
+          <a:xfrm>
+            <a:off x="5054253" y="5463515"/>
+            <a:ext cx="2056568" cy="523220"/>
+          </a:xfrm>
+          <a:prstGeom prst="rect">
+            <a:avLst/>
+          </a:prstGeom>
+          <a:noFill/>
+          <a:ln w="12700">
+            <a:solidFill>
+              <a:schemeClr val="tx1"/>
+            </a:solidFill>
+            <a:prstDash val="dash"/>
+          </a:ln>
+        </p:spPr>
+        <p:txBody>
+          <a:bodyPr wrap="square" rtlCol="0">
+            <a:spAutoFit/>
+          </a:bodyPr>
+          <a:lstStyle/>
+          <a:p>
+            <a:r>
+              <a:rPr lang="en-US" sz="1400" dirty="0" err="1"/>
+              <a:t>mCSD</a:t>
+            </a:r>
+            <a:r>
+              <a:rPr lang="en-US" sz="1400" dirty="0"/>
+              <a:t> Care Services Selective Supplier</a:t>
+            </a:r>
+          </a:p>
+        </p:txBody>
+      </p:sp>
+      <p:sp>
+        <p:nvSpPr>
+          <p:cNvPr id="20" name="TextBox 19">
+            <a:extLst>
+              <a:ext uri="{FF2B5EF4-FFF2-40B4-BE49-F238E27FC236}">
+                <a16:creationId xmlns:a16="http://schemas.microsoft.com/office/drawing/2014/main" id="{BD161D68-B7EE-B444-B57A-53F5959CA062}"/>
+              </a:ext>
+            </a:extLst>
+          </p:cNvPr>
+          <p:cNvSpPr txBox="1"/>
+          <p:nvPr/>
+        </p:nvSpPr>
+        <p:spPr>
+          <a:xfrm>
+            <a:off x="8915297" y="3151842"/>
+            <a:ext cx="2854392" cy="307777"/>
+          </a:xfrm>
+          <a:prstGeom prst="rect">
+            <a:avLst/>
+          </a:prstGeom>
+          <a:noFill/>
+          <a:ln w="12700">
+            <a:solidFill>
+              <a:schemeClr val="tx1"/>
+            </a:solidFill>
+            <a:prstDash val="solid"/>
+          </a:ln>
+        </p:spPr>
+        <p:txBody>
+          <a:bodyPr wrap="square" rtlCol="0">
+            <a:spAutoFit/>
+          </a:bodyPr>
+          <a:lstStyle/>
+          <a:p>
+            <a:r>
+              <a:rPr lang="en-US" sz="1400" dirty="0"/>
+              <a:t>IUA Resource Server</a:t>
+            </a:r>
+          </a:p>
+        </p:txBody>
+      </p:sp>
+      <p:sp>
+        <p:nvSpPr>
+          <p:cNvPr id="22" name="TextBox 21">
+            <a:extLst>
+              <a:ext uri="{FF2B5EF4-FFF2-40B4-BE49-F238E27FC236}">
+                <a16:creationId xmlns:a16="http://schemas.microsoft.com/office/drawing/2014/main" id="{978DB848-B44A-0A44-BB1E-02BDC76D9115}"/>
+              </a:ext>
+            </a:extLst>
+          </p:cNvPr>
+          <p:cNvSpPr txBox="1"/>
+          <p:nvPr/>
+        </p:nvSpPr>
+        <p:spPr>
+          <a:xfrm>
+            <a:off x="5031878" y="4705788"/>
+            <a:ext cx="2104623" cy="307777"/>
+          </a:xfrm>
+          <a:prstGeom prst="rect">
+            <a:avLst/>
+          </a:prstGeom>
+          <a:noFill/>
+          <a:ln w="12700">
+            <a:solidFill>
+              <a:schemeClr val="tx1"/>
+            </a:solidFill>
+            <a:prstDash val="dash"/>
+          </a:ln>
+        </p:spPr>
+        <p:txBody>
+          <a:bodyPr wrap="square" rtlCol="0">
+            <a:spAutoFit/>
+          </a:bodyPr>
+          <a:lstStyle/>
+          <a:p>
+            <a:r>
+              <a:rPr lang="en-US" sz="1400" dirty="0"/>
+              <a:t>PMIR Patient Identity </a:t>
+            </a:r>
+            <a:r>
+              <a:rPr lang="en-US" sz="1400" dirty="0" err="1"/>
+              <a:t>Mgr</a:t>
+            </a:r>
+            <a:endParaRPr lang="en-US" sz="1400" dirty="0"/>
+          </a:p>
+        </p:txBody>
+      </p:sp>
+      <p:cxnSp>
+        <p:nvCxnSpPr>
+          <p:cNvPr id="27" name="Straight Arrow Connector 26">
+            <a:extLst>
+              <a:ext uri="{FF2B5EF4-FFF2-40B4-BE49-F238E27FC236}">
+                <a16:creationId xmlns:a16="http://schemas.microsoft.com/office/drawing/2014/main" id="{2B64A9F5-8900-014E-943E-C71F6F0FB545}"/>
+              </a:ext>
+            </a:extLst>
+          </p:cNvPr>
+          <p:cNvCxnSpPr>
+            <a:cxnSpLocks/>
+            <a:stCxn id="15" idx="1"/>
+            <a:endCxn id="33" idx="3"/>
+          </p:cNvCxnSpPr>
+          <p:nvPr/>
+        </p:nvCxnSpPr>
+        <p:spPr>
+          <a:xfrm flipH="1">
+            <a:off x="7110820" y="4097853"/>
+            <a:ext cx="1804477" cy="1156486"/>
+          </a:xfrm>
+          <a:prstGeom prst="straightConnector1">
+            <a:avLst/>
+          </a:prstGeom>
+          <a:ln w="12700">
+            <a:solidFill>
+              <a:schemeClr val="tx1"/>
+            </a:solidFill>
+            <a:tailEnd type="triangle" w="lg" len="med"/>
+          </a:ln>
+        </p:spPr>
+        <p:style>
+          <a:lnRef idx="1">
+            <a:schemeClr val="accent1"/>
+          </a:lnRef>
+          <a:fillRef idx="0">
+            <a:schemeClr val="accent1"/>
+          </a:fillRef>
+          <a:effectRef idx="0">
+            <a:schemeClr val="accent1"/>
+          </a:effectRef>
+          <a:fontRef idx="minor">
+            <a:schemeClr val="tx1"/>
+          </a:fontRef>
+        </p:style>
+      </p:cxnSp>
+      <p:cxnSp>
+        <p:nvCxnSpPr>
+          <p:cNvPr id="31" name="Straight Arrow Connector 30">
+            <a:extLst>
+              <a:ext uri="{FF2B5EF4-FFF2-40B4-BE49-F238E27FC236}">
+                <a16:creationId xmlns:a16="http://schemas.microsoft.com/office/drawing/2014/main" id="{11B53CE8-A146-CF4E-A49E-C211867C2D61}"/>
+              </a:ext>
+            </a:extLst>
+          </p:cNvPr>
+          <p:cNvCxnSpPr>
+            <a:cxnSpLocks/>
+            <a:endCxn id="17" idx="3"/>
+          </p:cNvCxnSpPr>
+          <p:nvPr/>
+        </p:nvCxnSpPr>
+        <p:spPr>
+          <a:xfrm flipH="1">
+            <a:off x="7104253" y="5471411"/>
+            <a:ext cx="3345666" cy="1018262"/>
+          </a:xfrm>
+          <a:prstGeom prst="straightConnector1">
+            <a:avLst/>
+          </a:prstGeom>
+          <a:ln w="12700">
+            <a:solidFill>
+              <a:schemeClr val="tx1"/>
+            </a:solidFill>
+            <a:tailEnd type="triangle" w="lg" len="med"/>
+          </a:ln>
+        </p:spPr>
+        <p:style>
+          <a:lnRef idx="1">
+            <a:schemeClr val="accent1"/>
+          </a:lnRef>
+          <a:fillRef idx="0">
+            <a:schemeClr val="accent1"/>
+          </a:fillRef>
+          <a:effectRef idx="0">
+            <a:schemeClr val="accent1"/>
+          </a:effectRef>
+          <a:fontRef idx="minor">
+            <a:schemeClr val="tx1"/>
+          </a:fontRef>
+        </p:style>
+      </p:cxnSp>
+      <p:sp>
+        <p:nvSpPr>
+          <p:cNvPr id="33" name="TextBox 32">
+            <a:extLst>
+              <a:ext uri="{FF2B5EF4-FFF2-40B4-BE49-F238E27FC236}">
+                <a16:creationId xmlns:a16="http://schemas.microsoft.com/office/drawing/2014/main" id="{12CCC8F6-0BE9-E74C-BC26-C3E8705BFEAF}"/>
+              </a:ext>
+            </a:extLst>
+          </p:cNvPr>
+          <p:cNvSpPr txBox="1"/>
+          <p:nvPr/>
+        </p:nvSpPr>
+        <p:spPr>
+          <a:xfrm>
+            <a:off x="5044297" y="5100450"/>
+            <a:ext cx="2066523" cy="307777"/>
+          </a:xfrm>
+          <a:prstGeom prst="rect">
+            <a:avLst/>
+          </a:prstGeom>
+          <a:noFill/>
+          <a:ln w="12700">
+            <a:solidFill>
+              <a:schemeClr val="tx1"/>
+            </a:solidFill>
+            <a:prstDash val="dash"/>
+          </a:ln>
+        </p:spPr>
+        <p:txBody>
+          <a:bodyPr wrap="square" rtlCol="0">
+            <a:spAutoFit/>
+          </a:bodyPr>
+          <a:lstStyle/>
+          <a:p>
+            <a:r>
+              <a:rPr lang="en-US" sz="1400" dirty="0"/>
+              <a:t>SVCM Terminology Repos</a:t>
+            </a:r>
+          </a:p>
+        </p:txBody>
+      </p:sp>
+      <p:cxnSp>
+        <p:nvCxnSpPr>
+          <p:cNvPr id="34" name="Straight Arrow Connector 33">
+            <a:extLst>
+              <a:ext uri="{FF2B5EF4-FFF2-40B4-BE49-F238E27FC236}">
+                <a16:creationId xmlns:a16="http://schemas.microsoft.com/office/drawing/2014/main" id="{A7433FB6-F225-2744-9064-64459D990126}"/>
+              </a:ext>
+            </a:extLst>
+          </p:cNvPr>
+          <p:cNvCxnSpPr>
+            <a:cxnSpLocks/>
+            <a:stCxn id="22" idx="3"/>
+            <a:endCxn id="9" idx="1"/>
+          </p:cNvCxnSpPr>
+          <p:nvPr/>
+        </p:nvCxnSpPr>
+        <p:spPr>
+          <a:xfrm flipV="1">
+            <a:off x="7136501" y="3751253"/>
+            <a:ext cx="1778796" cy="1108424"/>
+          </a:xfrm>
+          <a:prstGeom prst="straightConnector1">
+            <a:avLst/>
+          </a:prstGeom>
+          <a:ln w="12700">
+            <a:solidFill>
+              <a:schemeClr val="tx1"/>
+            </a:solidFill>
+            <a:tailEnd type="triangle" w="lg" len="med"/>
+          </a:ln>
+        </p:spPr>
+        <p:style>
+          <a:lnRef idx="1">
+            <a:schemeClr val="accent1"/>
+          </a:lnRef>
+          <a:fillRef idx="0">
+            <a:schemeClr val="accent1"/>
+          </a:fillRef>
+          <a:effectRef idx="0">
+            <a:schemeClr val="accent1"/>
+          </a:effectRef>
+          <a:fontRef idx="minor">
+            <a:schemeClr val="tx1"/>
+          </a:fontRef>
+        </p:style>
+      </p:cxnSp>
+      <p:cxnSp>
+        <p:nvCxnSpPr>
+          <p:cNvPr id="39" name="Straight Arrow Connector 38">
+            <a:extLst>
+              <a:ext uri="{FF2B5EF4-FFF2-40B4-BE49-F238E27FC236}">
+                <a16:creationId xmlns:a16="http://schemas.microsoft.com/office/drawing/2014/main" id="{D6A2D918-9D49-C946-95E7-7C943FD56E0A}"/>
+              </a:ext>
+            </a:extLst>
+          </p:cNvPr>
+          <p:cNvCxnSpPr>
+            <a:cxnSpLocks/>
+            <a:stCxn id="13" idx="1"/>
+            <a:endCxn id="19" idx="3"/>
+          </p:cNvCxnSpPr>
+          <p:nvPr/>
+        </p:nvCxnSpPr>
+        <p:spPr>
+          <a:xfrm flipH="1">
+            <a:off x="7110821" y="4546746"/>
+            <a:ext cx="1804476" cy="1178379"/>
+          </a:xfrm>
+          <a:prstGeom prst="straightConnector1">
+            <a:avLst/>
+          </a:prstGeom>
+          <a:ln w="12700">
+            <a:solidFill>
+              <a:schemeClr val="tx1"/>
+            </a:solidFill>
+            <a:tailEnd type="triangle" w="lg" len="med"/>
+          </a:ln>
+        </p:spPr>
+        <p:style>
+          <a:lnRef idx="1">
+            <a:schemeClr val="accent1"/>
+          </a:lnRef>
+          <a:fillRef idx="0">
+            <a:schemeClr val="accent1"/>
+          </a:fillRef>
+          <a:effectRef idx="0">
+            <a:schemeClr val="accent1"/>
+          </a:effectRef>
+          <a:fontRef idx="minor">
+            <a:schemeClr val="tx1"/>
+          </a:fontRef>
+        </p:style>
+      </p:cxnSp>
+      <p:cxnSp>
+        <p:nvCxnSpPr>
+          <p:cNvPr id="41" name="Straight Arrow Connector 40">
+            <a:extLst>
+              <a:ext uri="{FF2B5EF4-FFF2-40B4-BE49-F238E27FC236}">
+                <a16:creationId xmlns:a16="http://schemas.microsoft.com/office/drawing/2014/main" id="{BB5FA853-8A13-7C4E-AF8B-A833057E0298}"/>
+              </a:ext>
+            </a:extLst>
+          </p:cNvPr>
+          <p:cNvCxnSpPr>
+            <a:cxnSpLocks/>
+          </p:cNvCxnSpPr>
+          <p:nvPr/>
+        </p:nvCxnSpPr>
+        <p:spPr>
+          <a:xfrm flipH="1">
+            <a:off x="7120775" y="5081793"/>
+            <a:ext cx="1763474" cy="1048718"/>
+          </a:xfrm>
+          <a:prstGeom prst="straightConnector1">
+            <a:avLst/>
+          </a:prstGeom>
+          <a:ln w="12700">
+            <a:solidFill>
+              <a:schemeClr val="tx1"/>
+            </a:solidFill>
+            <a:tailEnd type="triangle" w="lg" len="med"/>
+          </a:ln>
+        </p:spPr>
+        <p:style>
+          <a:lnRef idx="1">
+            <a:schemeClr val="accent1"/>
+          </a:lnRef>
+          <a:fillRef idx="0">
+            <a:schemeClr val="accent1"/>
+          </a:fillRef>
+          <a:effectRef idx="0">
+            <a:schemeClr val="accent1"/>
+          </a:effectRef>
+          <a:fontRef idx="minor">
+            <a:schemeClr val="tx1"/>
+          </a:fontRef>
+        </p:style>
+      </p:cxnSp>
+      <p:cxnSp>
+        <p:nvCxnSpPr>
+          <p:cNvPr id="43" name="Straight Arrow Connector 42">
+            <a:extLst>
+              <a:ext uri="{FF2B5EF4-FFF2-40B4-BE49-F238E27FC236}">
+                <a16:creationId xmlns:a16="http://schemas.microsoft.com/office/drawing/2014/main" id="{70A63688-9EF0-984D-BC04-7E1FF7F31248}"/>
+              </a:ext>
+            </a:extLst>
+          </p:cNvPr>
+          <p:cNvCxnSpPr>
+            <a:cxnSpLocks/>
+            <a:stCxn id="79" idx="3"/>
+          </p:cNvCxnSpPr>
+          <p:nvPr/>
+        </p:nvCxnSpPr>
+        <p:spPr>
+          <a:xfrm flipV="1">
+            <a:off x="2909121" y="2309861"/>
+            <a:ext cx="6006176" cy="1070132"/>
+          </a:xfrm>
+          <a:prstGeom prst="straightConnector1">
+            <a:avLst/>
+          </a:prstGeom>
+          <a:ln w="12700">
+            <a:solidFill>
+              <a:schemeClr val="tx1"/>
+            </a:solidFill>
+            <a:tailEnd type="triangle" w="lg" len="med"/>
+          </a:ln>
+        </p:spPr>
+        <p:style>
+          <a:lnRef idx="1">
+            <a:schemeClr val="accent1"/>
+          </a:lnRef>
+          <a:fillRef idx="0">
+            <a:schemeClr val="accent1"/>
+          </a:fillRef>
+          <a:effectRef idx="0">
+            <a:schemeClr val="accent1"/>
+          </a:effectRef>
+          <a:fontRef idx="minor">
+            <a:schemeClr val="tx1"/>
+          </a:fontRef>
+        </p:style>
+      </p:cxnSp>
+      <p:sp>
+        <p:nvSpPr>
+          <p:cNvPr id="47" name="TextBox 46">
+            <a:extLst>
+              <a:ext uri="{FF2B5EF4-FFF2-40B4-BE49-F238E27FC236}">
+                <a16:creationId xmlns:a16="http://schemas.microsoft.com/office/drawing/2014/main" id="{C8AD0A97-7E96-4343-BBE1-584FA6DF2D8F}"/>
+              </a:ext>
+            </a:extLst>
+          </p:cNvPr>
+          <p:cNvSpPr txBox="1"/>
+          <p:nvPr/>
+        </p:nvSpPr>
+        <p:spPr>
+          <a:xfrm>
+            <a:off x="7520552" y="6346881"/>
+            <a:ext cx="1167131" cy="461665"/>
+          </a:xfrm>
+          <a:prstGeom prst="rect">
+            <a:avLst/>
+          </a:prstGeom>
+          <a:noFill/>
+        </p:spPr>
+        <p:txBody>
+          <a:bodyPr wrap="square" rtlCol="0">
+            <a:spAutoFit/>
+          </a:bodyPr>
+          <a:lstStyle/>
+          <a:p>
+            <a:r>
+              <a:rPr lang="en-US" sz="1200" dirty="0"/>
+              <a:t>[ITI-20] Record Audit Event</a:t>
+            </a:r>
+          </a:p>
+        </p:txBody>
+      </p:sp>
+      <p:sp>
+        <p:nvSpPr>
+          <p:cNvPr id="49" name="TextBox 48">
+            <a:extLst>
+              <a:ext uri="{FF2B5EF4-FFF2-40B4-BE49-F238E27FC236}">
+                <a16:creationId xmlns:a16="http://schemas.microsoft.com/office/drawing/2014/main" id="{BCE416A5-4BAB-9442-B03C-3251EEB0287B}"/>
+              </a:ext>
+            </a:extLst>
+          </p:cNvPr>
+          <p:cNvSpPr txBox="1"/>
+          <p:nvPr/>
+        </p:nvSpPr>
+        <p:spPr>
+          <a:xfrm>
+            <a:off x="7719716" y="3641921"/>
+            <a:ext cx="1128795" cy="646331"/>
+          </a:xfrm>
+          <a:prstGeom prst="rect">
+            <a:avLst/>
+          </a:prstGeom>
+          <a:noFill/>
+        </p:spPr>
+        <p:txBody>
+          <a:bodyPr wrap="square" rtlCol="0">
+            <a:spAutoFit/>
+          </a:bodyPr>
+          <a:lstStyle/>
+          <a:p>
+            <a:r>
+              <a:rPr lang="en-US" sz="1200" dirty="0"/>
+              <a:t>[ITI-93] Mobile Patient Identity Feed</a:t>
+            </a:r>
+          </a:p>
+        </p:txBody>
+      </p:sp>
+      <p:sp>
+        <p:nvSpPr>
+          <p:cNvPr id="58" name="TextBox 57">
+            <a:extLst>
+              <a:ext uri="{FF2B5EF4-FFF2-40B4-BE49-F238E27FC236}">
+                <a16:creationId xmlns:a16="http://schemas.microsoft.com/office/drawing/2014/main" id="{7BF6FEBE-A7FF-4944-89FE-6B0612FF48AC}"/>
+              </a:ext>
+            </a:extLst>
+          </p:cNvPr>
+          <p:cNvSpPr txBox="1"/>
+          <p:nvPr/>
+        </p:nvSpPr>
+        <p:spPr>
+          <a:xfrm>
+            <a:off x="6547874" y="2706138"/>
+            <a:ext cx="2659410" cy="276999"/>
+          </a:xfrm>
+          <a:prstGeom prst="rect">
+            <a:avLst/>
+          </a:prstGeom>
+          <a:noFill/>
+        </p:spPr>
+        <p:txBody>
+          <a:bodyPr wrap="square" rtlCol="0">
+            <a:spAutoFit/>
+          </a:bodyPr>
+          <a:lstStyle/>
+          <a:p>
+            <a:r>
+              <a:rPr lang="en-US" sz="1200" dirty="0"/>
+              <a:t>[ITI-71] Get Authorization Token</a:t>
+            </a:r>
+          </a:p>
+        </p:txBody>
+      </p:sp>
+      <p:sp>
+        <p:nvSpPr>
+          <p:cNvPr id="59" name="TextBox 58">
+            <a:extLst>
+              <a:ext uri="{FF2B5EF4-FFF2-40B4-BE49-F238E27FC236}">
+                <a16:creationId xmlns:a16="http://schemas.microsoft.com/office/drawing/2014/main" id="{E4338DDC-9FA1-D34F-9BBB-E2AB509BED02}"/>
+              </a:ext>
+            </a:extLst>
+          </p:cNvPr>
+          <p:cNvSpPr txBox="1"/>
+          <p:nvPr/>
+        </p:nvSpPr>
+        <p:spPr>
+          <a:xfrm>
+            <a:off x="3105708" y="3872129"/>
+            <a:ext cx="1533552" cy="461665"/>
+          </a:xfrm>
+          <a:prstGeom prst="rect">
+            <a:avLst/>
+          </a:prstGeom>
+          <a:noFill/>
+        </p:spPr>
+        <p:txBody>
+          <a:bodyPr wrap="square" rtlCol="0">
+            <a:spAutoFit/>
+          </a:bodyPr>
+          <a:lstStyle/>
+          <a:p>
+            <a:r>
+              <a:rPr lang="en-US" sz="1200" dirty="0"/>
+              <a:t>[ITI-78] or [ITI-83]  </a:t>
+            </a:r>
+            <a:r>
+              <a:rPr lang="en-US" sz="1200" dirty="0" err="1"/>
+              <a:t>PDQm</a:t>
+            </a:r>
+            <a:r>
+              <a:rPr lang="en-US" sz="1200" dirty="0"/>
+              <a:t> or </a:t>
+            </a:r>
+            <a:r>
+              <a:rPr lang="en-US" sz="1200" dirty="0" err="1"/>
+              <a:t>PIXm</a:t>
+            </a:r>
+            <a:r>
+              <a:rPr lang="en-US" sz="1200" dirty="0"/>
+              <a:t> Query</a:t>
+            </a:r>
+          </a:p>
+        </p:txBody>
+      </p:sp>
+      <p:sp>
+        <p:nvSpPr>
+          <p:cNvPr id="60" name="TextBox 59">
+            <a:extLst>
+              <a:ext uri="{FF2B5EF4-FFF2-40B4-BE49-F238E27FC236}">
+                <a16:creationId xmlns:a16="http://schemas.microsoft.com/office/drawing/2014/main" id="{05DCF846-1BFA-2B45-BED6-D93F4672027C}"/>
+              </a:ext>
+            </a:extLst>
+          </p:cNvPr>
+          <p:cNvSpPr txBox="1"/>
+          <p:nvPr/>
+        </p:nvSpPr>
+        <p:spPr>
+          <a:xfrm>
+            <a:off x="7583860" y="4875540"/>
+            <a:ext cx="1265148" cy="668901"/>
+          </a:xfrm>
+          <a:prstGeom prst="rect">
+            <a:avLst/>
+          </a:prstGeom>
+          <a:noFill/>
+        </p:spPr>
+        <p:txBody>
+          <a:bodyPr wrap="square" rtlCol="0">
+            <a:spAutoFit/>
+          </a:bodyPr>
+          <a:lstStyle/>
+          <a:p>
+            <a:r>
+              <a:rPr lang="en-US" sz="1200" dirty="0"/>
+              <a:t>[ITI-90] Find Matching Care Services</a:t>
+            </a:r>
+          </a:p>
+        </p:txBody>
+      </p:sp>
+      <p:sp>
+        <p:nvSpPr>
+          <p:cNvPr id="61" name="TextBox 60">
+            <a:extLst>
+              <a:ext uri="{FF2B5EF4-FFF2-40B4-BE49-F238E27FC236}">
+                <a16:creationId xmlns:a16="http://schemas.microsoft.com/office/drawing/2014/main" id="{A9AE9888-0670-A44C-996F-A714ED9E2355}"/>
+              </a:ext>
+            </a:extLst>
+          </p:cNvPr>
+          <p:cNvSpPr txBox="1"/>
+          <p:nvPr/>
+        </p:nvSpPr>
+        <p:spPr>
+          <a:xfrm>
+            <a:off x="7581041" y="4439566"/>
+            <a:ext cx="2351608" cy="276999"/>
+          </a:xfrm>
+          <a:prstGeom prst="rect">
+            <a:avLst/>
+          </a:prstGeom>
+          <a:noFill/>
+        </p:spPr>
+        <p:txBody>
+          <a:bodyPr wrap="square" rtlCol="0">
+            <a:spAutoFit/>
+          </a:bodyPr>
+          <a:lstStyle/>
+          <a:p>
+            <a:r>
+              <a:rPr lang="en-US" sz="1200" dirty="0"/>
+              <a:t>[ITI-xx] SVCM </a:t>
+            </a:r>
+            <a:r>
+              <a:rPr lang="en-US" sz="1200" dirty="0" err="1"/>
+              <a:t>Qry</a:t>
+            </a:r>
+            <a:endParaRPr lang="en-US" sz="1200" dirty="0"/>
+          </a:p>
+        </p:txBody>
+      </p:sp>
+      <p:sp>
+        <p:nvSpPr>
+          <p:cNvPr id="97" name="TextBox 96">
+            <a:extLst>
+              <a:ext uri="{FF2B5EF4-FFF2-40B4-BE49-F238E27FC236}">
+                <a16:creationId xmlns:a16="http://schemas.microsoft.com/office/drawing/2014/main" id="{18DA894C-2A58-6C4E-9BAF-06970B94BE31}"/>
+              </a:ext>
+            </a:extLst>
+          </p:cNvPr>
+          <p:cNvSpPr txBox="1"/>
+          <p:nvPr/>
+        </p:nvSpPr>
+        <p:spPr>
+          <a:xfrm>
+            <a:off x="4907261" y="3972193"/>
+            <a:ext cx="2328825" cy="307777"/>
+          </a:xfrm>
+          <a:prstGeom prst="rect">
+            <a:avLst/>
+          </a:prstGeom>
+          <a:noFill/>
+          <a:ln w="12700">
+            <a:solidFill>
+              <a:schemeClr val="tx1"/>
+            </a:solidFill>
+            <a:prstDash val="dash"/>
+          </a:ln>
+        </p:spPr>
+        <p:txBody>
+          <a:bodyPr wrap="square" rtlCol="0">
+            <a:spAutoFit/>
+          </a:bodyPr>
+          <a:lstStyle/>
+          <a:p>
+            <a:r>
+              <a:rPr lang="en-US" sz="1400" dirty="0"/>
+              <a:t>PMIR Patient Identity Source</a:t>
+            </a:r>
+          </a:p>
+        </p:txBody>
+      </p:sp>
+      <p:cxnSp>
+        <p:nvCxnSpPr>
+          <p:cNvPr id="98" name="Straight Arrow Connector 97">
+            <a:extLst>
+              <a:ext uri="{FF2B5EF4-FFF2-40B4-BE49-F238E27FC236}">
+                <a16:creationId xmlns:a16="http://schemas.microsoft.com/office/drawing/2014/main" id="{A8B69B13-8896-D745-B6B5-2372BF3C70C7}"/>
+              </a:ext>
+            </a:extLst>
+          </p:cNvPr>
+          <p:cNvCxnSpPr>
+            <a:cxnSpLocks/>
+          </p:cNvCxnSpPr>
+          <p:nvPr/>
+        </p:nvCxnSpPr>
+        <p:spPr>
+          <a:xfrm>
+            <a:off x="6704697" y="4275175"/>
+            <a:ext cx="0" cy="445587"/>
+          </a:xfrm>
+          <a:prstGeom prst="straightConnector1">
+            <a:avLst/>
+          </a:prstGeom>
+          <a:ln w="12700">
+            <a:solidFill>
+              <a:schemeClr val="tx1"/>
+            </a:solidFill>
+            <a:tailEnd type="triangle" w="lg" len="med"/>
+          </a:ln>
+        </p:spPr>
+        <p:style>
+          <a:lnRef idx="1">
+            <a:schemeClr val="accent1"/>
+          </a:lnRef>
+          <a:fillRef idx="0">
+            <a:schemeClr val="accent1"/>
+          </a:fillRef>
+          <a:effectRef idx="0">
+            <a:schemeClr val="accent1"/>
+          </a:effectRef>
+          <a:fontRef idx="minor">
+            <a:schemeClr val="tx1"/>
+          </a:fontRef>
+        </p:style>
+      </p:cxnSp>
+      <p:cxnSp>
+        <p:nvCxnSpPr>
+          <p:cNvPr id="102" name="Straight Arrow Connector 101">
+            <a:extLst>
+              <a:ext uri="{FF2B5EF4-FFF2-40B4-BE49-F238E27FC236}">
+                <a16:creationId xmlns:a16="http://schemas.microsoft.com/office/drawing/2014/main" id="{E8735C90-85FE-9B46-9F13-26E8A6998FE7}"/>
+              </a:ext>
+            </a:extLst>
+          </p:cNvPr>
+          <p:cNvCxnSpPr>
+            <a:cxnSpLocks/>
+            <a:stCxn id="80" idx="3"/>
+            <a:endCxn id="20" idx="1"/>
+          </p:cNvCxnSpPr>
+          <p:nvPr/>
+        </p:nvCxnSpPr>
+        <p:spPr>
+          <a:xfrm flipV="1">
+            <a:off x="2895427" y="3305731"/>
+            <a:ext cx="6019870" cy="336191"/>
+          </a:xfrm>
+          <a:prstGeom prst="straightConnector1">
+            <a:avLst/>
+          </a:prstGeom>
+          <a:ln w="12700">
+            <a:solidFill>
+              <a:schemeClr val="tx1"/>
+            </a:solidFill>
+            <a:tailEnd type="triangle" w="lg" len="med"/>
+          </a:ln>
+        </p:spPr>
+        <p:style>
+          <a:lnRef idx="1">
+            <a:schemeClr val="accent1"/>
+          </a:lnRef>
+          <a:fillRef idx="0">
+            <a:schemeClr val="accent1"/>
+          </a:fillRef>
+          <a:effectRef idx="0">
+            <a:schemeClr val="accent1"/>
+          </a:effectRef>
+          <a:fontRef idx="minor">
+            <a:schemeClr val="tx1"/>
+          </a:fontRef>
+        </p:style>
+      </p:cxnSp>
+      <p:sp>
+        <p:nvSpPr>
+          <p:cNvPr id="103" name="TextBox 102">
+            <a:extLst>
+              <a:ext uri="{FF2B5EF4-FFF2-40B4-BE49-F238E27FC236}">
+                <a16:creationId xmlns:a16="http://schemas.microsoft.com/office/drawing/2014/main" id="{65C13629-F15D-5A45-80E0-A98CA5E89ABC}"/>
+              </a:ext>
+            </a:extLst>
+          </p:cNvPr>
+          <p:cNvSpPr txBox="1"/>
+          <p:nvPr/>
+        </p:nvSpPr>
+        <p:spPr>
+          <a:xfrm>
+            <a:off x="5107995" y="4265554"/>
+            <a:ext cx="1504819" cy="461665"/>
+          </a:xfrm>
+          <a:prstGeom prst="rect">
+            <a:avLst/>
+          </a:prstGeom>
+          <a:noFill/>
+        </p:spPr>
+        <p:txBody>
+          <a:bodyPr wrap="square" rtlCol="0">
+            <a:spAutoFit/>
+          </a:bodyPr>
+          <a:lstStyle/>
+          <a:p>
+            <a:r>
+              <a:rPr lang="en-US" sz="1200" dirty="0"/>
+              <a:t>[ITI-93] Mobile Patient Identity Feed</a:t>
+            </a:r>
+          </a:p>
+        </p:txBody>
+      </p:sp>
+      <p:sp>
+        <p:nvSpPr>
+          <p:cNvPr id="113" name="TextBox 112">
+            <a:extLst>
+              <a:ext uri="{FF2B5EF4-FFF2-40B4-BE49-F238E27FC236}">
+                <a16:creationId xmlns:a16="http://schemas.microsoft.com/office/drawing/2014/main" id="{3034A79B-E296-B443-8B7D-BE55F44DDD52}"/>
+              </a:ext>
+            </a:extLst>
+          </p:cNvPr>
+          <p:cNvSpPr txBox="1"/>
+          <p:nvPr/>
+        </p:nvSpPr>
+        <p:spPr>
+          <a:xfrm>
+            <a:off x="4738594" y="3617871"/>
+            <a:ext cx="2610651" cy="369332"/>
+          </a:xfrm>
+          <a:prstGeom prst="rect">
+            <a:avLst/>
+          </a:prstGeom>
+          <a:noFill/>
+        </p:spPr>
+        <p:txBody>
+          <a:bodyPr wrap="none" rtlCol="0">
+            <a:spAutoFit/>
+          </a:bodyPr>
+          <a:lstStyle/>
+          <a:p>
+            <a:r>
+              <a:rPr lang="en-US" b="1" dirty="0"/>
+              <a:t>HIE Central Infrastructure</a:t>
+            </a:r>
+          </a:p>
+        </p:txBody>
+      </p:sp>
+      <p:sp>
+        <p:nvSpPr>
+          <p:cNvPr id="114" name="TextBox 113">
+            <a:extLst>
+              <a:ext uri="{FF2B5EF4-FFF2-40B4-BE49-F238E27FC236}">
+                <a16:creationId xmlns:a16="http://schemas.microsoft.com/office/drawing/2014/main" id="{17887360-7281-E249-9B1A-C1D97D7DD0B7}"/>
+              </a:ext>
+            </a:extLst>
+          </p:cNvPr>
+          <p:cNvSpPr txBox="1"/>
+          <p:nvPr/>
+        </p:nvSpPr>
+        <p:spPr>
+          <a:xfrm>
+            <a:off x="4002228" y="5395265"/>
+            <a:ext cx="2066523" cy="646331"/>
+          </a:xfrm>
+          <a:prstGeom prst="rect">
+            <a:avLst/>
+          </a:prstGeom>
+          <a:noFill/>
+        </p:spPr>
+        <p:txBody>
+          <a:bodyPr wrap="square" rtlCol="0">
+            <a:spAutoFit/>
+          </a:bodyPr>
+          <a:lstStyle/>
+          <a:p>
+            <a:r>
+              <a:rPr lang="en-US" sz="1200" dirty="0"/>
+              <a:t>[ITI-1] </a:t>
+            </a:r>
+          </a:p>
+          <a:p>
+            <a:r>
+              <a:rPr lang="en-US" sz="1200" dirty="0"/>
+              <a:t>Maintain </a:t>
+            </a:r>
+          </a:p>
+          <a:p>
+            <a:r>
+              <a:rPr lang="en-US" sz="1200" dirty="0"/>
+              <a:t>Time</a:t>
+            </a:r>
+          </a:p>
+        </p:txBody>
+      </p:sp>
+      <p:sp>
+        <p:nvSpPr>
+          <p:cNvPr id="124" name="TextBox 123">
+            <a:extLst>
+              <a:ext uri="{FF2B5EF4-FFF2-40B4-BE49-F238E27FC236}">
+                <a16:creationId xmlns:a16="http://schemas.microsoft.com/office/drawing/2014/main" id="{5B0171A6-A066-C14A-90BD-DD5F6843DCBB}"/>
+              </a:ext>
+            </a:extLst>
+          </p:cNvPr>
+          <p:cNvSpPr txBox="1"/>
+          <p:nvPr/>
+        </p:nvSpPr>
+        <p:spPr>
+          <a:xfrm>
+            <a:off x="8915297" y="2766366"/>
+            <a:ext cx="2876570" cy="307777"/>
+          </a:xfrm>
+          <a:prstGeom prst="rect">
+            <a:avLst/>
+          </a:prstGeom>
+          <a:noFill/>
+          <a:ln w="12700">
+            <a:solidFill>
+              <a:schemeClr val="tx1"/>
+            </a:solidFill>
+            <a:prstDash val="solid"/>
+          </a:ln>
+        </p:spPr>
+        <p:txBody>
+          <a:bodyPr wrap="square" rtlCol="0">
+            <a:spAutoFit/>
+          </a:bodyPr>
+          <a:lstStyle/>
+          <a:p>
+            <a:r>
+              <a:rPr lang="en-US" sz="1400" dirty="0"/>
+              <a:t>IUA Authorization Server</a:t>
+            </a:r>
+          </a:p>
+        </p:txBody>
+      </p:sp>
+      <p:sp>
+        <p:nvSpPr>
+          <p:cNvPr id="132" name="TextBox 131">
+            <a:extLst>
+              <a:ext uri="{FF2B5EF4-FFF2-40B4-BE49-F238E27FC236}">
+                <a16:creationId xmlns:a16="http://schemas.microsoft.com/office/drawing/2014/main" id="{8A7F91DB-30E7-6248-BB5A-0116674421BE}"/>
+              </a:ext>
+            </a:extLst>
+          </p:cNvPr>
+          <p:cNvSpPr txBox="1"/>
+          <p:nvPr/>
+        </p:nvSpPr>
+        <p:spPr>
+          <a:xfrm>
+            <a:off x="6219692" y="3122478"/>
+            <a:ext cx="3087477" cy="276999"/>
+          </a:xfrm>
+          <a:prstGeom prst="rect">
+            <a:avLst/>
+          </a:prstGeom>
+          <a:noFill/>
+        </p:spPr>
+        <p:txBody>
+          <a:bodyPr wrap="square" rtlCol="0">
+            <a:spAutoFit/>
+          </a:bodyPr>
+          <a:lstStyle/>
+          <a:p>
+            <a:r>
+              <a:rPr lang="en-US" sz="1200" dirty="0"/>
+              <a:t>[ITI-72] Incorporate Authorization Token</a:t>
+            </a:r>
+          </a:p>
+        </p:txBody>
+      </p:sp>
+      <p:cxnSp>
+        <p:nvCxnSpPr>
+          <p:cNvPr id="133" name="Straight Arrow Connector 132">
+            <a:extLst>
+              <a:ext uri="{FF2B5EF4-FFF2-40B4-BE49-F238E27FC236}">
+                <a16:creationId xmlns:a16="http://schemas.microsoft.com/office/drawing/2014/main" id="{81EA1C07-025A-CC47-94FF-44CECDEEDE59}"/>
+              </a:ext>
+            </a:extLst>
+          </p:cNvPr>
+          <p:cNvCxnSpPr>
+            <a:cxnSpLocks/>
+            <a:stCxn id="83" idx="3"/>
+          </p:cNvCxnSpPr>
+          <p:nvPr/>
+        </p:nvCxnSpPr>
+        <p:spPr>
+          <a:xfrm>
+            <a:off x="2908816" y="3919994"/>
+            <a:ext cx="2100688" cy="935340"/>
+          </a:xfrm>
+          <a:prstGeom prst="straightConnector1">
+            <a:avLst/>
+          </a:prstGeom>
+          <a:ln w="12700">
+            <a:solidFill>
+              <a:schemeClr val="tx1"/>
+            </a:solidFill>
+            <a:tailEnd type="triangle" w="lg" len="med"/>
+          </a:ln>
+        </p:spPr>
+        <p:style>
+          <a:lnRef idx="1">
+            <a:schemeClr val="accent1"/>
+          </a:lnRef>
+          <a:fillRef idx="0">
+            <a:schemeClr val="accent1"/>
+          </a:fillRef>
+          <a:effectRef idx="0">
+            <a:schemeClr val="accent1"/>
+          </a:effectRef>
+          <a:fontRef idx="minor">
+            <a:schemeClr val="tx1"/>
+          </a:fontRef>
+        </p:style>
+      </p:cxnSp>
+      <p:cxnSp>
+        <p:nvCxnSpPr>
+          <p:cNvPr id="137" name="Straight Arrow Connector 136">
+            <a:extLst>
+              <a:ext uri="{FF2B5EF4-FFF2-40B4-BE49-F238E27FC236}">
+                <a16:creationId xmlns:a16="http://schemas.microsoft.com/office/drawing/2014/main" id="{DEA2B3D0-94EA-AE40-83A6-9337A341C8C4}"/>
+              </a:ext>
+            </a:extLst>
+          </p:cNvPr>
+          <p:cNvCxnSpPr>
+            <a:cxnSpLocks/>
+          </p:cNvCxnSpPr>
+          <p:nvPr/>
+        </p:nvCxnSpPr>
+        <p:spPr>
+          <a:xfrm>
+            <a:off x="1458132" y="5259836"/>
+            <a:ext cx="3606507" cy="1337478"/>
+          </a:xfrm>
+          <a:prstGeom prst="straightConnector1">
+            <a:avLst/>
+          </a:prstGeom>
+          <a:ln w="12700">
+            <a:solidFill>
+              <a:schemeClr val="tx1"/>
+            </a:solidFill>
+            <a:tailEnd type="triangle" w="lg" len="med"/>
+          </a:ln>
+        </p:spPr>
+        <p:style>
+          <a:lnRef idx="1">
+            <a:schemeClr val="accent1"/>
+          </a:lnRef>
+          <a:fillRef idx="0">
+            <a:schemeClr val="accent1"/>
+          </a:fillRef>
+          <a:effectRef idx="0">
+            <a:schemeClr val="accent1"/>
+          </a:effectRef>
+          <a:fontRef idx="minor">
+            <a:schemeClr val="tx1"/>
+          </a:fontRef>
+        </p:style>
+      </p:cxnSp>
+      <p:cxnSp>
+        <p:nvCxnSpPr>
+          <p:cNvPr id="140" name="Straight Arrow Connector 139">
+            <a:extLst>
+              <a:ext uri="{FF2B5EF4-FFF2-40B4-BE49-F238E27FC236}">
+                <a16:creationId xmlns:a16="http://schemas.microsoft.com/office/drawing/2014/main" id="{3897B4BA-4601-5A4F-BDB1-E63E02505FEF}"/>
+              </a:ext>
+            </a:extLst>
+          </p:cNvPr>
+          <p:cNvCxnSpPr>
+            <a:cxnSpLocks/>
+          </p:cNvCxnSpPr>
+          <p:nvPr/>
+        </p:nvCxnSpPr>
+        <p:spPr>
+          <a:xfrm flipV="1">
+            <a:off x="2931287" y="2864022"/>
+            <a:ext cx="5984010" cy="723953"/>
+          </a:xfrm>
+          <a:prstGeom prst="straightConnector1">
+            <a:avLst/>
+          </a:prstGeom>
+          <a:ln w="12700">
+            <a:solidFill>
+              <a:schemeClr val="tx1"/>
+            </a:solidFill>
+            <a:tailEnd type="triangle" w="lg" len="med"/>
+          </a:ln>
+        </p:spPr>
+        <p:style>
+          <a:lnRef idx="1">
+            <a:schemeClr val="accent1"/>
+          </a:lnRef>
+          <a:fillRef idx="0">
+            <a:schemeClr val="accent1"/>
+          </a:fillRef>
+          <a:effectRef idx="0">
+            <a:schemeClr val="accent1"/>
+          </a:effectRef>
+          <a:fontRef idx="minor">
+            <a:schemeClr val="tx1"/>
+          </a:fontRef>
+        </p:style>
+      </p:cxnSp>
+      <p:sp>
+        <p:nvSpPr>
+          <p:cNvPr id="146" name="TextBox 145">
+            <a:extLst>
+              <a:ext uri="{FF2B5EF4-FFF2-40B4-BE49-F238E27FC236}">
+                <a16:creationId xmlns:a16="http://schemas.microsoft.com/office/drawing/2014/main" id="{4C02FDA4-F4FF-B84F-826E-15351D71362C}"/>
+              </a:ext>
+            </a:extLst>
+          </p:cNvPr>
+          <p:cNvSpPr txBox="1"/>
+          <p:nvPr/>
+        </p:nvSpPr>
+        <p:spPr>
+          <a:xfrm>
+            <a:off x="332452" y="2621331"/>
+            <a:ext cx="2891969" cy="646331"/>
+          </a:xfrm>
+          <a:prstGeom prst="rect">
+            <a:avLst/>
+          </a:prstGeom>
+          <a:noFill/>
+        </p:spPr>
+        <p:txBody>
+          <a:bodyPr wrap="square" rtlCol="0">
+            <a:spAutoFit/>
+          </a:bodyPr>
+          <a:lstStyle/>
+          <a:p>
+            <a:pPr algn="ctr"/>
+            <a:r>
+              <a:rPr lang="en-US" b="1" dirty="0"/>
+              <a:t>System that consumes</a:t>
+            </a:r>
+          </a:p>
+          <a:p>
+            <a:pPr algn="ctr"/>
+            <a:r>
+              <a:rPr lang="en-US" b="1" dirty="0"/>
+              <a:t>documents</a:t>
+            </a:r>
+          </a:p>
+        </p:txBody>
+      </p:sp>
+      <p:cxnSp>
+        <p:nvCxnSpPr>
+          <p:cNvPr id="64" name="Straight Arrow Connector 63">
+            <a:extLst>
+              <a:ext uri="{FF2B5EF4-FFF2-40B4-BE49-F238E27FC236}">
+                <a16:creationId xmlns:a16="http://schemas.microsoft.com/office/drawing/2014/main" id="{BD669417-9DB4-9841-9E8F-699243A65CCB}"/>
+              </a:ext>
+            </a:extLst>
+          </p:cNvPr>
+          <p:cNvCxnSpPr>
+            <a:cxnSpLocks/>
+          </p:cNvCxnSpPr>
+          <p:nvPr/>
+        </p:nvCxnSpPr>
+        <p:spPr>
+          <a:xfrm>
+            <a:off x="2921037" y="4816311"/>
+            <a:ext cx="2085408" cy="1408238"/>
+          </a:xfrm>
+          <a:prstGeom prst="straightConnector1">
+            <a:avLst/>
+          </a:prstGeom>
+          <a:ln w="12700">
+            <a:solidFill>
+              <a:schemeClr val="tx1"/>
+            </a:solidFill>
+            <a:tailEnd type="triangle" w="lg" len="med"/>
+          </a:ln>
+        </p:spPr>
+        <p:style>
+          <a:lnRef idx="1">
+            <a:schemeClr val="accent1"/>
+          </a:lnRef>
+          <a:fillRef idx="0">
+            <a:schemeClr val="accent1"/>
+          </a:fillRef>
+          <a:effectRef idx="0">
+            <a:schemeClr val="accent1"/>
+          </a:effectRef>
+          <a:fontRef idx="minor">
+            <a:schemeClr val="tx1"/>
+          </a:fontRef>
+        </p:style>
+      </p:cxnSp>
+      <p:sp>
+        <p:nvSpPr>
+          <p:cNvPr id="66" name="TextBox 65">
+            <a:extLst>
+              <a:ext uri="{FF2B5EF4-FFF2-40B4-BE49-F238E27FC236}">
+                <a16:creationId xmlns:a16="http://schemas.microsoft.com/office/drawing/2014/main" id="{194DF256-830B-3B4B-A562-83E020B45D19}"/>
+              </a:ext>
+            </a:extLst>
+          </p:cNvPr>
+          <p:cNvSpPr txBox="1"/>
+          <p:nvPr/>
+        </p:nvSpPr>
+        <p:spPr>
+          <a:xfrm>
+            <a:off x="2974314" y="5268960"/>
+            <a:ext cx="1154624" cy="646331"/>
+          </a:xfrm>
+          <a:prstGeom prst="rect">
+            <a:avLst/>
+          </a:prstGeom>
+          <a:noFill/>
+        </p:spPr>
+        <p:txBody>
+          <a:bodyPr wrap="square" rtlCol="0">
+            <a:spAutoFit/>
+          </a:bodyPr>
+          <a:lstStyle/>
+          <a:p>
+            <a:r>
+              <a:rPr lang="en-US" sz="1200" dirty="0"/>
+              <a:t>… ITI-19] </a:t>
+            </a:r>
+            <a:br>
+              <a:rPr lang="en-US" sz="1200" dirty="0"/>
+            </a:br>
+            <a:r>
+              <a:rPr lang="en-US" sz="1200" dirty="0"/>
+              <a:t>Authenticate </a:t>
+            </a:r>
+          </a:p>
+          <a:p>
+            <a:r>
+              <a:rPr lang="en-US" sz="1200" dirty="0"/>
+              <a:t>Node</a:t>
+            </a:r>
+          </a:p>
+        </p:txBody>
+      </p:sp>
+      <p:cxnSp>
+        <p:nvCxnSpPr>
+          <p:cNvPr id="78" name="Straight Arrow Connector 77">
+            <a:extLst>
+              <a:ext uri="{FF2B5EF4-FFF2-40B4-BE49-F238E27FC236}">
+                <a16:creationId xmlns:a16="http://schemas.microsoft.com/office/drawing/2014/main" id="{D161AE7F-1AA0-414D-8E45-131BC628F5DA}"/>
+              </a:ext>
+            </a:extLst>
+          </p:cNvPr>
+          <p:cNvCxnSpPr>
+            <a:cxnSpLocks/>
+            <a:stCxn id="86" idx="3"/>
+          </p:cNvCxnSpPr>
+          <p:nvPr/>
+        </p:nvCxnSpPr>
+        <p:spPr>
+          <a:xfrm>
+            <a:off x="2923300" y="4515137"/>
+            <a:ext cx="2070597" cy="1165282"/>
+          </a:xfrm>
+          <a:prstGeom prst="straightConnector1">
+            <a:avLst/>
+          </a:prstGeom>
+          <a:ln w="12700">
+            <a:solidFill>
+              <a:schemeClr val="tx1"/>
+            </a:solidFill>
+            <a:tailEnd type="triangle" w="lg" len="med"/>
+          </a:ln>
+        </p:spPr>
+        <p:style>
+          <a:lnRef idx="1">
+            <a:schemeClr val="accent1"/>
+          </a:lnRef>
+          <a:fillRef idx="0">
+            <a:schemeClr val="accent1"/>
+          </a:fillRef>
+          <a:effectRef idx="0">
+            <a:schemeClr val="accent1"/>
+          </a:effectRef>
+          <a:fontRef idx="minor">
+            <a:schemeClr val="tx1"/>
+          </a:fontRef>
+        </p:style>
+      </p:cxnSp>
+      <p:sp>
+        <p:nvSpPr>
+          <p:cNvPr id="118" name="TextBox 117">
+            <a:extLst>
+              <a:ext uri="{FF2B5EF4-FFF2-40B4-BE49-F238E27FC236}">
+                <a16:creationId xmlns:a16="http://schemas.microsoft.com/office/drawing/2014/main" id="{72C390AA-7859-494F-82CA-2B2795ABA56D}"/>
+              </a:ext>
+            </a:extLst>
+          </p:cNvPr>
+          <p:cNvSpPr txBox="1"/>
+          <p:nvPr/>
+        </p:nvSpPr>
+        <p:spPr>
+          <a:xfrm>
+            <a:off x="4011035" y="2680394"/>
+            <a:ext cx="2066523" cy="276999"/>
+          </a:xfrm>
+          <a:prstGeom prst="rect">
+            <a:avLst/>
+          </a:prstGeom>
+          <a:noFill/>
+        </p:spPr>
+        <p:txBody>
+          <a:bodyPr wrap="square" rtlCol="0">
+            <a:spAutoFit/>
+          </a:bodyPr>
+          <a:lstStyle/>
+          <a:p>
+            <a:r>
+              <a:rPr lang="en-US" sz="1200" dirty="0"/>
+              <a:t>[ITI-66] or [ITI-67] or [ITI-68]</a:t>
+            </a:r>
+          </a:p>
+        </p:txBody>
+      </p:sp>
+      <p:sp>
+        <p:nvSpPr>
+          <p:cNvPr id="79" name="TextBox 78">
+            <a:extLst>
+              <a:ext uri="{FF2B5EF4-FFF2-40B4-BE49-F238E27FC236}">
+                <a16:creationId xmlns:a16="http://schemas.microsoft.com/office/drawing/2014/main" id="{3BC37444-765E-AA44-9C6C-E039F62A5086}"/>
+              </a:ext>
+            </a:extLst>
+          </p:cNvPr>
+          <p:cNvSpPr txBox="1"/>
+          <p:nvPr/>
+        </p:nvSpPr>
+        <p:spPr>
+          <a:xfrm>
+            <a:off x="853867" y="3241493"/>
+            <a:ext cx="2055254" cy="276999"/>
+          </a:xfrm>
+          <a:prstGeom prst="rect">
+            <a:avLst/>
+          </a:prstGeom>
+          <a:noFill/>
+          <a:ln w="12700">
+            <a:solidFill>
+              <a:schemeClr val="tx1"/>
+            </a:solidFill>
+            <a:prstDash val="dash"/>
+          </a:ln>
+        </p:spPr>
+        <p:txBody>
+          <a:bodyPr wrap="square" rtlCol="0">
+            <a:spAutoFit/>
+          </a:bodyPr>
+          <a:lstStyle/>
+          <a:p>
+            <a:r>
+              <a:rPr lang="en-US" sz="1200" dirty="0"/>
+              <a:t>MHD Document Consumer</a:t>
+            </a:r>
+          </a:p>
+        </p:txBody>
+      </p:sp>
+      <p:sp>
+        <p:nvSpPr>
+          <p:cNvPr id="80" name="TextBox 79">
+            <a:extLst>
+              <a:ext uri="{FF2B5EF4-FFF2-40B4-BE49-F238E27FC236}">
+                <a16:creationId xmlns:a16="http://schemas.microsoft.com/office/drawing/2014/main" id="{55B52B70-D9AA-8340-BD35-2EF27214B16F}"/>
+              </a:ext>
+            </a:extLst>
+          </p:cNvPr>
+          <p:cNvSpPr txBox="1"/>
+          <p:nvPr/>
+        </p:nvSpPr>
+        <p:spPr>
+          <a:xfrm>
+            <a:off x="853867" y="3503422"/>
+            <a:ext cx="2041560" cy="276999"/>
+          </a:xfrm>
+          <a:prstGeom prst="rect">
+            <a:avLst/>
+          </a:prstGeom>
+          <a:noFill/>
+          <a:ln w="12700">
+            <a:solidFill>
+              <a:schemeClr val="tx1"/>
+            </a:solidFill>
+            <a:prstDash val="dash"/>
+          </a:ln>
+        </p:spPr>
+        <p:txBody>
+          <a:bodyPr wrap="square" rtlCol="0">
+            <a:spAutoFit/>
+          </a:bodyPr>
+          <a:lstStyle/>
+          <a:p>
+            <a:r>
+              <a:rPr lang="en-US" sz="1200" dirty="0"/>
+              <a:t>IUA Authorization Client</a:t>
+            </a:r>
+          </a:p>
+        </p:txBody>
+      </p:sp>
+      <p:sp>
+        <p:nvSpPr>
+          <p:cNvPr id="81" name="TextBox 80">
+            <a:extLst>
+              <a:ext uri="{FF2B5EF4-FFF2-40B4-BE49-F238E27FC236}">
+                <a16:creationId xmlns:a16="http://schemas.microsoft.com/office/drawing/2014/main" id="{5DFDE9A3-7375-B54C-AA05-BE8E98DED98C}"/>
+              </a:ext>
+            </a:extLst>
+          </p:cNvPr>
+          <p:cNvSpPr txBox="1"/>
+          <p:nvPr/>
+        </p:nvSpPr>
+        <p:spPr>
+          <a:xfrm>
+            <a:off x="841342" y="4683329"/>
+            <a:ext cx="2050940" cy="276999"/>
+          </a:xfrm>
+          <a:prstGeom prst="rect">
+            <a:avLst/>
+          </a:prstGeom>
+          <a:noFill/>
+          <a:ln w="12700">
+            <a:solidFill>
+              <a:schemeClr val="tx1"/>
+            </a:solidFill>
+            <a:prstDash val="dash"/>
+          </a:ln>
+        </p:spPr>
+        <p:txBody>
+          <a:bodyPr wrap="square" rtlCol="0">
+            <a:spAutoFit/>
+          </a:bodyPr>
+          <a:lstStyle/>
+          <a:p>
+            <a:r>
+              <a:rPr lang="en-US" sz="1200" dirty="0"/>
+              <a:t>CT Time Client</a:t>
+            </a:r>
+          </a:p>
+        </p:txBody>
+      </p:sp>
+      <p:sp>
+        <p:nvSpPr>
+          <p:cNvPr id="83" name="TextBox 82">
+            <a:extLst>
+              <a:ext uri="{FF2B5EF4-FFF2-40B4-BE49-F238E27FC236}">
+                <a16:creationId xmlns:a16="http://schemas.microsoft.com/office/drawing/2014/main" id="{67C5598C-C5C6-984A-8AF0-2F4C12659D2B}"/>
+              </a:ext>
+            </a:extLst>
+          </p:cNvPr>
+          <p:cNvSpPr txBox="1"/>
+          <p:nvPr/>
+        </p:nvSpPr>
+        <p:spPr>
+          <a:xfrm>
+            <a:off x="853229" y="3781494"/>
+            <a:ext cx="2055587" cy="276999"/>
+          </a:xfrm>
+          <a:prstGeom prst="rect">
+            <a:avLst/>
+          </a:prstGeom>
+          <a:noFill/>
+          <a:ln w="12700">
+            <a:solidFill>
+              <a:schemeClr val="tx1"/>
+            </a:solidFill>
+            <a:prstDash val="dash"/>
+          </a:ln>
+        </p:spPr>
+        <p:txBody>
+          <a:bodyPr wrap="square" rtlCol="0">
+            <a:spAutoFit/>
+          </a:bodyPr>
+          <a:lstStyle/>
+          <a:p>
+            <a:r>
+              <a:rPr lang="en-US" sz="1200" dirty="0" err="1"/>
+              <a:t>PDQm</a:t>
+            </a:r>
+            <a:r>
+              <a:rPr lang="en-US" sz="1200" dirty="0"/>
+              <a:t> or </a:t>
+            </a:r>
+            <a:r>
+              <a:rPr lang="en-US" sz="1200" dirty="0" err="1"/>
+              <a:t>PIXm</a:t>
+            </a:r>
+            <a:r>
+              <a:rPr lang="en-US" sz="1200" dirty="0"/>
+              <a:t> Consumer</a:t>
+            </a:r>
+          </a:p>
+        </p:txBody>
+      </p:sp>
+      <p:sp>
+        <p:nvSpPr>
+          <p:cNvPr id="84" name="TextBox 83">
+            <a:extLst>
+              <a:ext uri="{FF2B5EF4-FFF2-40B4-BE49-F238E27FC236}">
+                <a16:creationId xmlns:a16="http://schemas.microsoft.com/office/drawing/2014/main" id="{1A9AA6F8-1FFC-834F-BB91-188F2578C66F}"/>
+              </a:ext>
+            </a:extLst>
+          </p:cNvPr>
+          <p:cNvSpPr txBox="1"/>
+          <p:nvPr/>
+        </p:nvSpPr>
+        <p:spPr>
+          <a:xfrm>
+            <a:off x="841342" y="4972889"/>
+            <a:ext cx="2048647" cy="276999"/>
+          </a:xfrm>
+          <a:prstGeom prst="rect">
+            <a:avLst/>
+          </a:prstGeom>
+          <a:noFill/>
+          <a:ln w="12700">
+            <a:solidFill>
+              <a:schemeClr val="tx1"/>
+            </a:solidFill>
+            <a:prstDash val="dash"/>
+          </a:ln>
+        </p:spPr>
+        <p:txBody>
+          <a:bodyPr wrap="square" rtlCol="0">
+            <a:spAutoFit/>
+          </a:bodyPr>
+          <a:lstStyle/>
+          <a:p>
+            <a:r>
+              <a:rPr lang="en-US" sz="1200" dirty="0"/>
+              <a:t>ATNA Secure Node/App</a:t>
+            </a:r>
+          </a:p>
+        </p:txBody>
+      </p:sp>
+      <p:sp>
+        <p:nvSpPr>
+          <p:cNvPr id="85" name="TextBox 84">
+            <a:extLst>
+              <a:ext uri="{FF2B5EF4-FFF2-40B4-BE49-F238E27FC236}">
+                <a16:creationId xmlns:a16="http://schemas.microsoft.com/office/drawing/2014/main" id="{49D45112-A255-5C49-A5FF-DFFA5A25EBD9}"/>
+              </a:ext>
+            </a:extLst>
+          </p:cNvPr>
+          <p:cNvSpPr txBox="1"/>
+          <p:nvPr/>
+        </p:nvSpPr>
+        <p:spPr>
+          <a:xfrm>
+            <a:off x="853867" y="4087077"/>
+            <a:ext cx="2069433" cy="276999"/>
+          </a:xfrm>
+          <a:prstGeom prst="rect">
+            <a:avLst/>
+          </a:prstGeom>
+          <a:noFill/>
+          <a:ln w="12700">
+            <a:solidFill>
+              <a:schemeClr val="tx1"/>
+            </a:solidFill>
+            <a:prstDash val="dash"/>
+          </a:ln>
+        </p:spPr>
+        <p:txBody>
+          <a:bodyPr wrap="square" rtlCol="0">
+            <a:spAutoFit/>
+          </a:bodyPr>
+          <a:lstStyle/>
+          <a:p>
+            <a:r>
+              <a:rPr lang="en-US" sz="1200" dirty="0"/>
+              <a:t>SVCM Terminology Cons.</a:t>
+            </a:r>
+          </a:p>
+        </p:txBody>
+      </p:sp>
+      <p:sp>
+        <p:nvSpPr>
+          <p:cNvPr id="86" name="TextBox 85">
+            <a:extLst>
+              <a:ext uri="{FF2B5EF4-FFF2-40B4-BE49-F238E27FC236}">
+                <a16:creationId xmlns:a16="http://schemas.microsoft.com/office/drawing/2014/main" id="{41A7DB7D-8114-1744-92A1-4CC49D693983}"/>
+              </a:ext>
+            </a:extLst>
+          </p:cNvPr>
+          <p:cNvSpPr txBox="1"/>
+          <p:nvPr/>
+        </p:nvSpPr>
+        <p:spPr>
+          <a:xfrm>
+            <a:off x="853867" y="4376637"/>
+            <a:ext cx="2069433" cy="276999"/>
+          </a:xfrm>
+          <a:prstGeom prst="rect">
+            <a:avLst/>
+          </a:prstGeom>
+          <a:noFill/>
+          <a:ln w="12700">
+            <a:solidFill>
+              <a:schemeClr val="tx1"/>
+            </a:solidFill>
+            <a:prstDash val="dash"/>
+          </a:ln>
+        </p:spPr>
+        <p:txBody>
+          <a:bodyPr wrap="square" rtlCol="0">
+            <a:spAutoFit/>
+          </a:bodyPr>
+          <a:lstStyle/>
+          <a:p>
+            <a:r>
+              <a:rPr lang="en-US" sz="1200" dirty="0" err="1"/>
+              <a:t>mCSD</a:t>
+            </a:r>
+            <a:r>
+              <a:rPr lang="en-US" sz="1200" dirty="0"/>
+              <a:t> Care Serv Select Cons</a:t>
+            </a:r>
+          </a:p>
+        </p:txBody>
+      </p:sp>
+      <p:sp>
+        <p:nvSpPr>
+          <p:cNvPr id="87" name="TextBox 86">
+            <a:extLst>
+              <a:ext uri="{FF2B5EF4-FFF2-40B4-BE49-F238E27FC236}">
+                <a16:creationId xmlns:a16="http://schemas.microsoft.com/office/drawing/2014/main" id="{F18BFF8B-EEB3-1E47-86F2-C4EBB346A320}"/>
+              </a:ext>
+            </a:extLst>
+          </p:cNvPr>
+          <p:cNvSpPr txBox="1"/>
+          <p:nvPr/>
+        </p:nvSpPr>
+        <p:spPr>
+          <a:xfrm>
+            <a:off x="3174775" y="4704118"/>
+            <a:ext cx="1011446" cy="461665"/>
+          </a:xfrm>
+          <a:prstGeom prst="rect">
+            <a:avLst/>
+          </a:prstGeom>
+          <a:noFill/>
+        </p:spPr>
+        <p:txBody>
+          <a:bodyPr wrap="square" rtlCol="0">
+            <a:spAutoFit/>
+          </a:bodyPr>
+          <a:lstStyle/>
+          <a:p>
+            <a:r>
+              <a:rPr lang="en-US" sz="1200" dirty="0"/>
+              <a:t>[ITI-90] Find … Services</a:t>
+            </a:r>
+          </a:p>
+        </p:txBody>
+      </p:sp>
+      <p:sp>
+        <p:nvSpPr>
+          <p:cNvPr id="88" name="TextBox 87">
+            <a:extLst>
+              <a:ext uri="{FF2B5EF4-FFF2-40B4-BE49-F238E27FC236}">
+                <a16:creationId xmlns:a16="http://schemas.microsoft.com/office/drawing/2014/main" id="{6BDA5988-2563-4B47-BD57-AC6C50E2481B}"/>
+              </a:ext>
+            </a:extLst>
+          </p:cNvPr>
+          <p:cNvSpPr txBox="1"/>
+          <p:nvPr/>
+        </p:nvSpPr>
+        <p:spPr>
+          <a:xfrm>
+            <a:off x="3240626" y="6219085"/>
+            <a:ext cx="1167131" cy="461665"/>
+          </a:xfrm>
+          <a:prstGeom prst="rect">
+            <a:avLst/>
+          </a:prstGeom>
+          <a:noFill/>
+        </p:spPr>
+        <p:txBody>
+          <a:bodyPr wrap="square" rtlCol="0">
+            <a:spAutoFit/>
+          </a:bodyPr>
+          <a:lstStyle/>
+          <a:p>
+            <a:r>
+              <a:rPr lang="en-US" sz="1200" dirty="0"/>
+              <a:t>[ITI-20] Record Audit Event</a:t>
+            </a:r>
+          </a:p>
+        </p:txBody>
+      </p:sp>
+      <p:sp>
+        <p:nvSpPr>
+          <p:cNvPr id="101" name="TextBox 100">
+            <a:extLst>
+              <a:ext uri="{FF2B5EF4-FFF2-40B4-BE49-F238E27FC236}">
+                <a16:creationId xmlns:a16="http://schemas.microsoft.com/office/drawing/2014/main" id="{BFE7114A-125F-8346-AE00-434B4E9A0D1F}"/>
+              </a:ext>
+            </a:extLst>
+          </p:cNvPr>
+          <p:cNvSpPr txBox="1"/>
+          <p:nvPr/>
+        </p:nvSpPr>
+        <p:spPr>
+          <a:xfrm>
+            <a:off x="7347854" y="5892463"/>
+            <a:ext cx="2066523" cy="276999"/>
+          </a:xfrm>
+          <a:prstGeom prst="rect">
+            <a:avLst/>
+          </a:prstGeom>
+          <a:noFill/>
+        </p:spPr>
+        <p:txBody>
+          <a:bodyPr wrap="square" rtlCol="0">
+            <a:spAutoFit/>
+          </a:bodyPr>
+          <a:lstStyle/>
+          <a:p>
+            <a:r>
+              <a:rPr lang="en-US" sz="1200" dirty="0"/>
+              <a:t>[ITI-1] </a:t>
+            </a:r>
+          </a:p>
+        </p:txBody>
+      </p:sp>
+      <p:cxnSp>
+        <p:nvCxnSpPr>
+          <p:cNvPr id="109" name="Straight Arrow Connector 108">
+            <a:extLst>
+              <a:ext uri="{FF2B5EF4-FFF2-40B4-BE49-F238E27FC236}">
+                <a16:creationId xmlns:a16="http://schemas.microsoft.com/office/drawing/2014/main" id="{108A9E90-74A1-E94B-8649-7ACDEED82B3A}"/>
+              </a:ext>
+            </a:extLst>
+          </p:cNvPr>
+          <p:cNvCxnSpPr>
+            <a:cxnSpLocks/>
+          </p:cNvCxnSpPr>
+          <p:nvPr/>
+        </p:nvCxnSpPr>
+        <p:spPr>
+          <a:xfrm>
+            <a:off x="2948733" y="4286711"/>
+            <a:ext cx="2085609" cy="977011"/>
+          </a:xfrm>
+          <a:prstGeom prst="straightConnector1">
+            <a:avLst/>
+          </a:prstGeom>
+          <a:ln w="12700">
+            <a:solidFill>
+              <a:schemeClr val="tx1"/>
+            </a:solidFill>
+            <a:tailEnd type="triangle" w="lg" len="med"/>
+          </a:ln>
+        </p:spPr>
+        <p:style>
+          <a:lnRef idx="1">
+            <a:schemeClr val="accent1"/>
+          </a:lnRef>
+          <a:fillRef idx="0">
+            <a:schemeClr val="accent1"/>
+          </a:fillRef>
+          <a:effectRef idx="0">
+            <a:schemeClr val="accent1"/>
+          </a:effectRef>
+          <a:fontRef idx="minor">
+            <a:schemeClr val="tx1"/>
+          </a:fontRef>
+        </p:style>
+      </p:cxnSp>
+      <p:sp>
+        <p:nvSpPr>
+          <p:cNvPr id="115" name="TextBox 114">
+            <a:extLst>
+              <a:ext uri="{FF2B5EF4-FFF2-40B4-BE49-F238E27FC236}">
+                <a16:creationId xmlns:a16="http://schemas.microsoft.com/office/drawing/2014/main" id="{D434F3BE-F9E4-E647-AA72-8A5FCBD57423}"/>
+              </a:ext>
+            </a:extLst>
+          </p:cNvPr>
+          <p:cNvSpPr txBox="1"/>
+          <p:nvPr/>
+        </p:nvSpPr>
+        <p:spPr>
+          <a:xfrm>
+            <a:off x="3123221" y="4428229"/>
+            <a:ext cx="2351608" cy="276999"/>
+          </a:xfrm>
+          <a:prstGeom prst="rect">
+            <a:avLst/>
+          </a:prstGeom>
+          <a:noFill/>
+        </p:spPr>
+        <p:txBody>
+          <a:bodyPr wrap="square" rtlCol="0">
+            <a:spAutoFit/>
+          </a:bodyPr>
+          <a:lstStyle/>
+          <a:p>
+            <a:r>
+              <a:rPr lang="en-US" sz="1200" dirty="0"/>
+              <a:t>[ITI-xx] SVCM </a:t>
+            </a:r>
+            <a:r>
+              <a:rPr lang="en-US" sz="1200" dirty="0" err="1"/>
+              <a:t>Qry</a:t>
+            </a:r>
+            <a:endParaRPr lang="en-US" sz="1200" dirty="0"/>
+          </a:p>
+        </p:txBody>
+      </p:sp>
+      <p:cxnSp>
+        <p:nvCxnSpPr>
+          <p:cNvPr id="128" name="Straight Arrow Connector 127">
+            <a:extLst>
+              <a:ext uri="{FF2B5EF4-FFF2-40B4-BE49-F238E27FC236}">
+                <a16:creationId xmlns:a16="http://schemas.microsoft.com/office/drawing/2014/main" id="{B9F69C1C-9C3C-BF45-90CE-79533713B380}"/>
+              </a:ext>
+            </a:extLst>
+          </p:cNvPr>
+          <p:cNvCxnSpPr>
+            <a:cxnSpLocks/>
+          </p:cNvCxnSpPr>
+          <p:nvPr/>
+        </p:nvCxnSpPr>
+        <p:spPr>
+          <a:xfrm>
+            <a:off x="2894688" y="5152040"/>
+            <a:ext cx="393129" cy="362896"/>
+          </a:xfrm>
+          <a:prstGeom prst="straightConnector1">
+            <a:avLst/>
+          </a:prstGeom>
+          <a:ln w="12700">
+            <a:solidFill>
+              <a:schemeClr val="tx1"/>
+            </a:solidFill>
+            <a:tailEnd type="triangle" w="lg" len="med"/>
+          </a:ln>
+        </p:spPr>
+        <p:style>
+          <a:lnRef idx="1">
+            <a:schemeClr val="accent1"/>
+          </a:lnRef>
+          <a:fillRef idx="0">
+            <a:schemeClr val="accent1"/>
+          </a:fillRef>
+          <a:effectRef idx="0">
+            <a:schemeClr val="accent1"/>
+          </a:effectRef>
+          <a:fontRef idx="minor">
+            <a:schemeClr val="tx1"/>
+          </a:fontRef>
+        </p:style>
+      </p:cxnSp>
+      <p:cxnSp>
+        <p:nvCxnSpPr>
+          <p:cNvPr id="138" name="Straight Arrow Connector 137">
+            <a:extLst>
+              <a:ext uri="{FF2B5EF4-FFF2-40B4-BE49-F238E27FC236}">
+                <a16:creationId xmlns:a16="http://schemas.microsoft.com/office/drawing/2014/main" id="{248B6CEC-51A8-E34C-8C07-B9E40A56D947}"/>
+              </a:ext>
+            </a:extLst>
+          </p:cNvPr>
+          <p:cNvCxnSpPr>
+            <a:cxnSpLocks/>
+          </p:cNvCxnSpPr>
+          <p:nvPr/>
+        </p:nvCxnSpPr>
+        <p:spPr>
+          <a:xfrm flipH="1">
+            <a:off x="8620280" y="5368923"/>
+            <a:ext cx="293394" cy="297588"/>
+          </a:xfrm>
+          <a:prstGeom prst="straightConnector1">
+            <a:avLst/>
+          </a:prstGeom>
+          <a:ln w="12700">
+            <a:solidFill>
+              <a:schemeClr val="tx1"/>
+            </a:solidFill>
+            <a:tailEnd type="triangle" w="lg" len="med"/>
+          </a:ln>
+        </p:spPr>
+        <p:style>
+          <a:lnRef idx="1">
+            <a:schemeClr val="accent1"/>
+          </a:lnRef>
+          <a:fillRef idx="0">
+            <a:schemeClr val="accent1"/>
+          </a:fillRef>
+          <a:effectRef idx="0">
+            <a:schemeClr val="accent1"/>
+          </a:effectRef>
+          <a:fontRef idx="minor">
+            <a:schemeClr val="tx1"/>
+          </a:fontRef>
+        </p:style>
+      </p:cxnSp>
+      <p:sp>
+        <p:nvSpPr>
+          <p:cNvPr id="139" name="TextBox 138">
+            <a:extLst>
+              <a:ext uri="{FF2B5EF4-FFF2-40B4-BE49-F238E27FC236}">
+                <a16:creationId xmlns:a16="http://schemas.microsoft.com/office/drawing/2014/main" id="{F3C2D349-356B-F24E-8EFE-BBE4F7B46638}"/>
+              </a:ext>
+            </a:extLst>
+          </p:cNvPr>
+          <p:cNvSpPr txBox="1"/>
+          <p:nvPr/>
+        </p:nvSpPr>
+        <p:spPr>
+          <a:xfrm>
+            <a:off x="7984172" y="5475341"/>
+            <a:ext cx="1154624" cy="646331"/>
+          </a:xfrm>
+          <a:prstGeom prst="rect">
+            <a:avLst/>
+          </a:prstGeom>
+          <a:noFill/>
+        </p:spPr>
+        <p:txBody>
+          <a:bodyPr wrap="square" rtlCol="0">
+            <a:spAutoFit/>
+          </a:bodyPr>
+          <a:lstStyle/>
+          <a:p>
+            <a:r>
+              <a:rPr lang="en-US" sz="1200" dirty="0"/>
+              <a:t>… ITI-19] </a:t>
+            </a:r>
+            <a:br>
+              <a:rPr lang="en-US" sz="1200" dirty="0"/>
+            </a:br>
+            <a:r>
+              <a:rPr lang="en-US" sz="1200" dirty="0"/>
+              <a:t>Authenticate </a:t>
+            </a:r>
+          </a:p>
+          <a:p>
+            <a:r>
+              <a:rPr lang="en-US" sz="1200" dirty="0"/>
+              <a:t>Node</a:t>
+            </a:r>
+          </a:p>
+        </p:txBody>
+      </p:sp>
+      <p:sp>
+        <p:nvSpPr>
+          <p:cNvPr id="2" name="Title 1">
+            <a:extLst>
+              <a:ext uri="{FF2B5EF4-FFF2-40B4-BE49-F238E27FC236}">
+                <a16:creationId xmlns:a16="http://schemas.microsoft.com/office/drawing/2014/main" id="{8DDF110B-D78B-4205-9D0C-005ED3F8D246}"/>
+              </a:ext>
+            </a:extLst>
+          </p:cNvPr>
+          <p:cNvSpPr>
+            <a:spLocks noGrp="1"/>
+          </p:cNvSpPr>
+          <p:nvPr>
+            <p:ph type="title"/>
+          </p:nvPr>
+        </p:nvSpPr>
+        <p:spPr/>
+        <p:txBody>
+          <a:bodyPr/>
+          <a:lstStyle/>
+          <a:p>
+            <a:r>
+              <a:rPr lang="en-US" dirty="0"/>
+              <a:t>MHDS Client detailed transactions</a:t>
+            </a:r>
+          </a:p>
+        </p:txBody>
+      </p:sp>
+    </p:spTree>
+    <p:extLst>
+      <p:ext uri="{BB962C8B-B14F-4D97-AF65-F5344CB8AC3E}">
+        <p14:creationId xmlns:p14="http://schemas.microsoft.com/office/powerpoint/2010/main" val="1090947788"/>
+      </p:ext>
+    </p:extLst>
+  </p:cSld>
+  <p:clrMapOvr>
+    <a:masterClrMapping/>
+  </p:clrMapOvr>
+</p:sld>
+</file>
+
+<file path=ppt/slides/slide34.xml><?xml version="1.0" encoding="utf-8"?>
+<p:sld xmlns:a="http://schemas.openxmlformats.org/drawingml/2006/main" xmlns:r="http://schemas.openxmlformats.org/officeDocument/2006/relationships" xmlns:p="http://schemas.openxmlformats.org/presentationml/2006/main">
+  <p:cSld>
+    <p:spTree>
+      <p:nvGrpSpPr>
+        <p:cNvPr id="1" name=""/>
+        <p:cNvGrpSpPr/>
+        <p:nvPr/>
+      </p:nvGrpSpPr>
+      <p:grpSpPr>
+        <a:xfrm>
+          <a:off x="0" y="0"/>
+          <a:ext cx="0" cy="0"/>
+          <a:chOff x="0" y="0"/>
+          <a:chExt cx="0" cy="0"/>
+        </a:xfrm>
+      </p:grpSpPr>
+      <p:sp>
+        <p:nvSpPr>
+          <p:cNvPr id="6" name="Rectangle: Rounded Corners 5">
+            <a:extLst>
+              <a:ext uri="{FF2B5EF4-FFF2-40B4-BE49-F238E27FC236}">
+                <a16:creationId xmlns:a16="http://schemas.microsoft.com/office/drawing/2014/main" id="{F1E8029E-1D16-43C9-B689-16B81A5AA58C}"/>
+              </a:ext>
+            </a:extLst>
+          </p:cNvPr>
+          <p:cNvSpPr/>
+          <p:nvPr/>
+        </p:nvSpPr>
+        <p:spPr>
+          <a:xfrm>
+            <a:off x="8969096" y="762325"/>
+            <a:ext cx="2861414" cy="5865084"/>
+          </a:xfrm>
+          <a:prstGeom prst="roundRect">
+            <a:avLst/>
+          </a:prstGeom>
+          <a:solidFill>
+            <a:schemeClr val="accent1">
+              <a:lumMod val="40000"/>
+              <a:lumOff val="60000"/>
+            </a:schemeClr>
+          </a:solidFill>
+        </p:spPr>
+        <p:style>
+          <a:lnRef idx="2">
+            <a:schemeClr val="accent1">
+              <a:shade val="50000"/>
+            </a:schemeClr>
+          </a:lnRef>
+          <a:fillRef idx="1">
+            <a:schemeClr val="accent1"/>
+          </a:fillRef>
+          <a:effectRef idx="0">
+            <a:schemeClr val="accent1"/>
+          </a:effectRef>
+          <a:fontRef idx="minor">
+            <a:schemeClr val="lt1"/>
+          </a:fontRef>
+        </p:style>
+        <p:txBody>
+          <a:bodyPr rtlCol="0" anchor="t"/>
+          <a:lstStyle/>
+          <a:p>
+            <a:pPr algn="ctr"/>
+            <a:r>
+              <a:rPr lang="en-US" dirty="0">
+                <a:solidFill>
+                  <a:schemeClr val="tx1"/>
+                </a:solidFill>
+              </a:rPr>
+              <a:t>XCA Infrastructure</a:t>
+            </a:r>
+          </a:p>
+        </p:txBody>
+      </p:sp>
+      <p:sp>
+        <p:nvSpPr>
+          <p:cNvPr id="145" name="Rounded Rectangle 144">
+            <a:extLst>
+              <a:ext uri="{FF2B5EF4-FFF2-40B4-BE49-F238E27FC236}">
+                <a16:creationId xmlns:a16="http://schemas.microsoft.com/office/drawing/2014/main" id="{3F0D704F-D4E4-C948-8E53-0C3E74484157}"/>
+              </a:ext>
+            </a:extLst>
+          </p:cNvPr>
+          <p:cNvSpPr/>
+          <p:nvPr/>
+        </p:nvSpPr>
+        <p:spPr>
+          <a:xfrm>
+            <a:off x="132251" y="1544381"/>
+            <a:ext cx="2786131" cy="4215245"/>
+          </a:xfrm>
+          <a:prstGeom prst="roundRect">
+            <a:avLst/>
+          </a:prstGeom>
+          <a:solidFill>
+            <a:schemeClr val="accent6">
+              <a:lumMod val="20000"/>
+              <a:lumOff val="80000"/>
+            </a:schemeClr>
+          </a:solidFill>
+          <a:ln>
+            <a:solidFill>
+              <a:schemeClr val="tx1">
+                <a:alpha val="81000"/>
+              </a:schemeClr>
+            </a:solidFill>
+            <a:prstDash val="dash"/>
+          </a:ln>
+        </p:spPr>
+        <p:style>
+          <a:lnRef idx="2">
+            <a:schemeClr val="accent1">
+              <a:shade val="50000"/>
+            </a:schemeClr>
+          </a:lnRef>
+          <a:fillRef idx="1">
+            <a:schemeClr val="accent1"/>
+          </a:fillRef>
+          <a:effectRef idx="0">
+            <a:schemeClr val="accent1"/>
+          </a:effectRef>
+          <a:fontRef idx="minor">
+            <a:schemeClr val="lt1"/>
+          </a:fontRef>
+        </p:style>
+        <p:txBody>
+          <a:bodyPr rtlCol="0" anchor="ctr"/>
+          <a:lstStyle/>
+          <a:p>
+            <a:pPr algn="ctr"/>
+            <a:endParaRPr lang="en-US" dirty="0"/>
+          </a:p>
+        </p:txBody>
+      </p:sp>
+      <p:sp>
+        <p:nvSpPr>
+          <p:cNvPr id="112" name="Rounded Rectangle 111">
+            <a:extLst>
+              <a:ext uri="{FF2B5EF4-FFF2-40B4-BE49-F238E27FC236}">
+                <a16:creationId xmlns:a16="http://schemas.microsoft.com/office/drawing/2014/main" id="{5B0FB12E-1FE8-404D-963C-53D2730624FE}"/>
+              </a:ext>
+            </a:extLst>
+          </p:cNvPr>
+          <p:cNvSpPr/>
+          <p:nvPr/>
+        </p:nvSpPr>
+        <p:spPr>
+          <a:xfrm>
+            <a:off x="4471142" y="445998"/>
+            <a:ext cx="3263698" cy="5967466"/>
+          </a:xfrm>
+          <a:prstGeom prst="roundRect">
+            <a:avLst/>
+          </a:prstGeom>
+          <a:solidFill>
+            <a:schemeClr val="accent4">
+              <a:lumMod val="20000"/>
+              <a:lumOff val="80000"/>
+            </a:schemeClr>
+          </a:solidFill>
+          <a:ln>
+            <a:solidFill>
+              <a:schemeClr val="tx1">
+                <a:alpha val="81000"/>
+              </a:schemeClr>
+            </a:solidFill>
+            <a:prstDash val="dash"/>
+          </a:ln>
+        </p:spPr>
+        <p:style>
+          <a:lnRef idx="2">
+            <a:schemeClr val="accent1">
+              <a:shade val="50000"/>
+            </a:schemeClr>
+          </a:lnRef>
+          <a:fillRef idx="1">
+            <a:schemeClr val="accent1"/>
+          </a:fillRef>
+          <a:effectRef idx="0">
+            <a:schemeClr val="accent1"/>
+          </a:effectRef>
+          <a:fontRef idx="minor">
+            <a:schemeClr val="lt1"/>
+          </a:fontRef>
+        </p:style>
+        <p:txBody>
+          <a:bodyPr rtlCol="0" anchor="ctr"/>
+          <a:lstStyle/>
+          <a:p>
+            <a:pPr algn="ctr"/>
+            <a:endParaRPr lang="en-US" dirty="0"/>
+          </a:p>
+        </p:txBody>
+      </p:sp>
+      <p:sp>
+        <p:nvSpPr>
+          <p:cNvPr id="7" name="TextBox 6">
+            <a:extLst>
+              <a:ext uri="{FF2B5EF4-FFF2-40B4-BE49-F238E27FC236}">
+                <a16:creationId xmlns:a16="http://schemas.microsoft.com/office/drawing/2014/main" id="{A6A618DC-5EE9-0A45-B38E-52C96A710429}"/>
+              </a:ext>
+            </a:extLst>
+          </p:cNvPr>
+          <p:cNvSpPr txBox="1"/>
+          <p:nvPr/>
+        </p:nvSpPr>
+        <p:spPr>
+          <a:xfrm>
+            <a:off x="4676042" y="1391046"/>
+            <a:ext cx="2292648" cy="307777"/>
+          </a:xfrm>
+          <a:prstGeom prst="rect">
+            <a:avLst/>
+          </a:prstGeom>
+          <a:noFill/>
+          <a:ln w="12700">
+            <a:solidFill>
+              <a:schemeClr val="tx1"/>
+            </a:solidFill>
+          </a:ln>
+        </p:spPr>
+        <p:txBody>
+          <a:bodyPr wrap="square" rtlCol="0">
+            <a:spAutoFit/>
+          </a:bodyPr>
+          <a:lstStyle/>
+          <a:p>
+            <a:r>
+              <a:rPr lang="en-US" sz="1400" dirty="0"/>
+              <a:t>MHD Document Responder</a:t>
+            </a:r>
+          </a:p>
+        </p:txBody>
+      </p:sp>
+      <p:sp>
+        <p:nvSpPr>
+          <p:cNvPr id="17" name="TextBox 16">
+            <a:extLst>
+              <a:ext uri="{FF2B5EF4-FFF2-40B4-BE49-F238E27FC236}">
+                <a16:creationId xmlns:a16="http://schemas.microsoft.com/office/drawing/2014/main" id="{48B05430-ACEE-514B-A8C7-62B728C543A8}"/>
+              </a:ext>
+            </a:extLst>
+          </p:cNvPr>
+          <p:cNvSpPr txBox="1"/>
+          <p:nvPr/>
+        </p:nvSpPr>
+        <p:spPr>
+          <a:xfrm>
+            <a:off x="4806510" y="5999463"/>
+            <a:ext cx="2066523" cy="307777"/>
+          </a:xfrm>
+          <a:prstGeom prst="rect">
+            <a:avLst/>
+          </a:prstGeom>
+          <a:noFill/>
+          <a:ln w="12700">
+            <a:solidFill>
+              <a:schemeClr val="tx1"/>
+            </a:solidFill>
+            <a:prstDash val="dash"/>
+          </a:ln>
+        </p:spPr>
+        <p:txBody>
+          <a:bodyPr wrap="square" rtlCol="0">
+            <a:spAutoFit/>
+          </a:bodyPr>
+          <a:lstStyle/>
+          <a:p>
+            <a:r>
+              <a:rPr lang="en-US" sz="1400" dirty="0"/>
+              <a:t>ATNA Audit Record Repos</a:t>
+            </a:r>
+          </a:p>
+        </p:txBody>
+      </p:sp>
+      <p:sp>
+        <p:nvSpPr>
+          <p:cNvPr id="18" name="TextBox 17">
+            <a:extLst>
+              <a:ext uri="{FF2B5EF4-FFF2-40B4-BE49-F238E27FC236}">
+                <a16:creationId xmlns:a16="http://schemas.microsoft.com/office/drawing/2014/main" id="{AD47F4C6-8F4B-A040-A348-C04565191AFE}"/>
+              </a:ext>
+            </a:extLst>
+          </p:cNvPr>
+          <p:cNvSpPr txBox="1"/>
+          <p:nvPr/>
+        </p:nvSpPr>
+        <p:spPr>
+          <a:xfrm>
+            <a:off x="4818055" y="5606291"/>
+            <a:ext cx="2066523" cy="307777"/>
+          </a:xfrm>
+          <a:prstGeom prst="rect">
+            <a:avLst/>
+          </a:prstGeom>
+          <a:noFill/>
+          <a:ln w="12700">
+            <a:solidFill>
+              <a:schemeClr val="tx1"/>
+            </a:solidFill>
+            <a:prstDash val="dash"/>
+          </a:ln>
+        </p:spPr>
+        <p:txBody>
+          <a:bodyPr wrap="square" rtlCol="0">
+            <a:spAutoFit/>
+          </a:bodyPr>
+          <a:lstStyle/>
+          <a:p>
+            <a:r>
+              <a:rPr lang="en-US" sz="1400" dirty="0"/>
+              <a:t>CT Time Server</a:t>
+            </a:r>
+          </a:p>
+        </p:txBody>
+      </p:sp>
+      <p:sp>
+        <p:nvSpPr>
+          <p:cNvPr id="19" name="TextBox 18">
+            <a:extLst>
+              <a:ext uri="{FF2B5EF4-FFF2-40B4-BE49-F238E27FC236}">
+                <a16:creationId xmlns:a16="http://schemas.microsoft.com/office/drawing/2014/main" id="{1DE22B6C-CD3A-0247-873E-0536D4B75FB1}"/>
+              </a:ext>
+            </a:extLst>
+          </p:cNvPr>
+          <p:cNvSpPr txBox="1"/>
+          <p:nvPr/>
+        </p:nvSpPr>
+        <p:spPr>
+          <a:xfrm>
+            <a:off x="4823033" y="4675257"/>
+            <a:ext cx="2056568" cy="523220"/>
+          </a:xfrm>
+          <a:prstGeom prst="rect">
+            <a:avLst/>
+          </a:prstGeom>
+          <a:noFill/>
+          <a:ln w="12700">
+            <a:solidFill>
+              <a:schemeClr val="tx1"/>
+            </a:solidFill>
+            <a:prstDash val="dash"/>
+          </a:ln>
+        </p:spPr>
+        <p:txBody>
+          <a:bodyPr wrap="square" rtlCol="0">
+            <a:spAutoFit/>
+          </a:bodyPr>
+          <a:lstStyle/>
+          <a:p>
+            <a:r>
+              <a:rPr lang="en-US" sz="1400" dirty="0" err="1"/>
+              <a:t>mCSD</a:t>
+            </a:r>
+            <a:r>
+              <a:rPr lang="en-US" sz="1400" dirty="0"/>
+              <a:t> Care Services Selective Supplier</a:t>
+            </a:r>
+          </a:p>
+        </p:txBody>
+      </p:sp>
+      <p:sp>
+        <p:nvSpPr>
+          <p:cNvPr id="20" name="TextBox 19">
+            <a:extLst>
+              <a:ext uri="{FF2B5EF4-FFF2-40B4-BE49-F238E27FC236}">
+                <a16:creationId xmlns:a16="http://schemas.microsoft.com/office/drawing/2014/main" id="{BD161D68-B7EE-B444-B57A-53F5959CA062}"/>
+              </a:ext>
+            </a:extLst>
+          </p:cNvPr>
+          <p:cNvSpPr txBox="1"/>
+          <p:nvPr/>
+        </p:nvSpPr>
+        <p:spPr>
+          <a:xfrm>
+            <a:off x="4682907" y="2729808"/>
+            <a:ext cx="1650268" cy="307777"/>
+          </a:xfrm>
+          <a:prstGeom prst="rect">
+            <a:avLst/>
+          </a:prstGeom>
+          <a:noFill/>
+          <a:ln w="12700">
+            <a:solidFill>
+              <a:schemeClr val="tx1"/>
+            </a:solidFill>
+            <a:prstDash val="solid"/>
+          </a:ln>
+        </p:spPr>
+        <p:txBody>
+          <a:bodyPr wrap="square" rtlCol="0">
+            <a:spAutoFit/>
+          </a:bodyPr>
+          <a:lstStyle/>
+          <a:p>
+            <a:r>
+              <a:rPr lang="en-US" sz="1400" dirty="0"/>
+              <a:t>IUA Resource Server</a:t>
+            </a:r>
+          </a:p>
+        </p:txBody>
+      </p:sp>
+      <p:sp>
+        <p:nvSpPr>
+          <p:cNvPr id="22" name="TextBox 21">
+            <a:extLst>
+              <a:ext uri="{FF2B5EF4-FFF2-40B4-BE49-F238E27FC236}">
+                <a16:creationId xmlns:a16="http://schemas.microsoft.com/office/drawing/2014/main" id="{978DB848-B44A-0A44-BB1E-02BDC76D9115}"/>
+              </a:ext>
+            </a:extLst>
+          </p:cNvPr>
+          <p:cNvSpPr txBox="1"/>
+          <p:nvPr/>
+        </p:nvSpPr>
+        <p:spPr>
+          <a:xfrm>
+            <a:off x="4682907" y="3202424"/>
+            <a:ext cx="2104623" cy="307777"/>
+          </a:xfrm>
+          <a:prstGeom prst="rect">
+            <a:avLst/>
+          </a:prstGeom>
+          <a:noFill/>
+          <a:ln w="12700">
+            <a:solidFill>
+              <a:schemeClr val="tx1"/>
+            </a:solidFill>
+            <a:prstDash val="dash"/>
+          </a:ln>
+        </p:spPr>
+        <p:txBody>
+          <a:bodyPr wrap="square" rtlCol="0">
+            <a:spAutoFit/>
+          </a:bodyPr>
+          <a:lstStyle/>
+          <a:p>
+            <a:r>
+              <a:rPr lang="en-US" sz="1400" dirty="0"/>
+              <a:t>PDQm or PIXm service</a:t>
+            </a:r>
+          </a:p>
+        </p:txBody>
+      </p:sp>
+      <p:sp>
+        <p:nvSpPr>
+          <p:cNvPr id="33" name="TextBox 32">
+            <a:extLst>
+              <a:ext uri="{FF2B5EF4-FFF2-40B4-BE49-F238E27FC236}">
+                <a16:creationId xmlns:a16="http://schemas.microsoft.com/office/drawing/2014/main" id="{12CCC8F6-0BE9-E74C-BC26-C3E8705BFEAF}"/>
+              </a:ext>
+            </a:extLst>
+          </p:cNvPr>
+          <p:cNvSpPr txBox="1"/>
+          <p:nvPr/>
+        </p:nvSpPr>
+        <p:spPr>
+          <a:xfrm>
+            <a:off x="4682907" y="3955193"/>
+            <a:ext cx="2066523" cy="307777"/>
+          </a:xfrm>
+          <a:prstGeom prst="rect">
+            <a:avLst/>
+          </a:prstGeom>
+          <a:noFill/>
+          <a:ln w="12700">
+            <a:solidFill>
+              <a:schemeClr val="tx1"/>
+            </a:solidFill>
+            <a:prstDash val="dash"/>
+          </a:ln>
+        </p:spPr>
+        <p:txBody>
+          <a:bodyPr wrap="square" rtlCol="0">
+            <a:spAutoFit/>
+          </a:bodyPr>
+          <a:lstStyle/>
+          <a:p>
+            <a:r>
+              <a:rPr lang="en-US" sz="1400" dirty="0"/>
+              <a:t>SVCM Terminology Repos</a:t>
+            </a:r>
+          </a:p>
+        </p:txBody>
+      </p:sp>
+      <p:cxnSp>
+        <p:nvCxnSpPr>
+          <p:cNvPr id="43" name="Straight Arrow Connector 42">
+            <a:extLst>
+              <a:ext uri="{FF2B5EF4-FFF2-40B4-BE49-F238E27FC236}">
+                <a16:creationId xmlns:a16="http://schemas.microsoft.com/office/drawing/2014/main" id="{70A63688-9EF0-984D-BC04-7E1FF7F31248}"/>
+              </a:ext>
+            </a:extLst>
+          </p:cNvPr>
+          <p:cNvCxnSpPr>
+            <a:cxnSpLocks/>
+            <a:stCxn id="79" idx="3"/>
+            <a:endCxn id="7" idx="1"/>
+          </p:cNvCxnSpPr>
+          <p:nvPr/>
+        </p:nvCxnSpPr>
+        <p:spPr>
+          <a:xfrm flipV="1">
+            <a:off x="2677901" y="1544935"/>
+            <a:ext cx="1998141" cy="1025776"/>
+          </a:xfrm>
+          <a:prstGeom prst="straightConnector1">
+            <a:avLst/>
+          </a:prstGeom>
+          <a:ln w="12700">
+            <a:solidFill>
+              <a:schemeClr val="tx1"/>
+            </a:solidFill>
+            <a:tailEnd type="triangle" w="lg" len="med"/>
+          </a:ln>
+        </p:spPr>
+        <p:style>
+          <a:lnRef idx="1">
+            <a:schemeClr val="accent1"/>
+          </a:lnRef>
+          <a:fillRef idx="0">
+            <a:schemeClr val="accent1"/>
+          </a:fillRef>
+          <a:effectRef idx="0">
+            <a:schemeClr val="accent1"/>
+          </a:effectRef>
+          <a:fontRef idx="minor">
+            <a:schemeClr val="tx1"/>
+          </a:fontRef>
+        </p:style>
+      </p:cxnSp>
+      <p:sp>
+        <p:nvSpPr>
+          <p:cNvPr id="58" name="TextBox 57">
+            <a:extLst>
+              <a:ext uri="{FF2B5EF4-FFF2-40B4-BE49-F238E27FC236}">
+                <a16:creationId xmlns:a16="http://schemas.microsoft.com/office/drawing/2014/main" id="{7BF6FEBE-A7FF-4944-89FE-6B0612FF48AC}"/>
+              </a:ext>
+            </a:extLst>
+          </p:cNvPr>
+          <p:cNvSpPr txBox="1"/>
+          <p:nvPr/>
+        </p:nvSpPr>
+        <p:spPr>
+          <a:xfrm rot="20550257">
+            <a:off x="2779758" y="2549110"/>
+            <a:ext cx="2659410" cy="276999"/>
+          </a:xfrm>
+          <a:prstGeom prst="rect">
+            <a:avLst/>
+          </a:prstGeom>
+          <a:noFill/>
+        </p:spPr>
+        <p:txBody>
+          <a:bodyPr wrap="square" rtlCol="0">
+            <a:spAutoFit/>
+          </a:bodyPr>
+          <a:lstStyle/>
+          <a:p>
+            <a:r>
+              <a:rPr lang="en-US" sz="1200" dirty="0"/>
+              <a:t>[ITI-71] Get </a:t>
+            </a:r>
+            <a:r>
+              <a:rPr lang="en-US" sz="1200" dirty="0" err="1"/>
+              <a:t>AuthZ</a:t>
+            </a:r>
+            <a:endParaRPr lang="en-US" sz="1200" dirty="0"/>
+          </a:p>
+        </p:txBody>
+      </p:sp>
+      <p:sp>
+        <p:nvSpPr>
+          <p:cNvPr id="59" name="TextBox 58">
+            <a:extLst>
+              <a:ext uri="{FF2B5EF4-FFF2-40B4-BE49-F238E27FC236}">
+                <a16:creationId xmlns:a16="http://schemas.microsoft.com/office/drawing/2014/main" id="{E4338DDC-9FA1-D34F-9BBB-E2AB509BED02}"/>
+              </a:ext>
+            </a:extLst>
+          </p:cNvPr>
+          <p:cNvSpPr txBox="1"/>
+          <p:nvPr/>
+        </p:nvSpPr>
+        <p:spPr>
+          <a:xfrm>
+            <a:off x="2874488" y="3378158"/>
+            <a:ext cx="1533552" cy="461665"/>
+          </a:xfrm>
+          <a:prstGeom prst="rect">
+            <a:avLst/>
+          </a:prstGeom>
+          <a:noFill/>
+        </p:spPr>
+        <p:txBody>
+          <a:bodyPr wrap="square" rtlCol="0">
+            <a:spAutoFit/>
+          </a:bodyPr>
+          <a:lstStyle/>
+          <a:p>
+            <a:r>
+              <a:rPr lang="en-US" sz="1200" dirty="0"/>
+              <a:t>[ITI-78] or [ITI-83]  </a:t>
+            </a:r>
+            <a:r>
+              <a:rPr lang="en-US" sz="1200" dirty="0" err="1"/>
+              <a:t>PDQm</a:t>
+            </a:r>
+            <a:r>
+              <a:rPr lang="en-US" sz="1200" dirty="0"/>
+              <a:t> or </a:t>
+            </a:r>
+            <a:r>
+              <a:rPr lang="en-US" sz="1200" dirty="0" err="1"/>
+              <a:t>PIXm</a:t>
+            </a:r>
+            <a:r>
+              <a:rPr lang="en-US" sz="1200" dirty="0"/>
+              <a:t> Query</a:t>
+            </a:r>
+          </a:p>
+        </p:txBody>
+      </p:sp>
+      <p:cxnSp>
+        <p:nvCxnSpPr>
+          <p:cNvPr id="102" name="Straight Arrow Connector 101">
+            <a:extLst>
+              <a:ext uri="{FF2B5EF4-FFF2-40B4-BE49-F238E27FC236}">
+                <a16:creationId xmlns:a16="http://schemas.microsoft.com/office/drawing/2014/main" id="{E8735C90-85FE-9B46-9F13-26E8A6998FE7}"/>
+              </a:ext>
+            </a:extLst>
+          </p:cNvPr>
+          <p:cNvCxnSpPr>
+            <a:cxnSpLocks/>
+            <a:stCxn id="80" idx="3"/>
+            <a:endCxn id="20" idx="1"/>
+          </p:cNvCxnSpPr>
+          <p:nvPr/>
+        </p:nvCxnSpPr>
+        <p:spPr>
+          <a:xfrm flipV="1">
+            <a:off x="2664207" y="2883697"/>
+            <a:ext cx="2018700" cy="159154"/>
+          </a:xfrm>
+          <a:prstGeom prst="straightConnector1">
+            <a:avLst/>
+          </a:prstGeom>
+          <a:ln w="12700">
+            <a:solidFill>
+              <a:schemeClr val="tx1"/>
+            </a:solidFill>
+            <a:tailEnd type="triangle" w="lg" len="med"/>
+          </a:ln>
+        </p:spPr>
+        <p:style>
+          <a:lnRef idx="1">
+            <a:schemeClr val="accent1"/>
+          </a:lnRef>
+          <a:fillRef idx="0">
+            <a:schemeClr val="accent1"/>
+          </a:fillRef>
+          <a:effectRef idx="0">
+            <a:schemeClr val="accent1"/>
+          </a:effectRef>
+          <a:fontRef idx="minor">
+            <a:schemeClr val="tx1"/>
+          </a:fontRef>
+        </p:style>
+      </p:cxnSp>
+      <p:sp>
+        <p:nvSpPr>
+          <p:cNvPr id="114" name="TextBox 113">
+            <a:extLst>
+              <a:ext uri="{FF2B5EF4-FFF2-40B4-BE49-F238E27FC236}">
+                <a16:creationId xmlns:a16="http://schemas.microsoft.com/office/drawing/2014/main" id="{17887360-7281-E249-9B1A-C1D97D7DD0B7}"/>
+              </a:ext>
+            </a:extLst>
+          </p:cNvPr>
+          <p:cNvSpPr txBox="1"/>
+          <p:nvPr/>
+        </p:nvSpPr>
+        <p:spPr>
+          <a:xfrm>
+            <a:off x="3320415" y="4871305"/>
+            <a:ext cx="1181048" cy="461665"/>
+          </a:xfrm>
+          <a:prstGeom prst="rect">
+            <a:avLst/>
+          </a:prstGeom>
+          <a:noFill/>
+        </p:spPr>
+        <p:txBody>
+          <a:bodyPr wrap="square" rtlCol="0">
+            <a:spAutoFit/>
+          </a:bodyPr>
+          <a:lstStyle/>
+          <a:p>
+            <a:r>
+              <a:rPr lang="en-US" sz="1200" dirty="0"/>
+              <a:t>[ITI-1] </a:t>
+            </a:r>
+          </a:p>
+          <a:p>
+            <a:r>
+              <a:rPr lang="en-US" sz="1200" dirty="0"/>
+              <a:t>Maintain Time</a:t>
+            </a:r>
+          </a:p>
+        </p:txBody>
+      </p:sp>
+      <p:sp>
+        <p:nvSpPr>
+          <p:cNvPr id="124" name="TextBox 123">
+            <a:extLst>
+              <a:ext uri="{FF2B5EF4-FFF2-40B4-BE49-F238E27FC236}">
+                <a16:creationId xmlns:a16="http://schemas.microsoft.com/office/drawing/2014/main" id="{5B0171A6-A066-C14A-90BD-DD5F6843DCBB}"/>
+              </a:ext>
+            </a:extLst>
+          </p:cNvPr>
+          <p:cNvSpPr txBox="1"/>
+          <p:nvPr/>
+        </p:nvSpPr>
+        <p:spPr>
+          <a:xfrm>
+            <a:off x="4682907" y="2113504"/>
+            <a:ext cx="2292648" cy="307777"/>
+          </a:xfrm>
+          <a:prstGeom prst="rect">
+            <a:avLst/>
+          </a:prstGeom>
+          <a:noFill/>
+          <a:ln w="12700">
+            <a:solidFill>
+              <a:schemeClr val="tx1"/>
+            </a:solidFill>
+            <a:prstDash val="solid"/>
+          </a:ln>
+        </p:spPr>
+        <p:txBody>
+          <a:bodyPr wrap="square" rtlCol="0">
+            <a:spAutoFit/>
+          </a:bodyPr>
+          <a:lstStyle/>
+          <a:p>
+            <a:r>
+              <a:rPr lang="en-US" sz="1400" dirty="0"/>
+              <a:t>IUA Authorization Server</a:t>
+            </a:r>
+          </a:p>
+        </p:txBody>
+      </p:sp>
+      <p:sp>
+        <p:nvSpPr>
+          <p:cNvPr id="132" name="TextBox 131">
+            <a:extLst>
+              <a:ext uri="{FF2B5EF4-FFF2-40B4-BE49-F238E27FC236}">
+                <a16:creationId xmlns:a16="http://schemas.microsoft.com/office/drawing/2014/main" id="{8A7F91DB-30E7-6248-BB5A-0116674421BE}"/>
+              </a:ext>
+            </a:extLst>
+          </p:cNvPr>
+          <p:cNvSpPr txBox="1"/>
+          <p:nvPr/>
+        </p:nvSpPr>
+        <p:spPr>
+          <a:xfrm rot="21316657">
+            <a:off x="3023949" y="2929493"/>
+            <a:ext cx="1604778" cy="276999"/>
+          </a:xfrm>
+          <a:prstGeom prst="rect">
+            <a:avLst/>
+          </a:prstGeom>
+          <a:noFill/>
+        </p:spPr>
+        <p:txBody>
+          <a:bodyPr wrap="square" rtlCol="0">
+            <a:spAutoFit/>
+          </a:bodyPr>
+          <a:lstStyle/>
+          <a:p>
+            <a:r>
+              <a:rPr lang="en-US" sz="1200" dirty="0"/>
+              <a:t>[ITI-72] </a:t>
+            </a:r>
+            <a:r>
+              <a:rPr lang="en-US" sz="1200" dirty="0" err="1"/>
+              <a:t>Incorp</a:t>
+            </a:r>
+            <a:r>
+              <a:rPr lang="en-US" sz="1200" dirty="0"/>
+              <a:t> </a:t>
+            </a:r>
+            <a:r>
+              <a:rPr lang="en-US" sz="1200" dirty="0" err="1"/>
+              <a:t>AuthZ</a:t>
+            </a:r>
+            <a:endParaRPr lang="en-US" sz="1200" dirty="0"/>
+          </a:p>
+        </p:txBody>
+      </p:sp>
+      <p:cxnSp>
+        <p:nvCxnSpPr>
+          <p:cNvPr id="133" name="Straight Arrow Connector 132">
+            <a:extLst>
+              <a:ext uri="{FF2B5EF4-FFF2-40B4-BE49-F238E27FC236}">
+                <a16:creationId xmlns:a16="http://schemas.microsoft.com/office/drawing/2014/main" id="{81EA1C07-025A-CC47-94FF-44CECDEEDE59}"/>
+              </a:ext>
+            </a:extLst>
+          </p:cNvPr>
+          <p:cNvCxnSpPr>
+            <a:cxnSpLocks/>
+            <a:stCxn id="83" idx="3"/>
+            <a:endCxn id="22" idx="1"/>
+          </p:cNvCxnSpPr>
+          <p:nvPr/>
+        </p:nvCxnSpPr>
+        <p:spPr>
+          <a:xfrm flipV="1">
+            <a:off x="2677596" y="3356313"/>
+            <a:ext cx="2005311" cy="143280"/>
+          </a:xfrm>
+          <a:prstGeom prst="straightConnector1">
+            <a:avLst/>
+          </a:prstGeom>
+          <a:ln w="12700">
+            <a:solidFill>
+              <a:schemeClr val="tx1"/>
+            </a:solidFill>
+            <a:tailEnd type="triangle" w="lg" len="med"/>
+          </a:ln>
+        </p:spPr>
+        <p:style>
+          <a:lnRef idx="1">
+            <a:schemeClr val="accent1"/>
+          </a:lnRef>
+          <a:fillRef idx="0">
+            <a:schemeClr val="accent1"/>
+          </a:fillRef>
+          <a:effectRef idx="0">
+            <a:schemeClr val="accent1"/>
+          </a:effectRef>
+          <a:fontRef idx="minor">
+            <a:schemeClr val="tx1"/>
+          </a:fontRef>
+        </p:style>
+      </p:cxnSp>
+      <p:cxnSp>
+        <p:nvCxnSpPr>
+          <p:cNvPr id="137" name="Straight Arrow Connector 136">
+            <a:extLst>
+              <a:ext uri="{FF2B5EF4-FFF2-40B4-BE49-F238E27FC236}">
+                <a16:creationId xmlns:a16="http://schemas.microsoft.com/office/drawing/2014/main" id="{DEA2B3D0-94EA-AE40-83A6-9337A341C8C4}"/>
+              </a:ext>
+            </a:extLst>
+          </p:cNvPr>
+          <p:cNvCxnSpPr>
+            <a:cxnSpLocks/>
+            <a:stCxn id="84" idx="2"/>
+          </p:cNvCxnSpPr>
+          <p:nvPr/>
+        </p:nvCxnSpPr>
+        <p:spPr>
+          <a:xfrm>
+            <a:off x="1634446" y="5333982"/>
+            <a:ext cx="3198973" cy="863951"/>
+          </a:xfrm>
+          <a:prstGeom prst="straightConnector1">
+            <a:avLst/>
+          </a:prstGeom>
+          <a:ln w="12700">
+            <a:solidFill>
+              <a:schemeClr val="tx1"/>
+            </a:solidFill>
+            <a:tailEnd type="triangle" w="lg" len="med"/>
+          </a:ln>
+        </p:spPr>
+        <p:style>
+          <a:lnRef idx="1">
+            <a:schemeClr val="accent1"/>
+          </a:lnRef>
+          <a:fillRef idx="0">
+            <a:schemeClr val="accent1"/>
+          </a:fillRef>
+          <a:effectRef idx="0">
+            <a:schemeClr val="accent1"/>
+          </a:effectRef>
+          <a:fontRef idx="minor">
+            <a:schemeClr val="tx1"/>
+          </a:fontRef>
+        </p:style>
+      </p:cxnSp>
+      <p:cxnSp>
+        <p:nvCxnSpPr>
+          <p:cNvPr id="140" name="Straight Arrow Connector 139">
+            <a:extLst>
+              <a:ext uri="{FF2B5EF4-FFF2-40B4-BE49-F238E27FC236}">
+                <a16:creationId xmlns:a16="http://schemas.microsoft.com/office/drawing/2014/main" id="{3897B4BA-4601-5A4F-BDB1-E63E02505FEF}"/>
+              </a:ext>
+            </a:extLst>
+          </p:cNvPr>
+          <p:cNvCxnSpPr>
+            <a:cxnSpLocks/>
+            <a:stCxn id="80" idx="3"/>
+            <a:endCxn id="124" idx="1"/>
+          </p:cNvCxnSpPr>
+          <p:nvPr/>
+        </p:nvCxnSpPr>
+        <p:spPr>
+          <a:xfrm flipV="1">
+            <a:off x="2664207" y="2267393"/>
+            <a:ext cx="2018700" cy="775458"/>
+          </a:xfrm>
+          <a:prstGeom prst="straightConnector1">
+            <a:avLst/>
+          </a:prstGeom>
+          <a:ln w="12700">
+            <a:solidFill>
+              <a:schemeClr val="tx1"/>
+            </a:solidFill>
+            <a:tailEnd type="triangle" w="lg" len="med"/>
+          </a:ln>
+        </p:spPr>
+        <p:style>
+          <a:lnRef idx="1">
+            <a:schemeClr val="accent1"/>
+          </a:lnRef>
+          <a:fillRef idx="0">
+            <a:schemeClr val="accent1"/>
+          </a:fillRef>
+          <a:effectRef idx="0">
+            <a:schemeClr val="accent1"/>
+          </a:effectRef>
+          <a:fontRef idx="minor">
+            <a:schemeClr val="tx1"/>
+          </a:fontRef>
+        </p:style>
+      </p:cxnSp>
+      <p:sp>
+        <p:nvSpPr>
+          <p:cNvPr id="146" name="TextBox 145">
+            <a:extLst>
+              <a:ext uri="{FF2B5EF4-FFF2-40B4-BE49-F238E27FC236}">
+                <a16:creationId xmlns:a16="http://schemas.microsoft.com/office/drawing/2014/main" id="{4C02FDA4-F4FF-B84F-826E-15351D71362C}"/>
+              </a:ext>
+            </a:extLst>
+          </p:cNvPr>
+          <p:cNvSpPr txBox="1"/>
+          <p:nvPr/>
+        </p:nvSpPr>
+        <p:spPr>
+          <a:xfrm>
+            <a:off x="80034" y="1560995"/>
+            <a:ext cx="2891969" cy="646331"/>
+          </a:xfrm>
+          <a:prstGeom prst="rect">
+            <a:avLst/>
+          </a:prstGeom>
+          <a:noFill/>
+        </p:spPr>
+        <p:txBody>
+          <a:bodyPr wrap="square" rtlCol="0">
+            <a:spAutoFit/>
+          </a:bodyPr>
+          <a:lstStyle/>
+          <a:p>
+            <a:pPr algn="ctr"/>
+            <a:r>
+              <a:rPr lang="en-US" b="1" dirty="0"/>
+              <a:t>MHD System that </a:t>
+            </a:r>
+          </a:p>
+          <a:p>
+            <a:pPr algn="ctr"/>
+            <a:r>
+              <a:rPr lang="en-US" b="1" dirty="0"/>
+              <a:t>Consumes documents</a:t>
+            </a:r>
+          </a:p>
+        </p:txBody>
+      </p:sp>
+      <p:cxnSp>
+        <p:nvCxnSpPr>
+          <p:cNvPr id="64" name="Straight Arrow Connector 63">
+            <a:extLst>
+              <a:ext uri="{FF2B5EF4-FFF2-40B4-BE49-F238E27FC236}">
+                <a16:creationId xmlns:a16="http://schemas.microsoft.com/office/drawing/2014/main" id="{BD669417-9DB4-9841-9E8F-699243A65CCB}"/>
+              </a:ext>
+            </a:extLst>
+          </p:cNvPr>
+          <p:cNvCxnSpPr>
+            <a:cxnSpLocks/>
+            <a:stCxn id="81" idx="3"/>
+          </p:cNvCxnSpPr>
+          <p:nvPr/>
+        </p:nvCxnSpPr>
+        <p:spPr>
+          <a:xfrm>
+            <a:off x="2661062" y="4716730"/>
+            <a:ext cx="2114163" cy="1108438"/>
+          </a:xfrm>
+          <a:prstGeom prst="straightConnector1">
+            <a:avLst/>
+          </a:prstGeom>
+          <a:ln w="12700">
+            <a:solidFill>
+              <a:schemeClr val="tx1"/>
+            </a:solidFill>
+            <a:tailEnd type="triangle" w="lg" len="med"/>
+          </a:ln>
+        </p:spPr>
+        <p:style>
+          <a:lnRef idx="1">
+            <a:schemeClr val="accent1"/>
+          </a:lnRef>
+          <a:fillRef idx="0">
+            <a:schemeClr val="accent1"/>
+          </a:fillRef>
+          <a:effectRef idx="0">
+            <a:schemeClr val="accent1"/>
+          </a:effectRef>
+          <a:fontRef idx="minor">
+            <a:schemeClr val="tx1"/>
+          </a:fontRef>
+        </p:style>
+      </p:cxnSp>
+      <p:sp>
+        <p:nvSpPr>
+          <p:cNvPr id="66" name="TextBox 65">
+            <a:extLst>
+              <a:ext uri="{FF2B5EF4-FFF2-40B4-BE49-F238E27FC236}">
+                <a16:creationId xmlns:a16="http://schemas.microsoft.com/office/drawing/2014/main" id="{194DF256-830B-3B4B-A562-83E020B45D19}"/>
+              </a:ext>
+            </a:extLst>
+          </p:cNvPr>
+          <p:cNvSpPr txBox="1"/>
+          <p:nvPr/>
+        </p:nvSpPr>
+        <p:spPr>
+          <a:xfrm>
+            <a:off x="2791483" y="5443677"/>
+            <a:ext cx="1463189" cy="276999"/>
+          </a:xfrm>
+          <a:prstGeom prst="rect">
+            <a:avLst/>
+          </a:prstGeom>
+          <a:noFill/>
+        </p:spPr>
+        <p:txBody>
+          <a:bodyPr wrap="square" rtlCol="0">
+            <a:spAutoFit/>
+          </a:bodyPr>
+          <a:lstStyle/>
+          <a:p>
+            <a:r>
+              <a:rPr lang="en-US" sz="1200" dirty="0"/>
+              <a:t>[ITI-19] Auth Node</a:t>
+            </a:r>
+          </a:p>
+        </p:txBody>
+      </p:sp>
+      <p:cxnSp>
+        <p:nvCxnSpPr>
+          <p:cNvPr id="78" name="Straight Arrow Connector 77">
+            <a:extLst>
+              <a:ext uri="{FF2B5EF4-FFF2-40B4-BE49-F238E27FC236}">
+                <a16:creationId xmlns:a16="http://schemas.microsoft.com/office/drawing/2014/main" id="{D161AE7F-1AA0-414D-8E45-131BC628F5DA}"/>
+              </a:ext>
+            </a:extLst>
+          </p:cNvPr>
+          <p:cNvCxnSpPr>
+            <a:cxnSpLocks/>
+            <a:stCxn id="86" idx="3"/>
+            <a:endCxn id="19" idx="1"/>
+          </p:cNvCxnSpPr>
+          <p:nvPr/>
+        </p:nvCxnSpPr>
+        <p:spPr>
+          <a:xfrm>
+            <a:off x="2692080" y="4315447"/>
+            <a:ext cx="2130953" cy="621420"/>
+          </a:xfrm>
+          <a:prstGeom prst="straightConnector1">
+            <a:avLst/>
+          </a:prstGeom>
+          <a:ln w="12700">
+            <a:solidFill>
+              <a:schemeClr val="tx1"/>
+            </a:solidFill>
+            <a:tailEnd type="triangle" w="lg" len="med"/>
+          </a:ln>
+        </p:spPr>
+        <p:style>
+          <a:lnRef idx="1">
+            <a:schemeClr val="accent1"/>
+          </a:lnRef>
+          <a:fillRef idx="0">
+            <a:schemeClr val="accent1"/>
+          </a:fillRef>
+          <a:effectRef idx="0">
+            <a:schemeClr val="accent1"/>
+          </a:effectRef>
+          <a:fontRef idx="minor">
+            <a:schemeClr val="tx1"/>
+          </a:fontRef>
+        </p:style>
+      </p:cxnSp>
+      <p:sp>
+        <p:nvSpPr>
+          <p:cNvPr id="118" name="TextBox 117">
+            <a:extLst>
+              <a:ext uri="{FF2B5EF4-FFF2-40B4-BE49-F238E27FC236}">
+                <a16:creationId xmlns:a16="http://schemas.microsoft.com/office/drawing/2014/main" id="{72C390AA-7859-494F-82CA-2B2795ABA56D}"/>
+              </a:ext>
+            </a:extLst>
+          </p:cNvPr>
+          <p:cNvSpPr txBox="1"/>
+          <p:nvPr/>
+        </p:nvSpPr>
+        <p:spPr>
+          <a:xfrm rot="19766012">
+            <a:off x="2755161" y="1996707"/>
+            <a:ext cx="2066523" cy="276999"/>
+          </a:xfrm>
+          <a:prstGeom prst="rect">
+            <a:avLst/>
+          </a:prstGeom>
+          <a:noFill/>
+        </p:spPr>
+        <p:txBody>
+          <a:bodyPr wrap="square" rtlCol="0">
+            <a:spAutoFit/>
+          </a:bodyPr>
+          <a:lstStyle/>
+          <a:p>
+            <a:r>
+              <a:rPr lang="en-US" sz="1200" dirty="0"/>
+              <a:t>[ITI-66] or [ITI-67] or [ITI-68]</a:t>
+            </a:r>
+          </a:p>
+        </p:txBody>
+      </p:sp>
+      <p:sp>
+        <p:nvSpPr>
+          <p:cNvPr id="79" name="TextBox 78">
+            <a:extLst>
+              <a:ext uri="{FF2B5EF4-FFF2-40B4-BE49-F238E27FC236}">
+                <a16:creationId xmlns:a16="http://schemas.microsoft.com/office/drawing/2014/main" id="{3BC37444-765E-AA44-9C6C-E039F62A5086}"/>
+              </a:ext>
+            </a:extLst>
+          </p:cNvPr>
+          <p:cNvSpPr txBox="1"/>
+          <p:nvPr/>
+        </p:nvSpPr>
+        <p:spPr>
+          <a:xfrm>
+            <a:off x="622647" y="2432211"/>
+            <a:ext cx="2055254" cy="276999"/>
+          </a:xfrm>
+          <a:prstGeom prst="rect">
+            <a:avLst/>
+          </a:prstGeom>
+          <a:noFill/>
+          <a:ln w="12700">
+            <a:solidFill>
+              <a:schemeClr val="tx1"/>
+            </a:solidFill>
+            <a:prstDash val="dash"/>
+          </a:ln>
+        </p:spPr>
+        <p:txBody>
+          <a:bodyPr wrap="square" rtlCol="0">
+            <a:spAutoFit/>
+          </a:bodyPr>
+          <a:lstStyle/>
+          <a:p>
+            <a:r>
+              <a:rPr lang="en-US" sz="1200" dirty="0"/>
+              <a:t>MHD Document Consumer</a:t>
+            </a:r>
+          </a:p>
+        </p:txBody>
+      </p:sp>
+      <p:sp>
+        <p:nvSpPr>
+          <p:cNvPr id="80" name="TextBox 79">
+            <a:extLst>
+              <a:ext uri="{FF2B5EF4-FFF2-40B4-BE49-F238E27FC236}">
+                <a16:creationId xmlns:a16="http://schemas.microsoft.com/office/drawing/2014/main" id="{55B52B70-D9AA-8340-BD35-2EF27214B16F}"/>
+              </a:ext>
+            </a:extLst>
+          </p:cNvPr>
+          <p:cNvSpPr txBox="1"/>
+          <p:nvPr/>
+        </p:nvSpPr>
+        <p:spPr>
+          <a:xfrm>
+            <a:off x="622647" y="2904351"/>
+            <a:ext cx="2041560" cy="276999"/>
+          </a:xfrm>
+          <a:prstGeom prst="rect">
+            <a:avLst/>
+          </a:prstGeom>
+          <a:noFill/>
+          <a:ln w="12700">
+            <a:solidFill>
+              <a:schemeClr val="tx1"/>
+            </a:solidFill>
+            <a:prstDash val="dash"/>
+          </a:ln>
+        </p:spPr>
+        <p:txBody>
+          <a:bodyPr wrap="square" rtlCol="0">
+            <a:spAutoFit/>
+          </a:bodyPr>
+          <a:lstStyle/>
+          <a:p>
+            <a:r>
+              <a:rPr lang="en-US" sz="1200" dirty="0"/>
+              <a:t>IUA Authorization Client</a:t>
+            </a:r>
+          </a:p>
+        </p:txBody>
+      </p:sp>
+      <p:sp>
+        <p:nvSpPr>
+          <p:cNvPr id="81" name="TextBox 80">
+            <a:extLst>
+              <a:ext uri="{FF2B5EF4-FFF2-40B4-BE49-F238E27FC236}">
+                <a16:creationId xmlns:a16="http://schemas.microsoft.com/office/drawing/2014/main" id="{5DFDE9A3-7375-B54C-AA05-BE8E98DED98C}"/>
+              </a:ext>
+            </a:extLst>
+          </p:cNvPr>
+          <p:cNvSpPr txBox="1"/>
+          <p:nvPr/>
+        </p:nvSpPr>
+        <p:spPr>
+          <a:xfrm>
+            <a:off x="610122" y="4578230"/>
+            <a:ext cx="2050940" cy="276999"/>
+          </a:xfrm>
+          <a:prstGeom prst="rect">
+            <a:avLst/>
+          </a:prstGeom>
+          <a:noFill/>
+          <a:ln w="12700">
+            <a:solidFill>
+              <a:schemeClr val="tx1"/>
+            </a:solidFill>
+            <a:prstDash val="dash"/>
+          </a:ln>
+        </p:spPr>
+        <p:txBody>
+          <a:bodyPr wrap="square" rtlCol="0">
+            <a:spAutoFit/>
+          </a:bodyPr>
+          <a:lstStyle/>
+          <a:p>
+            <a:r>
+              <a:rPr lang="en-US" sz="1200" dirty="0"/>
+              <a:t>CT Time Client</a:t>
+            </a:r>
+          </a:p>
+        </p:txBody>
+      </p:sp>
+      <p:sp>
+        <p:nvSpPr>
+          <p:cNvPr id="83" name="TextBox 82">
+            <a:extLst>
+              <a:ext uri="{FF2B5EF4-FFF2-40B4-BE49-F238E27FC236}">
+                <a16:creationId xmlns:a16="http://schemas.microsoft.com/office/drawing/2014/main" id="{67C5598C-C5C6-984A-8AF0-2F4C12659D2B}"/>
+              </a:ext>
+            </a:extLst>
+          </p:cNvPr>
+          <p:cNvSpPr txBox="1"/>
+          <p:nvPr/>
+        </p:nvSpPr>
+        <p:spPr>
+          <a:xfrm>
+            <a:off x="622009" y="3361093"/>
+            <a:ext cx="2055587" cy="276999"/>
+          </a:xfrm>
+          <a:prstGeom prst="rect">
+            <a:avLst/>
+          </a:prstGeom>
+          <a:noFill/>
+          <a:ln w="12700">
+            <a:solidFill>
+              <a:schemeClr val="tx1"/>
+            </a:solidFill>
+            <a:prstDash val="dash"/>
+          </a:ln>
+        </p:spPr>
+        <p:txBody>
+          <a:bodyPr wrap="square" rtlCol="0">
+            <a:spAutoFit/>
+          </a:bodyPr>
+          <a:lstStyle/>
+          <a:p>
+            <a:r>
+              <a:rPr lang="en-US" sz="1200" dirty="0" err="1"/>
+              <a:t>PDQm</a:t>
+            </a:r>
+            <a:r>
+              <a:rPr lang="en-US" sz="1200" dirty="0"/>
+              <a:t> or </a:t>
+            </a:r>
+            <a:r>
+              <a:rPr lang="en-US" sz="1200" dirty="0" err="1"/>
+              <a:t>PIXm</a:t>
+            </a:r>
+            <a:r>
+              <a:rPr lang="en-US" sz="1200" dirty="0"/>
+              <a:t> Consumer</a:t>
+            </a:r>
+          </a:p>
+        </p:txBody>
+      </p:sp>
+      <p:sp>
+        <p:nvSpPr>
+          <p:cNvPr id="84" name="TextBox 83">
+            <a:extLst>
+              <a:ext uri="{FF2B5EF4-FFF2-40B4-BE49-F238E27FC236}">
+                <a16:creationId xmlns:a16="http://schemas.microsoft.com/office/drawing/2014/main" id="{1A9AA6F8-1FFC-834F-BB91-188F2578C66F}"/>
+              </a:ext>
+            </a:extLst>
+          </p:cNvPr>
+          <p:cNvSpPr txBox="1"/>
+          <p:nvPr/>
+        </p:nvSpPr>
+        <p:spPr>
+          <a:xfrm>
+            <a:off x="610122" y="5056983"/>
+            <a:ext cx="2048647" cy="276999"/>
+          </a:xfrm>
+          <a:prstGeom prst="rect">
+            <a:avLst/>
+          </a:prstGeom>
+          <a:noFill/>
+          <a:ln w="12700">
+            <a:solidFill>
+              <a:schemeClr val="tx1"/>
+            </a:solidFill>
+            <a:prstDash val="dash"/>
+          </a:ln>
+        </p:spPr>
+        <p:txBody>
+          <a:bodyPr wrap="square" rtlCol="0">
+            <a:spAutoFit/>
+          </a:bodyPr>
+          <a:lstStyle/>
+          <a:p>
+            <a:r>
+              <a:rPr lang="en-US" sz="1200" dirty="0"/>
+              <a:t>ATNA Secure Node/App</a:t>
+            </a:r>
+          </a:p>
+        </p:txBody>
+      </p:sp>
+      <p:sp>
+        <p:nvSpPr>
+          <p:cNvPr id="85" name="TextBox 84">
+            <a:extLst>
+              <a:ext uri="{FF2B5EF4-FFF2-40B4-BE49-F238E27FC236}">
+                <a16:creationId xmlns:a16="http://schemas.microsoft.com/office/drawing/2014/main" id="{49D45112-A255-5C49-A5FF-DFFA5A25EBD9}"/>
+              </a:ext>
+            </a:extLst>
+          </p:cNvPr>
+          <p:cNvSpPr txBox="1"/>
+          <p:nvPr/>
+        </p:nvSpPr>
+        <p:spPr>
+          <a:xfrm>
+            <a:off x="622647" y="3771776"/>
+            <a:ext cx="2069433" cy="276999"/>
+          </a:xfrm>
+          <a:prstGeom prst="rect">
+            <a:avLst/>
+          </a:prstGeom>
+          <a:noFill/>
+          <a:ln w="12700">
+            <a:solidFill>
+              <a:schemeClr val="tx1"/>
+            </a:solidFill>
+            <a:prstDash val="dash"/>
+          </a:ln>
+        </p:spPr>
+        <p:txBody>
+          <a:bodyPr wrap="square" rtlCol="0">
+            <a:spAutoFit/>
+          </a:bodyPr>
+          <a:lstStyle/>
+          <a:p>
+            <a:r>
+              <a:rPr lang="en-US" sz="1200" dirty="0"/>
+              <a:t>SVCM Terminology Cons.</a:t>
+            </a:r>
+          </a:p>
+        </p:txBody>
+      </p:sp>
+      <p:sp>
+        <p:nvSpPr>
+          <p:cNvPr id="86" name="TextBox 85">
+            <a:extLst>
+              <a:ext uri="{FF2B5EF4-FFF2-40B4-BE49-F238E27FC236}">
+                <a16:creationId xmlns:a16="http://schemas.microsoft.com/office/drawing/2014/main" id="{41A7DB7D-8114-1744-92A1-4CC49D693983}"/>
+              </a:ext>
+            </a:extLst>
+          </p:cNvPr>
+          <p:cNvSpPr txBox="1"/>
+          <p:nvPr/>
+        </p:nvSpPr>
+        <p:spPr>
+          <a:xfrm>
+            <a:off x="622647" y="4176947"/>
+            <a:ext cx="2069433" cy="276999"/>
+          </a:xfrm>
+          <a:prstGeom prst="rect">
+            <a:avLst/>
+          </a:prstGeom>
+          <a:noFill/>
+          <a:ln w="12700">
+            <a:solidFill>
+              <a:schemeClr val="tx1"/>
+            </a:solidFill>
+            <a:prstDash val="dash"/>
+          </a:ln>
+        </p:spPr>
+        <p:txBody>
+          <a:bodyPr wrap="square" rtlCol="0">
+            <a:spAutoFit/>
+          </a:bodyPr>
+          <a:lstStyle/>
+          <a:p>
+            <a:r>
+              <a:rPr lang="en-US" sz="1200" dirty="0" err="1"/>
+              <a:t>mCSD</a:t>
+            </a:r>
+            <a:r>
+              <a:rPr lang="en-US" sz="1200" dirty="0"/>
+              <a:t> Care Serv Select Cons</a:t>
+            </a:r>
+          </a:p>
+        </p:txBody>
+      </p:sp>
+      <p:sp>
+        <p:nvSpPr>
+          <p:cNvPr id="87" name="TextBox 86">
+            <a:extLst>
+              <a:ext uri="{FF2B5EF4-FFF2-40B4-BE49-F238E27FC236}">
+                <a16:creationId xmlns:a16="http://schemas.microsoft.com/office/drawing/2014/main" id="{F18BFF8B-EEB3-1E47-86F2-C4EBB346A320}"/>
+              </a:ext>
+            </a:extLst>
+          </p:cNvPr>
+          <p:cNvSpPr txBox="1"/>
+          <p:nvPr/>
+        </p:nvSpPr>
+        <p:spPr>
+          <a:xfrm>
+            <a:off x="2943555" y="4304737"/>
+            <a:ext cx="1011446" cy="461665"/>
+          </a:xfrm>
+          <a:prstGeom prst="rect">
+            <a:avLst/>
+          </a:prstGeom>
+          <a:noFill/>
+        </p:spPr>
+        <p:txBody>
+          <a:bodyPr wrap="square" rtlCol="0">
+            <a:spAutoFit/>
+          </a:bodyPr>
+          <a:lstStyle/>
+          <a:p>
+            <a:r>
+              <a:rPr lang="en-US" sz="1200" dirty="0"/>
+              <a:t>[ITI-90] Find … Services</a:t>
+            </a:r>
+          </a:p>
+        </p:txBody>
+      </p:sp>
+      <p:sp>
+        <p:nvSpPr>
+          <p:cNvPr id="88" name="TextBox 87">
+            <a:extLst>
+              <a:ext uri="{FF2B5EF4-FFF2-40B4-BE49-F238E27FC236}">
+                <a16:creationId xmlns:a16="http://schemas.microsoft.com/office/drawing/2014/main" id="{6BDA5988-2563-4B47-BD57-AC6C50E2481B}"/>
+              </a:ext>
+            </a:extLst>
+          </p:cNvPr>
+          <p:cNvSpPr txBox="1"/>
+          <p:nvPr/>
+        </p:nvSpPr>
+        <p:spPr>
+          <a:xfrm>
+            <a:off x="3009406" y="5819704"/>
+            <a:ext cx="1167131" cy="461665"/>
+          </a:xfrm>
+          <a:prstGeom prst="rect">
+            <a:avLst/>
+          </a:prstGeom>
+          <a:noFill/>
+        </p:spPr>
+        <p:txBody>
+          <a:bodyPr wrap="square" rtlCol="0">
+            <a:spAutoFit/>
+          </a:bodyPr>
+          <a:lstStyle/>
+          <a:p>
+            <a:r>
+              <a:rPr lang="en-US" sz="1200" dirty="0"/>
+              <a:t>[ITI-20] Record Audit Event</a:t>
+            </a:r>
+          </a:p>
+        </p:txBody>
+      </p:sp>
+      <p:cxnSp>
+        <p:nvCxnSpPr>
+          <p:cNvPr id="109" name="Straight Arrow Connector 108">
+            <a:extLst>
+              <a:ext uri="{FF2B5EF4-FFF2-40B4-BE49-F238E27FC236}">
+                <a16:creationId xmlns:a16="http://schemas.microsoft.com/office/drawing/2014/main" id="{108A9E90-74A1-E94B-8649-7ACDEED82B3A}"/>
+              </a:ext>
+            </a:extLst>
+          </p:cNvPr>
+          <p:cNvCxnSpPr>
+            <a:cxnSpLocks/>
+            <a:stCxn id="85" idx="3"/>
+            <a:endCxn id="33" idx="1"/>
+          </p:cNvCxnSpPr>
+          <p:nvPr/>
+        </p:nvCxnSpPr>
+        <p:spPr>
+          <a:xfrm>
+            <a:off x="2692080" y="3910276"/>
+            <a:ext cx="1990827" cy="198806"/>
+          </a:xfrm>
+          <a:prstGeom prst="straightConnector1">
+            <a:avLst/>
+          </a:prstGeom>
+          <a:ln w="12700">
+            <a:solidFill>
+              <a:schemeClr val="tx1"/>
+            </a:solidFill>
+            <a:tailEnd type="triangle" w="lg" len="med"/>
+          </a:ln>
+        </p:spPr>
+        <p:style>
+          <a:lnRef idx="1">
+            <a:schemeClr val="accent1"/>
+          </a:lnRef>
+          <a:fillRef idx="0">
+            <a:schemeClr val="accent1"/>
+          </a:fillRef>
+          <a:effectRef idx="0">
+            <a:schemeClr val="accent1"/>
+          </a:effectRef>
+          <a:fontRef idx="minor">
+            <a:schemeClr val="tx1"/>
+          </a:fontRef>
+        </p:style>
+      </p:cxnSp>
+      <p:sp>
+        <p:nvSpPr>
+          <p:cNvPr id="115" name="TextBox 114">
+            <a:extLst>
+              <a:ext uri="{FF2B5EF4-FFF2-40B4-BE49-F238E27FC236}">
+                <a16:creationId xmlns:a16="http://schemas.microsoft.com/office/drawing/2014/main" id="{D434F3BE-F9E4-E647-AA72-8A5FCBD57423}"/>
+              </a:ext>
+            </a:extLst>
+          </p:cNvPr>
+          <p:cNvSpPr txBox="1"/>
+          <p:nvPr/>
+        </p:nvSpPr>
+        <p:spPr>
+          <a:xfrm>
+            <a:off x="3335653" y="3892625"/>
+            <a:ext cx="2351608" cy="276999"/>
+          </a:xfrm>
+          <a:prstGeom prst="rect">
+            <a:avLst/>
+          </a:prstGeom>
+          <a:noFill/>
+        </p:spPr>
+        <p:txBody>
+          <a:bodyPr wrap="square" rtlCol="0">
+            <a:spAutoFit/>
+          </a:bodyPr>
+          <a:lstStyle/>
+          <a:p>
+            <a:r>
+              <a:rPr lang="en-US" sz="1200" dirty="0"/>
+              <a:t>[ITI-xx] SVCM </a:t>
+            </a:r>
+            <a:r>
+              <a:rPr lang="en-US" sz="1200" dirty="0" err="1"/>
+              <a:t>Qry</a:t>
+            </a:r>
+            <a:endParaRPr lang="en-US" sz="1200" dirty="0"/>
+          </a:p>
+        </p:txBody>
+      </p:sp>
+      <p:cxnSp>
+        <p:nvCxnSpPr>
+          <p:cNvPr id="128" name="Straight Arrow Connector 127">
+            <a:extLst>
+              <a:ext uri="{FF2B5EF4-FFF2-40B4-BE49-F238E27FC236}">
+                <a16:creationId xmlns:a16="http://schemas.microsoft.com/office/drawing/2014/main" id="{B9F69C1C-9C3C-BF45-90CE-79533713B380}"/>
+              </a:ext>
+            </a:extLst>
+          </p:cNvPr>
+          <p:cNvCxnSpPr>
+            <a:cxnSpLocks/>
+          </p:cNvCxnSpPr>
+          <p:nvPr/>
+        </p:nvCxnSpPr>
+        <p:spPr>
+          <a:xfrm>
+            <a:off x="2923790" y="5421017"/>
+            <a:ext cx="1547351" cy="470500"/>
+          </a:xfrm>
+          <a:prstGeom prst="straightConnector1">
+            <a:avLst/>
+          </a:prstGeom>
+          <a:ln w="12700">
+            <a:solidFill>
+              <a:schemeClr val="tx1"/>
+            </a:solidFill>
+            <a:tailEnd type="triangle" w="lg" len="med"/>
+          </a:ln>
+        </p:spPr>
+        <p:style>
+          <a:lnRef idx="1">
+            <a:schemeClr val="accent1"/>
+          </a:lnRef>
+          <a:fillRef idx="0">
+            <a:schemeClr val="accent1"/>
+          </a:fillRef>
+          <a:effectRef idx="0">
+            <a:schemeClr val="accent1"/>
+          </a:effectRef>
+          <a:fontRef idx="minor">
+            <a:schemeClr val="tx1"/>
+          </a:fontRef>
+        </p:style>
+      </p:cxnSp>
+      <p:sp>
+        <p:nvSpPr>
+          <p:cNvPr id="65" name="TextBox 64">
+            <a:extLst>
+              <a:ext uri="{FF2B5EF4-FFF2-40B4-BE49-F238E27FC236}">
+                <a16:creationId xmlns:a16="http://schemas.microsoft.com/office/drawing/2014/main" id="{F7299124-F26F-4BC8-87D6-04FEAEA4A634}"/>
+              </a:ext>
+            </a:extLst>
+          </p:cNvPr>
+          <p:cNvSpPr txBox="1"/>
+          <p:nvPr/>
+        </p:nvSpPr>
+        <p:spPr>
+          <a:xfrm>
+            <a:off x="9243267" y="1609774"/>
+            <a:ext cx="2292648" cy="523220"/>
+          </a:xfrm>
+          <a:prstGeom prst="rect">
+            <a:avLst/>
+          </a:prstGeom>
+          <a:noFill/>
+          <a:ln w="12700">
+            <a:solidFill>
+              <a:schemeClr val="tx1"/>
+            </a:solidFill>
+          </a:ln>
+        </p:spPr>
+        <p:txBody>
+          <a:bodyPr wrap="square" rtlCol="0">
+            <a:spAutoFit/>
+          </a:bodyPr>
+          <a:lstStyle/>
+          <a:p>
+            <a:r>
+              <a:rPr lang="en-US" sz="1400" dirty="0"/>
+              <a:t>XCA Initiating Gateway</a:t>
+            </a:r>
+          </a:p>
+          <a:p>
+            <a:endParaRPr lang="en-US" sz="1400" dirty="0"/>
+          </a:p>
+        </p:txBody>
+      </p:sp>
+      <p:sp>
+        <p:nvSpPr>
+          <p:cNvPr id="67" name="TextBox 66">
+            <a:extLst>
+              <a:ext uri="{FF2B5EF4-FFF2-40B4-BE49-F238E27FC236}">
+                <a16:creationId xmlns:a16="http://schemas.microsoft.com/office/drawing/2014/main" id="{301EED50-96F1-4295-9C76-46A243A9CCAB}"/>
+              </a:ext>
+            </a:extLst>
+          </p:cNvPr>
+          <p:cNvSpPr txBox="1"/>
+          <p:nvPr/>
+        </p:nvSpPr>
+        <p:spPr>
+          <a:xfrm>
+            <a:off x="9373735" y="6155131"/>
+            <a:ext cx="2066523" cy="307777"/>
+          </a:xfrm>
+          <a:prstGeom prst="rect">
+            <a:avLst/>
+          </a:prstGeom>
+          <a:noFill/>
+          <a:ln w="12700">
+            <a:solidFill>
+              <a:schemeClr val="tx1"/>
+            </a:solidFill>
+            <a:prstDash val="dash"/>
+          </a:ln>
+        </p:spPr>
+        <p:txBody>
+          <a:bodyPr wrap="square" rtlCol="0">
+            <a:spAutoFit/>
+          </a:bodyPr>
+          <a:lstStyle/>
+          <a:p>
+            <a:r>
+              <a:rPr lang="en-US" sz="1400" dirty="0"/>
+              <a:t>ATNA Audit Record Repos</a:t>
+            </a:r>
+          </a:p>
+        </p:txBody>
+      </p:sp>
+      <p:sp>
+        <p:nvSpPr>
+          <p:cNvPr id="68" name="TextBox 67">
+            <a:extLst>
+              <a:ext uri="{FF2B5EF4-FFF2-40B4-BE49-F238E27FC236}">
+                <a16:creationId xmlns:a16="http://schemas.microsoft.com/office/drawing/2014/main" id="{4053430F-29F8-4F38-9E26-975AEE4FD478}"/>
+              </a:ext>
+            </a:extLst>
+          </p:cNvPr>
+          <p:cNvSpPr txBox="1"/>
+          <p:nvPr/>
+        </p:nvSpPr>
+        <p:spPr>
+          <a:xfrm>
+            <a:off x="9373735" y="5640224"/>
+            <a:ext cx="2066523" cy="307777"/>
+          </a:xfrm>
+          <a:prstGeom prst="rect">
+            <a:avLst/>
+          </a:prstGeom>
+          <a:noFill/>
+          <a:ln w="12700">
+            <a:solidFill>
+              <a:schemeClr val="tx1"/>
+            </a:solidFill>
+            <a:prstDash val="dash"/>
+          </a:ln>
+        </p:spPr>
+        <p:txBody>
+          <a:bodyPr wrap="square" rtlCol="0">
+            <a:spAutoFit/>
+          </a:bodyPr>
+          <a:lstStyle/>
+          <a:p>
+            <a:r>
+              <a:rPr lang="en-US" sz="1400" dirty="0"/>
+              <a:t>CT Time Server</a:t>
+            </a:r>
+          </a:p>
+        </p:txBody>
+      </p:sp>
+      <p:sp>
+        <p:nvSpPr>
+          <p:cNvPr id="69" name="TextBox 68">
+            <a:extLst>
+              <a:ext uri="{FF2B5EF4-FFF2-40B4-BE49-F238E27FC236}">
+                <a16:creationId xmlns:a16="http://schemas.microsoft.com/office/drawing/2014/main" id="{82F89BC6-1F41-48E1-AE3D-22EFDC692E73}"/>
+              </a:ext>
+            </a:extLst>
+          </p:cNvPr>
+          <p:cNvSpPr txBox="1"/>
+          <p:nvPr/>
+        </p:nvSpPr>
+        <p:spPr>
+          <a:xfrm>
+            <a:off x="9359637" y="5198853"/>
+            <a:ext cx="2056568" cy="307777"/>
+          </a:xfrm>
+          <a:prstGeom prst="rect">
+            <a:avLst/>
+          </a:prstGeom>
+          <a:noFill/>
+          <a:ln w="12700">
+            <a:solidFill>
+              <a:schemeClr val="tx1"/>
+            </a:solidFill>
+            <a:prstDash val="dash"/>
+          </a:ln>
+        </p:spPr>
+        <p:txBody>
+          <a:bodyPr wrap="square" rtlCol="0">
+            <a:spAutoFit/>
+          </a:bodyPr>
+          <a:lstStyle/>
+          <a:p>
+            <a:r>
+              <a:rPr lang="en-US" sz="1400" dirty="0"/>
+              <a:t>CSD or HPD Provider Dir</a:t>
+            </a:r>
+          </a:p>
+        </p:txBody>
+      </p:sp>
+      <p:sp>
+        <p:nvSpPr>
+          <p:cNvPr id="72" name="TextBox 71">
+            <a:extLst>
+              <a:ext uri="{FF2B5EF4-FFF2-40B4-BE49-F238E27FC236}">
+                <a16:creationId xmlns:a16="http://schemas.microsoft.com/office/drawing/2014/main" id="{8C427BE4-05F4-4882-AC76-0B2FF3745A7A}"/>
+              </a:ext>
+            </a:extLst>
+          </p:cNvPr>
+          <p:cNvSpPr txBox="1"/>
+          <p:nvPr/>
+        </p:nvSpPr>
+        <p:spPr>
+          <a:xfrm>
+            <a:off x="9324624" y="4309257"/>
+            <a:ext cx="2066523" cy="307777"/>
+          </a:xfrm>
+          <a:prstGeom prst="rect">
+            <a:avLst/>
+          </a:prstGeom>
+          <a:noFill/>
+          <a:ln w="12700">
+            <a:solidFill>
+              <a:schemeClr val="tx1"/>
+            </a:solidFill>
+            <a:prstDash val="dash"/>
+          </a:ln>
+        </p:spPr>
+        <p:txBody>
+          <a:bodyPr wrap="square" rtlCol="0">
+            <a:spAutoFit/>
+          </a:bodyPr>
+          <a:lstStyle/>
+          <a:p>
+            <a:r>
+              <a:rPr lang="en-US" sz="1400" dirty="0"/>
+              <a:t>SVS Terminology Repos</a:t>
+            </a:r>
+          </a:p>
+        </p:txBody>
+      </p:sp>
+      <p:sp>
+        <p:nvSpPr>
+          <p:cNvPr id="73" name="TextBox 72">
+            <a:extLst>
+              <a:ext uri="{FF2B5EF4-FFF2-40B4-BE49-F238E27FC236}">
+                <a16:creationId xmlns:a16="http://schemas.microsoft.com/office/drawing/2014/main" id="{583208B5-0173-4EFD-92B6-FB84EE5FBB0A}"/>
+              </a:ext>
+            </a:extLst>
+          </p:cNvPr>
+          <p:cNvSpPr txBox="1"/>
+          <p:nvPr/>
+        </p:nvSpPr>
+        <p:spPr>
+          <a:xfrm>
+            <a:off x="9250132" y="3507993"/>
+            <a:ext cx="2328825" cy="307777"/>
+          </a:xfrm>
+          <a:prstGeom prst="rect">
+            <a:avLst/>
+          </a:prstGeom>
+          <a:noFill/>
+          <a:ln w="12700">
+            <a:solidFill>
+              <a:schemeClr val="tx1"/>
+            </a:solidFill>
+            <a:prstDash val="dash"/>
+          </a:ln>
+        </p:spPr>
+        <p:txBody>
+          <a:bodyPr wrap="square" rtlCol="0">
+            <a:spAutoFit/>
+          </a:bodyPr>
+          <a:lstStyle/>
+          <a:p>
+            <a:r>
+              <a:rPr lang="en-US" sz="1400" dirty="0"/>
+              <a:t>XCPD Initiating Gateway</a:t>
+            </a:r>
+          </a:p>
+        </p:txBody>
+      </p:sp>
+      <p:sp>
+        <p:nvSpPr>
+          <p:cNvPr id="76" name="TextBox 75">
+            <a:extLst>
+              <a:ext uri="{FF2B5EF4-FFF2-40B4-BE49-F238E27FC236}">
+                <a16:creationId xmlns:a16="http://schemas.microsoft.com/office/drawing/2014/main" id="{DE71AC19-B5EC-412E-BC16-13F019956FBC}"/>
+              </a:ext>
+            </a:extLst>
+          </p:cNvPr>
+          <p:cNvSpPr txBox="1"/>
+          <p:nvPr/>
+        </p:nvSpPr>
+        <p:spPr>
+          <a:xfrm>
+            <a:off x="9250132" y="2226719"/>
+            <a:ext cx="2292648" cy="307777"/>
+          </a:xfrm>
+          <a:prstGeom prst="rect">
+            <a:avLst/>
+          </a:prstGeom>
+          <a:noFill/>
+          <a:ln w="12700">
+            <a:solidFill>
+              <a:schemeClr val="tx1"/>
+            </a:solidFill>
+            <a:prstDash val="solid"/>
+          </a:ln>
+        </p:spPr>
+        <p:txBody>
+          <a:bodyPr wrap="square" rtlCol="0">
+            <a:spAutoFit/>
+          </a:bodyPr>
+          <a:lstStyle/>
+          <a:p>
+            <a:r>
+              <a:rPr lang="en-US" sz="1400" dirty="0"/>
+              <a:t>XUA Service Provider</a:t>
+            </a:r>
+          </a:p>
+        </p:txBody>
+      </p:sp>
+      <p:cxnSp>
+        <p:nvCxnSpPr>
+          <p:cNvPr id="77" name="Straight Arrow Connector 76">
+            <a:extLst>
+              <a:ext uri="{FF2B5EF4-FFF2-40B4-BE49-F238E27FC236}">
+                <a16:creationId xmlns:a16="http://schemas.microsoft.com/office/drawing/2014/main" id="{719C0A79-2A0B-4B46-9963-58B42919E8EA}"/>
+              </a:ext>
+            </a:extLst>
+          </p:cNvPr>
+          <p:cNvCxnSpPr>
+            <a:cxnSpLocks/>
+            <a:stCxn id="17" idx="3"/>
+            <a:endCxn id="67" idx="1"/>
+          </p:cNvCxnSpPr>
+          <p:nvPr/>
+        </p:nvCxnSpPr>
+        <p:spPr>
+          <a:xfrm>
+            <a:off x="6873033" y="6153352"/>
+            <a:ext cx="2500702" cy="155668"/>
+          </a:xfrm>
+          <a:prstGeom prst="straightConnector1">
+            <a:avLst/>
+          </a:prstGeom>
+          <a:ln w="12700">
+            <a:solidFill>
+              <a:schemeClr val="tx1"/>
+            </a:solidFill>
+            <a:tailEnd type="triangle" w="lg" len="med"/>
+          </a:ln>
+        </p:spPr>
+        <p:style>
+          <a:lnRef idx="1">
+            <a:schemeClr val="accent1"/>
+          </a:lnRef>
+          <a:fillRef idx="0">
+            <a:schemeClr val="accent1"/>
+          </a:fillRef>
+          <a:effectRef idx="0">
+            <a:schemeClr val="accent1"/>
+          </a:effectRef>
+          <a:fontRef idx="minor">
+            <a:schemeClr val="tx1"/>
+          </a:fontRef>
+        </p:style>
+      </p:cxnSp>
+      <p:cxnSp>
+        <p:nvCxnSpPr>
+          <p:cNvPr id="82" name="Straight Arrow Connector 81">
+            <a:extLst>
+              <a:ext uri="{FF2B5EF4-FFF2-40B4-BE49-F238E27FC236}">
+                <a16:creationId xmlns:a16="http://schemas.microsoft.com/office/drawing/2014/main" id="{B6827E81-020A-4118-AA12-F3E7BF9C1019}"/>
+              </a:ext>
+            </a:extLst>
+          </p:cNvPr>
+          <p:cNvCxnSpPr>
+            <a:cxnSpLocks/>
+            <a:stCxn id="18" idx="3"/>
+            <a:endCxn id="68" idx="1"/>
+          </p:cNvCxnSpPr>
+          <p:nvPr/>
+        </p:nvCxnSpPr>
+        <p:spPr>
+          <a:xfrm>
+            <a:off x="6884578" y="5760180"/>
+            <a:ext cx="2489157" cy="33933"/>
+          </a:xfrm>
+          <a:prstGeom prst="straightConnector1">
+            <a:avLst/>
+          </a:prstGeom>
+          <a:ln w="12700">
+            <a:solidFill>
+              <a:schemeClr val="tx1"/>
+            </a:solidFill>
+            <a:tailEnd type="triangle" w="lg" len="med"/>
+          </a:ln>
+        </p:spPr>
+        <p:style>
+          <a:lnRef idx="1">
+            <a:schemeClr val="accent1"/>
+          </a:lnRef>
+          <a:fillRef idx="0">
+            <a:schemeClr val="accent1"/>
+          </a:fillRef>
+          <a:effectRef idx="0">
+            <a:schemeClr val="accent1"/>
+          </a:effectRef>
+          <a:fontRef idx="minor">
+            <a:schemeClr val="tx1"/>
+          </a:fontRef>
+        </p:style>
+      </p:cxnSp>
+      <p:sp>
+        <p:nvSpPr>
+          <p:cNvPr id="89" name="TextBox 88">
+            <a:extLst>
+              <a:ext uri="{FF2B5EF4-FFF2-40B4-BE49-F238E27FC236}">
+                <a16:creationId xmlns:a16="http://schemas.microsoft.com/office/drawing/2014/main" id="{48716870-2430-4C66-8BAA-A019FE368218}"/>
+              </a:ext>
+            </a:extLst>
+          </p:cNvPr>
+          <p:cNvSpPr txBox="1"/>
+          <p:nvPr/>
+        </p:nvSpPr>
+        <p:spPr>
+          <a:xfrm>
+            <a:off x="7684128" y="6218387"/>
+            <a:ext cx="1167131" cy="276999"/>
+          </a:xfrm>
+          <a:prstGeom prst="rect">
+            <a:avLst/>
+          </a:prstGeom>
+          <a:noFill/>
+        </p:spPr>
+        <p:txBody>
+          <a:bodyPr wrap="square" rtlCol="0">
+            <a:spAutoFit/>
+          </a:bodyPr>
+          <a:lstStyle/>
+          <a:p>
+            <a:r>
+              <a:rPr lang="en-US" sz="1200" dirty="0"/>
+              <a:t>[ITI-20] </a:t>
+            </a:r>
+          </a:p>
+        </p:txBody>
+      </p:sp>
+      <p:sp>
+        <p:nvSpPr>
+          <p:cNvPr id="90" name="TextBox 89">
+            <a:extLst>
+              <a:ext uri="{FF2B5EF4-FFF2-40B4-BE49-F238E27FC236}">
+                <a16:creationId xmlns:a16="http://schemas.microsoft.com/office/drawing/2014/main" id="{2440305A-DA2A-4ADF-BB42-2D6A258D2630}"/>
+              </a:ext>
+            </a:extLst>
+          </p:cNvPr>
+          <p:cNvSpPr txBox="1"/>
+          <p:nvPr/>
+        </p:nvSpPr>
+        <p:spPr>
+          <a:xfrm>
+            <a:off x="7813922" y="5521801"/>
+            <a:ext cx="1068468" cy="276999"/>
+          </a:xfrm>
+          <a:prstGeom prst="rect">
+            <a:avLst/>
+          </a:prstGeom>
+          <a:noFill/>
+        </p:spPr>
+        <p:txBody>
+          <a:bodyPr wrap="square" rtlCol="0">
+            <a:spAutoFit/>
+          </a:bodyPr>
+          <a:lstStyle/>
+          <a:p>
+            <a:r>
+              <a:rPr lang="en-US" sz="1200" dirty="0"/>
+              <a:t>[ITI-1] </a:t>
+            </a:r>
+          </a:p>
+        </p:txBody>
+      </p:sp>
+      <p:sp>
+        <p:nvSpPr>
+          <p:cNvPr id="92" name="TextBox 91">
+            <a:extLst>
+              <a:ext uri="{FF2B5EF4-FFF2-40B4-BE49-F238E27FC236}">
+                <a16:creationId xmlns:a16="http://schemas.microsoft.com/office/drawing/2014/main" id="{EB71D6A2-68A3-4F61-A1C8-910C1942A135}"/>
+              </a:ext>
+            </a:extLst>
+          </p:cNvPr>
+          <p:cNvSpPr txBox="1"/>
+          <p:nvPr/>
+        </p:nvSpPr>
+        <p:spPr>
+          <a:xfrm>
+            <a:off x="5357219" y="1708485"/>
+            <a:ext cx="2292648" cy="307777"/>
+          </a:xfrm>
+          <a:prstGeom prst="rect">
+            <a:avLst/>
+          </a:prstGeom>
+          <a:noFill/>
+          <a:ln w="12700">
+            <a:solidFill>
+              <a:schemeClr val="tx1"/>
+            </a:solidFill>
+          </a:ln>
+        </p:spPr>
+        <p:txBody>
+          <a:bodyPr wrap="square" rtlCol="0">
+            <a:spAutoFit/>
+          </a:bodyPr>
+          <a:lstStyle/>
+          <a:p>
+            <a:r>
+              <a:rPr lang="en-US" sz="1400" dirty="0"/>
+              <a:t>XDS Document Consumer</a:t>
+            </a:r>
+          </a:p>
+        </p:txBody>
+      </p:sp>
+      <p:cxnSp>
+        <p:nvCxnSpPr>
+          <p:cNvPr id="93" name="Straight Arrow Connector 92">
+            <a:extLst>
+              <a:ext uri="{FF2B5EF4-FFF2-40B4-BE49-F238E27FC236}">
+                <a16:creationId xmlns:a16="http://schemas.microsoft.com/office/drawing/2014/main" id="{EE3BDBBA-CAA4-477F-A0F0-18685485677A}"/>
+              </a:ext>
+            </a:extLst>
+          </p:cNvPr>
+          <p:cNvCxnSpPr>
+            <a:cxnSpLocks/>
+            <a:stCxn id="92" idx="3"/>
+            <a:endCxn id="65" idx="1"/>
+          </p:cNvCxnSpPr>
+          <p:nvPr/>
+        </p:nvCxnSpPr>
+        <p:spPr>
+          <a:xfrm>
+            <a:off x="7649867" y="1862374"/>
+            <a:ext cx="1593400" cy="9010"/>
+          </a:xfrm>
+          <a:prstGeom prst="straightConnector1">
+            <a:avLst/>
+          </a:prstGeom>
+          <a:ln w="12700">
+            <a:solidFill>
+              <a:schemeClr val="tx1"/>
+            </a:solidFill>
+            <a:tailEnd type="triangle" w="lg" len="med"/>
+          </a:ln>
+        </p:spPr>
+        <p:style>
+          <a:lnRef idx="1">
+            <a:schemeClr val="accent1"/>
+          </a:lnRef>
+          <a:fillRef idx="0">
+            <a:schemeClr val="accent1"/>
+          </a:fillRef>
+          <a:effectRef idx="0">
+            <a:schemeClr val="accent1"/>
+          </a:effectRef>
+          <a:fontRef idx="minor">
+            <a:schemeClr val="tx1"/>
+          </a:fontRef>
+        </p:style>
+      </p:cxnSp>
+      <p:sp>
+        <p:nvSpPr>
+          <p:cNvPr id="94" name="TextBox 93">
+            <a:extLst>
+              <a:ext uri="{FF2B5EF4-FFF2-40B4-BE49-F238E27FC236}">
+                <a16:creationId xmlns:a16="http://schemas.microsoft.com/office/drawing/2014/main" id="{ECD71C63-50E6-48ED-98A0-2B11D6D4E581}"/>
+              </a:ext>
+            </a:extLst>
+          </p:cNvPr>
+          <p:cNvSpPr txBox="1"/>
+          <p:nvPr/>
+        </p:nvSpPr>
+        <p:spPr>
+          <a:xfrm>
+            <a:off x="7651979" y="1632157"/>
+            <a:ext cx="2066523" cy="276999"/>
+          </a:xfrm>
+          <a:prstGeom prst="rect">
+            <a:avLst/>
+          </a:prstGeom>
+          <a:noFill/>
+        </p:spPr>
+        <p:txBody>
+          <a:bodyPr wrap="square" rtlCol="0">
+            <a:spAutoFit/>
+          </a:bodyPr>
+          <a:lstStyle/>
+          <a:p>
+            <a:r>
+              <a:rPr lang="en-US" sz="1200" dirty="0"/>
+              <a:t>[ITI-18] or [ITI-43]</a:t>
+            </a:r>
+          </a:p>
+        </p:txBody>
+      </p:sp>
+      <p:cxnSp>
+        <p:nvCxnSpPr>
+          <p:cNvPr id="95" name="Straight Arrow Connector 94">
+            <a:extLst>
+              <a:ext uri="{FF2B5EF4-FFF2-40B4-BE49-F238E27FC236}">
+                <a16:creationId xmlns:a16="http://schemas.microsoft.com/office/drawing/2014/main" id="{D9F62CED-163F-4051-8BAF-4C682454E319}"/>
+              </a:ext>
+            </a:extLst>
+          </p:cNvPr>
+          <p:cNvCxnSpPr>
+            <a:cxnSpLocks/>
+            <a:stCxn id="99" idx="3"/>
+            <a:endCxn id="76" idx="1"/>
+          </p:cNvCxnSpPr>
+          <p:nvPr/>
+        </p:nvCxnSpPr>
+        <p:spPr>
+          <a:xfrm flipV="1">
+            <a:off x="7663457" y="2380608"/>
+            <a:ext cx="1586675" cy="195928"/>
+          </a:xfrm>
+          <a:prstGeom prst="straightConnector1">
+            <a:avLst/>
+          </a:prstGeom>
+          <a:ln w="12700">
+            <a:solidFill>
+              <a:schemeClr val="tx1"/>
+            </a:solidFill>
+            <a:tailEnd type="triangle" w="lg" len="med"/>
+          </a:ln>
+        </p:spPr>
+        <p:style>
+          <a:lnRef idx="1">
+            <a:schemeClr val="accent1"/>
+          </a:lnRef>
+          <a:fillRef idx="0">
+            <a:schemeClr val="accent1"/>
+          </a:fillRef>
+          <a:effectRef idx="0">
+            <a:schemeClr val="accent1"/>
+          </a:effectRef>
+          <a:fontRef idx="minor">
+            <a:schemeClr val="tx1"/>
+          </a:fontRef>
+        </p:style>
+      </p:cxnSp>
+      <p:sp>
+        <p:nvSpPr>
+          <p:cNvPr id="99" name="TextBox 98">
+            <a:extLst>
+              <a:ext uri="{FF2B5EF4-FFF2-40B4-BE49-F238E27FC236}">
+                <a16:creationId xmlns:a16="http://schemas.microsoft.com/office/drawing/2014/main" id="{1BB94C84-AAD1-4E66-98D7-53F208ACC519}"/>
+              </a:ext>
+            </a:extLst>
+          </p:cNvPr>
+          <p:cNvSpPr txBox="1"/>
+          <p:nvPr/>
+        </p:nvSpPr>
+        <p:spPr>
+          <a:xfrm>
+            <a:off x="5370809" y="2422647"/>
+            <a:ext cx="2292648" cy="307777"/>
+          </a:xfrm>
+          <a:prstGeom prst="rect">
+            <a:avLst/>
+          </a:prstGeom>
+          <a:noFill/>
+          <a:ln w="12700">
+            <a:solidFill>
+              <a:schemeClr val="tx1"/>
+            </a:solidFill>
+            <a:prstDash val="solid"/>
+          </a:ln>
+        </p:spPr>
+        <p:txBody>
+          <a:bodyPr wrap="square" rtlCol="0">
+            <a:spAutoFit/>
+          </a:bodyPr>
+          <a:lstStyle/>
+          <a:p>
+            <a:r>
+              <a:rPr lang="en-US" sz="1400" dirty="0"/>
+              <a:t>XUA Service User</a:t>
+            </a:r>
+          </a:p>
+        </p:txBody>
+      </p:sp>
+      <p:sp>
+        <p:nvSpPr>
+          <p:cNvPr id="100" name="TextBox 99">
+            <a:extLst>
+              <a:ext uri="{FF2B5EF4-FFF2-40B4-BE49-F238E27FC236}">
+                <a16:creationId xmlns:a16="http://schemas.microsoft.com/office/drawing/2014/main" id="{D5C75E8A-BBB6-4811-B0DF-836DE928A0C6}"/>
+              </a:ext>
+            </a:extLst>
+          </p:cNvPr>
+          <p:cNvSpPr txBox="1"/>
+          <p:nvPr/>
+        </p:nvSpPr>
+        <p:spPr>
+          <a:xfrm rot="21261900">
+            <a:off x="7691302" y="2175970"/>
+            <a:ext cx="2659410" cy="276999"/>
+          </a:xfrm>
+          <a:prstGeom prst="rect">
+            <a:avLst/>
+          </a:prstGeom>
+          <a:noFill/>
+        </p:spPr>
+        <p:txBody>
+          <a:bodyPr wrap="square" rtlCol="0">
+            <a:spAutoFit/>
+          </a:bodyPr>
+          <a:lstStyle/>
+          <a:p>
+            <a:r>
+              <a:rPr lang="en-US" sz="1200" dirty="0"/>
+              <a:t>[ITI-40] Provide X </a:t>
+            </a:r>
+          </a:p>
+        </p:txBody>
+      </p:sp>
+      <p:sp>
+        <p:nvSpPr>
+          <p:cNvPr id="105" name="TextBox 104">
+            <a:extLst>
+              <a:ext uri="{FF2B5EF4-FFF2-40B4-BE49-F238E27FC236}">
+                <a16:creationId xmlns:a16="http://schemas.microsoft.com/office/drawing/2014/main" id="{7C83FAD4-B793-49B6-A5FE-335A26A06D91}"/>
+              </a:ext>
+            </a:extLst>
+          </p:cNvPr>
+          <p:cNvSpPr txBox="1"/>
+          <p:nvPr/>
+        </p:nvSpPr>
+        <p:spPr>
+          <a:xfrm>
+            <a:off x="5351420" y="3512890"/>
+            <a:ext cx="2104623" cy="307777"/>
+          </a:xfrm>
+          <a:prstGeom prst="rect">
+            <a:avLst/>
+          </a:prstGeom>
+          <a:noFill/>
+          <a:ln w="12700">
+            <a:solidFill>
+              <a:schemeClr val="tx1"/>
+            </a:solidFill>
+            <a:prstDash val="dash"/>
+          </a:ln>
+        </p:spPr>
+        <p:txBody>
+          <a:bodyPr wrap="square" rtlCol="0">
+            <a:spAutoFit/>
+          </a:bodyPr>
+          <a:lstStyle/>
+          <a:p>
+            <a:r>
+              <a:rPr lang="en-US" sz="1400" dirty="0"/>
+              <a:t>PDQ or PIX client</a:t>
+            </a:r>
+          </a:p>
+        </p:txBody>
+      </p:sp>
+      <p:cxnSp>
+        <p:nvCxnSpPr>
+          <p:cNvPr id="106" name="Straight Arrow Connector 105">
+            <a:extLst>
+              <a:ext uri="{FF2B5EF4-FFF2-40B4-BE49-F238E27FC236}">
+                <a16:creationId xmlns:a16="http://schemas.microsoft.com/office/drawing/2014/main" id="{B86F6354-C159-41C7-9EF9-7A681FA25EED}"/>
+              </a:ext>
+            </a:extLst>
+          </p:cNvPr>
+          <p:cNvCxnSpPr>
+            <a:cxnSpLocks/>
+            <a:stCxn id="105" idx="3"/>
+            <a:endCxn id="73" idx="1"/>
+          </p:cNvCxnSpPr>
+          <p:nvPr/>
+        </p:nvCxnSpPr>
+        <p:spPr>
+          <a:xfrm flipV="1">
+            <a:off x="7456043" y="3661882"/>
+            <a:ext cx="1794089" cy="4897"/>
+          </a:xfrm>
+          <a:prstGeom prst="straightConnector1">
+            <a:avLst/>
+          </a:prstGeom>
+          <a:ln w="12700">
+            <a:solidFill>
+              <a:schemeClr val="tx1"/>
+            </a:solidFill>
+            <a:tailEnd type="triangle" w="lg" len="med"/>
+          </a:ln>
+        </p:spPr>
+        <p:style>
+          <a:lnRef idx="1">
+            <a:schemeClr val="accent1"/>
+          </a:lnRef>
+          <a:fillRef idx="0">
+            <a:schemeClr val="accent1"/>
+          </a:fillRef>
+          <a:effectRef idx="0">
+            <a:schemeClr val="accent1"/>
+          </a:effectRef>
+          <a:fontRef idx="minor">
+            <a:schemeClr val="tx1"/>
+          </a:fontRef>
+        </p:style>
+      </p:cxnSp>
+      <p:sp>
+        <p:nvSpPr>
+          <p:cNvPr id="107" name="TextBox 106">
+            <a:extLst>
+              <a:ext uri="{FF2B5EF4-FFF2-40B4-BE49-F238E27FC236}">
+                <a16:creationId xmlns:a16="http://schemas.microsoft.com/office/drawing/2014/main" id="{7CDE983B-605F-410A-AE2F-2DF2695869D3}"/>
+              </a:ext>
+            </a:extLst>
+          </p:cNvPr>
+          <p:cNvSpPr txBox="1"/>
+          <p:nvPr/>
+        </p:nvSpPr>
+        <p:spPr>
+          <a:xfrm>
+            <a:off x="7747908" y="3676080"/>
+            <a:ext cx="2066523" cy="276999"/>
+          </a:xfrm>
+          <a:prstGeom prst="rect">
+            <a:avLst/>
+          </a:prstGeom>
+          <a:noFill/>
+        </p:spPr>
+        <p:txBody>
+          <a:bodyPr wrap="square" rtlCol="0">
+            <a:spAutoFit/>
+          </a:bodyPr>
+          <a:lstStyle/>
+          <a:p>
+            <a:r>
+              <a:rPr lang="en-US" sz="1200" dirty="0"/>
+              <a:t>[ITI-21] or [ITI-9]</a:t>
+            </a:r>
+          </a:p>
+        </p:txBody>
+      </p:sp>
+      <p:sp>
+        <p:nvSpPr>
+          <p:cNvPr id="110" name="TextBox 109">
+            <a:extLst>
+              <a:ext uri="{FF2B5EF4-FFF2-40B4-BE49-F238E27FC236}">
+                <a16:creationId xmlns:a16="http://schemas.microsoft.com/office/drawing/2014/main" id="{B26FF876-4C1A-4629-8807-D5D95744AECE}"/>
+              </a:ext>
+            </a:extLst>
+          </p:cNvPr>
+          <p:cNvSpPr txBox="1"/>
+          <p:nvPr/>
+        </p:nvSpPr>
+        <p:spPr>
+          <a:xfrm>
+            <a:off x="5361977" y="4264787"/>
+            <a:ext cx="2066523" cy="307777"/>
+          </a:xfrm>
+          <a:prstGeom prst="rect">
+            <a:avLst/>
+          </a:prstGeom>
+          <a:noFill/>
+          <a:ln w="12700">
+            <a:solidFill>
+              <a:schemeClr val="tx1"/>
+            </a:solidFill>
+            <a:prstDash val="dash"/>
+          </a:ln>
+        </p:spPr>
+        <p:txBody>
+          <a:bodyPr wrap="square" rtlCol="0">
+            <a:spAutoFit/>
+          </a:bodyPr>
+          <a:lstStyle/>
+          <a:p>
+            <a:r>
+              <a:rPr lang="en-US" sz="1400" dirty="0"/>
+              <a:t>SVS Terminology Repos</a:t>
+            </a:r>
+          </a:p>
+        </p:txBody>
+      </p:sp>
+      <p:sp>
+        <p:nvSpPr>
+          <p:cNvPr id="111" name="TextBox 110">
+            <a:extLst>
+              <a:ext uri="{FF2B5EF4-FFF2-40B4-BE49-F238E27FC236}">
+                <a16:creationId xmlns:a16="http://schemas.microsoft.com/office/drawing/2014/main" id="{B8ADC5A8-0392-4BAE-9D33-1AA49147B18A}"/>
+              </a:ext>
+            </a:extLst>
+          </p:cNvPr>
+          <p:cNvSpPr txBox="1"/>
+          <p:nvPr/>
+        </p:nvSpPr>
+        <p:spPr>
+          <a:xfrm>
+            <a:off x="7933131" y="4394870"/>
+            <a:ext cx="2066523" cy="276999"/>
+          </a:xfrm>
+          <a:prstGeom prst="rect">
+            <a:avLst/>
+          </a:prstGeom>
+          <a:noFill/>
+        </p:spPr>
+        <p:txBody>
+          <a:bodyPr wrap="square" rtlCol="0">
+            <a:spAutoFit/>
+          </a:bodyPr>
+          <a:lstStyle/>
+          <a:p>
+            <a:r>
+              <a:rPr lang="en-US" sz="1200" dirty="0"/>
+              <a:t>[ITI-48]</a:t>
+            </a:r>
+          </a:p>
+        </p:txBody>
+      </p:sp>
+      <p:cxnSp>
+        <p:nvCxnSpPr>
+          <p:cNvPr id="116" name="Straight Arrow Connector 115">
+            <a:extLst>
+              <a:ext uri="{FF2B5EF4-FFF2-40B4-BE49-F238E27FC236}">
+                <a16:creationId xmlns:a16="http://schemas.microsoft.com/office/drawing/2014/main" id="{7FE74790-CCC7-4DB6-9641-2145CBD41234}"/>
+              </a:ext>
+            </a:extLst>
+          </p:cNvPr>
+          <p:cNvCxnSpPr>
+            <a:cxnSpLocks/>
+            <a:stCxn id="110" idx="3"/>
+            <a:endCxn id="72" idx="1"/>
+          </p:cNvCxnSpPr>
+          <p:nvPr/>
+        </p:nvCxnSpPr>
+        <p:spPr>
+          <a:xfrm>
+            <a:off x="7428500" y="4418676"/>
+            <a:ext cx="1896124" cy="44470"/>
+          </a:xfrm>
+          <a:prstGeom prst="straightConnector1">
+            <a:avLst/>
+          </a:prstGeom>
+          <a:ln w="12700">
+            <a:solidFill>
+              <a:schemeClr val="tx1"/>
+            </a:solidFill>
+            <a:tailEnd type="triangle" w="lg" len="med"/>
+          </a:ln>
+        </p:spPr>
+        <p:style>
+          <a:lnRef idx="1">
+            <a:schemeClr val="accent1"/>
+          </a:lnRef>
+          <a:fillRef idx="0">
+            <a:schemeClr val="accent1"/>
+          </a:fillRef>
+          <a:effectRef idx="0">
+            <a:schemeClr val="accent1"/>
+          </a:effectRef>
+          <a:fontRef idx="minor">
+            <a:schemeClr val="tx1"/>
+          </a:fontRef>
+        </p:style>
+      </p:cxnSp>
+      <p:sp>
+        <p:nvSpPr>
+          <p:cNvPr id="119" name="TextBox 118">
+            <a:extLst>
+              <a:ext uri="{FF2B5EF4-FFF2-40B4-BE49-F238E27FC236}">
+                <a16:creationId xmlns:a16="http://schemas.microsoft.com/office/drawing/2014/main" id="{6BB7C4F3-59E2-4568-86AC-75419AF77E67}"/>
+              </a:ext>
+            </a:extLst>
+          </p:cNvPr>
+          <p:cNvSpPr txBox="1"/>
+          <p:nvPr/>
+        </p:nvSpPr>
+        <p:spPr>
+          <a:xfrm>
+            <a:off x="5376970" y="5205390"/>
+            <a:ext cx="2066523" cy="307777"/>
+          </a:xfrm>
+          <a:prstGeom prst="rect">
+            <a:avLst/>
+          </a:prstGeom>
+          <a:noFill/>
+          <a:ln w="12700">
+            <a:solidFill>
+              <a:schemeClr val="tx1"/>
+            </a:solidFill>
+            <a:prstDash val="dash"/>
+          </a:ln>
+        </p:spPr>
+        <p:txBody>
+          <a:bodyPr wrap="square" rtlCol="0">
+            <a:spAutoFit/>
+          </a:bodyPr>
+          <a:lstStyle/>
+          <a:p>
+            <a:r>
+              <a:rPr lang="en-US" sz="1400" dirty="0"/>
+              <a:t>HPD Consumer</a:t>
+            </a:r>
+          </a:p>
+        </p:txBody>
+      </p:sp>
+      <p:sp>
+        <p:nvSpPr>
+          <p:cNvPr id="120" name="TextBox 119">
+            <a:extLst>
+              <a:ext uri="{FF2B5EF4-FFF2-40B4-BE49-F238E27FC236}">
+                <a16:creationId xmlns:a16="http://schemas.microsoft.com/office/drawing/2014/main" id="{02E36E1A-AE53-4C86-A3DA-4DEF81DA64BB}"/>
+              </a:ext>
+            </a:extLst>
+          </p:cNvPr>
+          <p:cNvSpPr txBox="1"/>
+          <p:nvPr/>
+        </p:nvSpPr>
+        <p:spPr>
+          <a:xfrm>
+            <a:off x="7870568" y="5144018"/>
+            <a:ext cx="2066523" cy="276999"/>
+          </a:xfrm>
+          <a:prstGeom prst="rect">
+            <a:avLst/>
+          </a:prstGeom>
+          <a:noFill/>
+        </p:spPr>
+        <p:txBody>
+          <a:bodyPr wrap="square" rtlCol="0">
+            <a:spAutoFit/>
+          </a:bodyPr>
+          <a:lstStyle/>
+          <a:p>
+            <a:r>
+              <a:rPr lang="en-US" sz="1200" dirty="0"/>
+              <a:t>[ITI-58]</a:t>
+            </a:r>
+          </a:p>
+        </p:txBody>
+      </p:sp>
+      <p:cxnSp>
+        <p:nvCxnSpPr>
+          <p:cNvPr id="121" name="Straight Arrow Connector 120">
+            <a:extLst>
+              <a:ext uri="{FF2B5EF4-FFF2-40B4-BE49-F238E27FC236}">
+                <a16:creationId xmlns:a16="http://schemas.microsoft.com/office/drawing/2014/main" id="{FE943059-510E-4A16-8B93-6E761ACE7893}"/>
+              </a:ext>
+            </a:extLst>
+          </p:cNvPr>
+          <p:cNvCxnSpPr>
+            <a:cxnSpLocks/>
+            <a:stCxn id="119" idx="3"/>
+            <a:endCxn id="69" idx="1"/>
+          </p:cNvCxnSpPr>
+          <p:nvPr/>
+        </p:nvCxnSpPr>
+        <p:spPr>
+          <a:xfrm flipV="1">
+            <a:off x="7443493" y="5352742"/>
+            <a:ext cx="1916144" cy="6537"/>
+          </a:xfrm>
+          <a:prstGeom prst="straightConnector1">
+            <a:avLst/>
+          </a:prstGeom>
+          <a:ln w="12700">
+            <a:solidFill>
+              <a:schemeClr val="tx1"/>
+            </a:solidFill>
+            <a:tailEnd type="triangle" w="lg" len="med"/>
+          </a:ln>
+        </p:spPr>
+        <p:style>
+          <a:lnRef idx="1">
+            <a:schemeClr val="accent1"/>
+          </a:lnRef>
+          <a:fillRef idx="0">
+            <a:schemeClr val="accent1"/>
+          </a:fillRef>
+          <a:effectRef idx="0">
+            <a:schemeClr val="accent1"/>
+          </a:effectRef>
+          <a:fontRef idx="minor">
+            <a:schemeClr val="tx1"/>
+          </a:fontRef>
+        </p:style>
+      </p:cxnSp>
+      <p:sp>
+        <p:nvSpPr>
+          <p:cNvPr id="108" name="Title 107">
+            <a:extLst>
+              <a:ext uri="{FF2B5EF4-FFF2-40B4-BE49-F238E27FC236}">
+                <a16:creationId xmlns:a16="http://schemas.microsoft.com/office/drawing/2014/main" id="{D5A2E9DF-6986-4146-8F41-B24112B2561F}"/>
+              </a:ext>
+            </a:extLst>
+          </p:cNvPr>
+          <p:cNvSpPr>
+            <a:spLocks noGrp="1"/>
+          </p:cNvSpPr>
+          <p:nvPr>
+            <p:ph type="title"/>
+          </p:nvPr>
+        </p:nvSpPr>
+        <p:spPr>
+          <a:xfrm>
+            <a:off x="838200" y="365126"/>
+            <a:ext cx="10515600" cy="960936"/>
+          </a:xfrm>
+        </p:spPr>
+        <p:txBody>
+          <a:bodyPr/>
+          <a:lstStyle/>
+          <a:p>
+            <a:pPr algn="ctr"/>
+            <a:r>
+              <a:rPr lang="en-US" b="1" dirty="0"/>
+              <a:t>MHD/XCA Proxy Infrastructure</a:t>
+            </a:r>
+            <a:endParaRPr lang="en-US" dirty="0"/>
+          </a:p>
+        </p:txBody>
+      </p:sp>
+      <p:sp>
+        <p:nvSpPr>
+          <p:cNvPr id="134" name="TextBox 133">
+            <a:extLst>
+              <a:ext uri="{FF2B5EF4-FFF2-40B4-BE49-F238E27FC236}">
+                <a16:creationId xmlns:a16="http://schemas.microsoft.com/office/drawing/2014/main" id="{90330316-C3EE-4727-987C-4FB18371DD70}"/>
+              </a:ext>
+            </a:extLst>
+          </p:cNvPr>
+          <p:cNvSpPr txBox="1"/>
+          <p:nvPr/>
+        </p:nvSpPr>
+        <p:spPr>
+          <a:xfrm>
+            <a:off x="11535915" y="3325535"/>
+            <a:ext cx="823464" cy="369332"/>
+          </a:xfrm>
+          <a:prstGeom prst="rect">
+            <a:avLst/>
+          </a:prstGeom>
+          <a:noFill/>
+        </p:spPr>
+        <p:txBody>
+          <a:bodyPr wrap="square" rtlCol="0">
+            <a:spAutoFit/>
+          </a:bodyPr>
+          <a:lstStyle/>
+          <a:p>
+            <a:pPr algn="ctr"/>
+            <a:r>
+              <a:rPr lang="en-US" b="1" dirty="0"/>
+              <a:t>…</a:t>
+            </a:r>
+          </a:p>
+        </p:txBody>
+      </p:sp>
+      <p:cxnSp>
+        <p:nvCxnSpPr>
+          <p:cNvPr id="141" name="Straight Arrow Connector 140">
+            <a:extLst>
+              <a:ext uri="{FF2B5EF4-FFF2-40B4-BE49-F238E27FC236}">
+                <a16:creationId xmlns:a16="http://schemas.microsoft.com/office/drawing/2014/main" id="{C8B21F26-5AD4-4344-8DF1-192E9426B312}"/>
+              </a:ext>
+            </a:extLst>
+          </p:cNvPr>
+          <p:cNvCxnSpPr>
+            <a:cxnSpLocks/>
+          </p:cNvCxnSpPr>
+          <p:nvPr/>
+        </p:nvCxnSpPr>
+        <p:spPr>
+          <a:xfrm>
+            <a:off x="7720861" y="6024767"/>
+            <a:ext cx="1242827" cy="16335"/>
+          </a:xfrm>
+          <a:prstGeom prst="straightConnector1">
+            <a:avLst/>
+          </a:prstGeom>
+          <a:ln w="12700">
+            <a:solidFill>
+              <a:schemeClr val="tx1"/>
+            </a:solidFill>
+            <a:tailEnd type="triangle" w="lg" len="med"/>
+          </a:ln>
+        </p:spPr>
+        <p:style>
+          <a:lnRef idx="1">
+            <a:schemeClr val="accent1"/>
+          </a:lnRef>
+          <a:fillRef idx="0">
+            <a:schemeClr val="accent1"/>
+          </a:fillRef>
+          <a:effectRef idx="0">
+            <a:schemeClr val="accent1"/>
+          </a:effectRef>
+          <a:fontRef idx="minor">
+            <a:schemeClr val="tx1"/>
+          </a:fontRef>
+        </p:style>
+      </p:cxnSp>
+      <p:sp>
+        <p:nvSpPr>
+          <p:cNvPr id="142" name="TextBox 141">
+            <a:extLst>
+              <a:ext uri="{FF2B5EF4-FFF2-40B4-BE49-F238E27FC236}">
+                <a16:creationId xmlns:a16="http://schemas.microsoft.com/office/drawing/2014/main" id="{8A01A8EE-E79A-4024-8023-962049C81B00}"/>
+              </a:ext>
+            </a:extLst>
+          </p:cNvPr>
+          <p:cNvSpPr txBox="1"/>
+          <p:nvPr/>
+        </p:nvSpPr>
+        <p:spPr>
+          <a:xfrm>
+            <a:off x="7708226" y="5809501"/>
+            <a:ext cx="1463189" cy="276999"/>
+          </a:xfrm>
+          <a:prstGeom prst="rect">
+            <a:avLst/>
+          </a:prstGeom>
+          <a:noFill/>
+        </p:spPr>
+        <p:txBody>
+          <a:bodyPr wrap="square" rtlCol="0">
+            <a:spAutoFit/>
+          </a:bodyPr>
+          <a:lstStyle/>
+          <a:p>
+            <a:r>
+              <a:rPr lang="en-US" sz="1200" dirty="0"/>
+              <a:t>[ITI-19]</a:t>
+            </a:r>
+          </a:p>
+        </p:txBody>
+      </p:sp>
+    </p:spTree>
+    <p:extLst>
+      <p:ext uri="{BB962C8B-B14F-4D97-AF65-F5344CB8AC3E}">
+        <p14:creationId xmlns:p14="http://schemas.microsoft.com/office/powerpoint/2010/main" val="2170108258"/>
       </p:ext>
     </p:extLst>
   </p:cSld>
@@ -26349,497 +32191,6 @@
 </file>
 
 <file path=ppt/slides/slide6.xml><?xml version="1.0" encoding="utf-8"?>
-<p:sld xmlns:a="http://schemas.openxmlformats.org/drawingml/2006/main" xmlns:r="http://schemas.openxmlformats.org/officeDocument/2006/relationships" xmlns:p="http://schemas.openxmlformats.org/presentationml/2006/main">
-  <p:cSld>
-    <p:spTree>
-      <p:nvGrpSpPr>
-        <p:cNvPr id="1" name=""/>
-        <p:cNvGrpSpPr/>
-        <p:nvPr/>
-      </p:nvGrpSpPr>
-      <p:grpSpPr>
-        <a:xfrm>
-          <a:off x="0" y="0"/>
-          <a:ext cx="0" cy="0"/>
-          <a:chOff x="0" y="0"/>
-          <a:chExt cx="0" cy="0"/>
-        </a:xfrm>
-      </p:grpSpPr>
-      <p:sp>
-        <p:nvSpPr>
-          <p:cNvPr id="2" name="Title 1">
-            <a:extLst>
-              <a:ext uri="{FF2B5EF4-FFF2-40B4-BE49-F238E27FC236}">
-                <a16:creationId xmlns:a16="http://schemas.microsoft.com/office/drawing/2014/main" id="{AD3B31AC-0918-4E89-8560-3048A90BF638}"/>
-              </a:ext>
-            </a:extLst>
-          </p:cNvPr>
-          <p:cNvSpPr>
-            <a:spLocks noGrp="1"/>
-          </p:cNvSpPr>
-          <p:nvPr>
-            <p:ph type="title"/>
-          </p:nvPr>
-        </p:nvSpPr>
-        <p:spPr>
-          <a:xfrm>
-            <a:off x="838199" y="18255"/>
-            <a:ext cx="10515600" cy="1325563"/>
-          </a:xfrm>
-        </p:spPr>
-        <p:txBody>
-          <a:bodyPr/>
-          <a:lstStyle/>
-          <a:p>
-            <a:r>
-              <a:rPr lang="en-US" dirty="0"/>
-              <a:t>MHDS – Document Sharing</a:t>
-            </a:r>
-          </a:p>
-        </p:txBody>
-      </p:sp>
-      <p:sp>
-        <p:nvSpPr>
-          <p:cNvPr id="3" name="Content Placeholder 2">
-            <a:extLst>
-              <a:ext uri="{FF2B5EF4-FFF2-40B4-BE49-F238E27FC236}">
-                <a16:creationId xmlns:a16="http://schemas.microsoft.com/office/drawing/2014/main" id="{79A4729B-F5EC-4345-B3FB-36AC77956798}"/>
-              </a:ext>
-            </a:extLst>
-          </p:cNvPr>
-          <p:cNvSpPr>
-            <a:spLocks noGrp="1"/>
-          </p:cNvSpPr>
-          <p:nvPr>
-            <p:ph idx="4294967295"/>
-          </p:nvPr>
-        </p:nvSpPr>
-        <p:spPr>
-          <a:xfrm>
-            <a:off x="0" y="1095375"/>
-            <a:ext cx="5688013" cy="5081588"/>
-          </a:xfrm>
-        </p:spPr>
-        <p:txBody>
-          <a:bodyPr>
-            <a:normAutofit fontScale="92500" lnSpcReduction="10000"/>
-          </a:bodyPr>
-          <a:lstStyle/>
-          <a:p>
-            <a:r>
-              <a:rPr lang="en-US" dirty="0"/>
-              <a:t>100% FHIR infrastructure</a:t>
-            </a:r>
-          </a:p>
-          <a:p>
-            <a:r>
-              <a:rPr lang="en-US" dirty="0"/>
-              <a:t>Document Registry</a:t>
-            </a:r>
-          </a:p>
-          <a:p>
-            <a:pPr lvl="1"/>
-            <a:r>
-              <a:rPr lang="en-US" dirty="0"/>
-              <a:t>MHD transactions</a:t>
-            </a:r>
-          </a:p>
-          <a:p>
-            <a:pPr lvl="1"/>
-            <a:r>
-              <a:rPr lang="en-US" dirty="0"/>
-              <a:t>Persistence and lifecycle management</a:t>
-            </a:r>
-          </a:p>
-          <a:p>
-            <a:r>
-              <a:rPr lang="en-US" dirty="0"/>
-              <a:t>Patient Identity Management</a:t>
-            </a:r>
-          </a:p>
-          <a:p>
-            <a:r>
-              <a:rPr lang="en-US" dirty="0"/>
-              <a:t>Authorization - OAuth</a:t>
-            </a:r>
-          </a:p>
-          <a:p>
-            <a:r>
-              <a:rPr lang="en-US" dirty="0"/>
-              <a:t>Consent Management</a:t>
-            </a:r>
-          </a:p>
-          <a:p>
-            <a:r>
-              <a:rPr lang="en-US" dirty="0"/>
-              <a:t>Trust Framework – Certificate Authority</a:t>
-            </a:r>
-          </a:p>
-          <a:p>
-            <a:r>
-              <a:rPr lang="en-US" dirty="0"/>
-              <a:t>Vocabulary Management</a:t>
-            </a:r>
-          </a:p>
-          <a:p>
-            <a:r>
-              <a:rPr lang="en-US" dirty="0"/>
-              <a:t>Audit Record Repository</a:t>
-            </a:r>
-          </a:p>
-          <a:p>
-            <a:r>
-              <a:rPr lang="en-US" dirty="0"/>
-              <a:t>Provider Directory</a:t>
-            </a:r>
-          </a:p>
-          <a:p>
-            <a:pPr marL="0" indent="0">
-              <a:buNone/>
-            </a:pPr>
-            <a:endParaRPr lang="en-US" dirty="0"/>
-          </a:p>
-        </p:txBody>
-      </p:sp>
-      <p:sp>
-        <p:nvSpPr>
-          <p:cNvPr id="5" name="Rectangle: Rounded Corners 4">
-            <a:extLst>
-              <a:ext uri="{FF2B5EF4-FFF2-40B4-BE49-F238E27FC236}">
-                <a16:creationId xmlns:a16="http://schemas.microsoft.com/office/drawing/2014/main" id="{D69B86EA-099F-4ECA-B8F9-12E0F404793E}"/>
-              </a:ext>
-            </a:extLst>
-          </p:cNvPr>
-          <p:cNvSpPr/>
-          <p:nvPr/>
-        </p:nvSpPr>
-        <p:spPr>
-          <a:xfrm>
-            <a:off x="8555420" y="1576551"/>
-            <a:ext cx="1492469" cy="1387365"/>
-          </a:xfrm>
-          <a:prstGeom prst="roundRect">
-            <a:avLst/>
-          </a:prstGeom>
-          <a:solidFill>
-            <a:schemeClr val="accent4">
-              <a:lumMod val="20000"/>
-              <a:lumOff val="80000"/>
-            </a:schemeClr>
-          </a:solidFill>
-        </p:spPr>
-        <p:style>
-          <a:lnRef idx="2">
-            <a:schemeClr val="accent1">
-              <a:shade val="50000"/>
-            </a:schemeClr>
-          </a:lnRef>
-          <a:fillRef idx="1">
-            <a:schemeClr val="accent1"/>
-          </a:fillRef>
-          <a:effectRef idx="0">
-            <a:schemeClr val="accent1"/>
-          </a:effectRef>
-          <a:fontRef idx="minor">
-            <a:schemeClr val="lt1"/>
-          </a:fontRef>
-        </p:style>
-        <p:txBody>
-          <a:bodyPr rtlCol="0" anchor="ctr"/>
-          <a:lstStyle/>
-          <a:p>
-            <a:pPr algn="ctr"/>
-            <a:r>
-              <a:rPr lang="en-US" dirty="0">
-                <a:solidFill>
-                  <a:schemeClr val="tx1"/>
-                </a:solidFill>
-              </a:rPr>
-              <a:t>Central  Support Services</a:t>
-            </a:r>
-          </a:p>
-        </p:txBody>
-      </p:sp>
-      <p:sp>
-        <p:nvSpPr>
-          <p:cNvPr id="48" name="Rectangle: Rounded Corners 47">
-            <a:extLst>
-              <a:ext uri="{FF2B5EF4-FFF2-40B4-BE49-F238E27FC236}">
-                <a16:creationId xmlns:a16="http://schemas.microsoft.com/office/drawing/2014/main" id="{7A9C35C3-6325-444A-82EE-5CBC410D2045}"/>
-              </a:ext>
-            </a:extLst>
-          </p:cNvPr>
-          <p:cNvSpPr/>
-          <p:nvPr/>
-        </p:nvSpPr>
-        <p:spPr>
-          <a:xfrm>
-            <a:off x="8555420" y="3429000"/>
-            <a:ext cx="1492469" cy="1387365"/>
-          </a:xfrm>
-          <a:prstGeom prst="roundRect">
-            <a:avLst/>
-          </a:prstGeom>
-          <a:solidFill>
-            <a:schemeClr val="bg1"/>
-          </a:solidFill>
-        </p:spPr>
-        <p:style>
-          <a:lnRef idx="2">
-            <a:schemeClr val="accent1">
-              <a:shade val="50000"/>
-            </a:schemeClr>
-          </a:lnRef>
-          <a:fillRef idx="1">
-            <a:schemeClr val="accent1"/>
-          </a:fillRef>
-          <a:effectRef idx="0">
-            <a:schemeClr val="accent1"/>
-          </a:effectRef>
-          <a:fontRef idx="minor">
-            <a:schemeClr val="lt1"/>
-          </a:fontRef>
-        </p:style>
-        <p:txBody>
-          <a:bodyPr rtlCol="0" anchor="ctr"/>
-          <a:lstStyle/>
-          <a:p>
-            <a:pPr algn="ctr"/>
-            <a:r>
-              <a:rPr lang="en-US" dirty="0">
-                <a:solidFill>
-                  <a:schemeClr val="tx1"/>
-                </a:solidFill>
-              </a:rPr>
-              <a:t>Document Registry</a:t>
-            </a:r>
-          </a:p>
-        </p:txBody>
-      </p:sp>
-      <p:sp>
-        <p:nvSpPr>
-          <p:cNvPr id="49" name="Rectangle: Rounded Corners 48">
-            <a:extLst>
-              <a:ext uri="{FF2B5EF4-FFF2-40B4-BE49-F238E27FC236}">
-                <a16:creationId xmlns:a16="http://schemas.microsoft.com/office/drawing/2014/main" id="{B8C2EE54-3007-475B-A199-75F07F559262}"/>
-              </a:ext>
-            </a:extLst>
-          </p:cNvPr>
-          <p:cNvSpPr/>
-          <p:nvPr/>
-        </p:nvSpPr>
-        <p:spPr>
-          <a:xfrm>
-            <a:off x="6526924" y="2524284"/>
-            <a:ext cx="1492469" cy="1387365"/>
-          </a:xfrm>
-          <a:prstGeom prst="roundRect">
-            <a:avLst/>
-          </a:prstGeom>
-          <a:solidFill>
-            <a:schemeClr val="accent6">
-              <a:lumMod val="40000"/>
-              <a:lumOff val="60000"/>
-            </a:schemeClr>
-          </a:solidFill>
-        </p:spPr>
-        <p:style>
-          <a:lnRef idx="2">
-            <a:schemeClr val="accent1">
-              <a:shade val="50000"/>
-            </a:schemeClr>
-          </a:lnRef>
-          <a:fillRef idx="1">
-            <a:schemeClr val="accent1"/>
-          </a:fillRef>
-          <a:effectRef idx="0">
-            <a:schemeClr val="accent1"/>
-          </a:effectRef>
-          <a:fontRef idx="minor">
-            <a:schemeClr val="lt1"/>
-          </a:fontRef>
-        </p:style>
-        <p:txBody>
-          <a:bodyPr rtlCol="0" anchor="ctr"/>
-          <a:lstStyle/>
-          <a:p>
-            <a:pPr algn="ctr"/>
-            <a:r>
-              <a:rPr lang="en-US" dirty="0">
-                <a:solidFill>
-                  <a:schemeClr val="tx1"/>
-                </a:solidFill>
-              </a:rPr>
-              <a:t>Systems that   Publish Documents</a:t>
-            </a:r>
-          </a:p>
-        </p:txBody>
-      </p:sp>
-      <p:sp>
-        <p:nvSpPr>
-          <p:cNvPr id="50" name="Rectangle: Rounded Corners 49">
-            <a:extLst>
-              <a:ext uri="{FF2B5EF4-FFF2-40B4-BE49-F238E27FC236}">
-                <a16:creationId xmlns:a16="http://schemas.microsoft.com/office/drawing/2014/main" id="{23EBEECD-AAF3-4A85-8F04-9AE4E6511BF9}"/>
-              </a:ext>
-            </a:extLst>
-          </p:cNvPr>
-          <p:cNvSpPr/>
-          <p:nvPr/>
-        </p:nvSpPr>
-        <p:spPr>
-          <a:xfrm>
-            <a:off x="10607565" y="2524283"/>
-            <a:ext cx="1492469" cy="1387365"/>
-          </a:xfrm>
-          <a:prstGeom prst="roundRect">
-            <a:avLst/>
-          </a:prstGeom>
-          <a:solidFill>
-            <a:schemeClr val="accent6">
-              <a:lumMod val="40000"/>
-              <a:lumOff val="60000"/>
-            </a:schemeClr>
-          </a:solidFill>
-        </p:spPr>
-        <p:style>
-          <a:lnRef idx="2">
-            <a:schemeClr val="accent1">
-              <a:shade val="50000"/>
-            </a:schemeClr>
-          </a:lnRef>
-          <a:fillRef idx="1">
-            <a:schemeClr val="accent1"/>
-          </a:fillRef>
-          <a:effectRef idx="0">
-            <a:schemeClr val="accent1"/>
-          </a:effectRef>
-          <a:fontRef idx="minor">
-            <a:schemeClr val="lt1"/>
-          </a:fontRef>
-        </p:style>
-        <p:txBody>
-          <a:bodyPr rtlCol="0" anchor="ctr"/>
-          <a:lstStyle/>
-          <a:p>
-            <a:pPr algn="ctr"/>
-            <a:r>
-              <a:rPr lang="en-US" dirty="0">
-                <a:solidFill>
-                  <a:schemeClr val="tx1"/>
-                </a:solidFill>
-              </a:rPr>
-              <a:t>Systems that Consume Documents</a:t>
-            </a:r>
-          </a:p>
-        </p:txBody>
-      </p:sp>
-      <p:sp>
-        <p:nvSpPr>
-          <p:cNvPr id="51" name="Arrow: Right 50">
-            <a:extLst>
-              <a:ext uri="{FF2B5EF4-FFF2-40B4-BE49-F238E27FC236}">
-                <a16:creationId xmlns:a16="http://schemas.microsoft.com/office/drawing/2014/main" id="{0865E25B-4296-4A1B-B081-014E117CBA41}"/>
-              </a:ext>
-            </a:extLst>
-          </p:cNvPr>
-          <p:cNvSpPr/>
-          <p:nvPr/>
-        </p:nvSpPr>
-        <p:spPr>
-          <a:xfrm>
-            <a:off x="8019393" y="2270233"/>
-            <a:ext cx="404498" cy="1904844"/>
-          </a:xfrm>
-          <a:prstGeom prst="rightArrow">
-            <a:avLst/>
-          </a:prstGeom>
-        </p:spPr>
-        <p:style>
-          <a:lnRef idx="2">
-            <a:schemeClr val="accent1">
-              <a:shade val="50000"/>
-            </a:schemeClr>
-          </a:lnRef>
-          <a:fillRef idx="1">
-            <a:schemeClr val="accent1"/>
-          </a:fillRef>
-          <a:effectRef idx="0">
-            <a:schemeClr val="accent1"/>
-          </a:effectRef>
-          <a:fontRef idx="minor">
-            <a:schemeClr val="lt1"/>
-          </a:fontRef>
-        </p:style>
-        <p:txBody>
-          <a:bodyPr rtlCol="0" anchor="ctr"/>
-          <a:lstStyle/>
-          <a:p>
-            <a:pPr algn="ctr"/>
-            <a:endParaRPr lang="en-US"/>
-          </a:p>
-        </p:txBody>
-      </p:sp>
-      <p:sp>
-        <p:nvSpPr>
-          <p:cNvPr id="52" name="Arrow: Right 51">
-            <a:extLst>
-              <a:ext uri="{FF2B5EF4-FFF2-40B4-BE49-F238E27FC236}">
-                <a16:creationId xmlns:a16="http://schemas.microsoft.com/office/drawing/2014/main" id="{D160BDDD-817C-41E6-873A-6A4E4C61B141}"/>
-              </a:ext>
-            </a:extLst>
-          </p:cNvPr>
-          <p:cNvSpPr/>
-          <p:nvPr/>
-        </p:nvSpPr>
-        <p:spPr>
-          <a:xfrm>
-            <a:off x="10179418" y="2213150"/>
-            <a:ext cx="404498" cy="1904844"/>
-          </a:xfrm>
-          <a:prstGeom prst="rightArrow">
-            <a:avLst/>
-          </a:prstGeom>
-        </p:spPr>
-        <p:style>
-          <a:lnRef idx="2">
-            <a:schemeClr val="accent1">
-              <a:shade val="50000"/>
-            </a:schemeClr>
-          </a:lnRef>
-          <a:fillRef idx="1">
-            <a:schemeClr val="accent1"/>
-          </a:fillRef>
-          <a:effectRef idx="0">
-            <a:schemeClr val="accent1"/>
-          </a:effectRef>
-          <a:fontRef idx="minor">
-            <a:schemeClr val="lt1"/>
-          </a:fontRef>
-        </p:style>
-        <p:txBody>
-          <a:bodyPr rtlCol="0" anchor="ctr"/>
-          <a:lstStyle/>
-          <a:p>
-            <a:pPr algn="ctr"/>
-            <a:endParaRPr lang="en-US"/>
-          </a:p>
-        </p:txBody>
-      </p:sp>
-    </p:spTree>
-    <p:extLst>
-      <p:ext uri="{BB962C8B-B14F-4D97-AF65-F5344CB8AC3E}">
-        <p14:creationId xmlns:p14="http://schemas.microsoft.com/office/powerpoint/2010/main" val="4247553702"/>
-      </p:ext>
-    </p:extLst>
-  </p:cSld>
-  <p:clrMapOvr>
-    <a:masterClrMapping/>
-  </p:clrMapOvr>
-</p:sld>
-</file>
-
-<file path=ppt/slides/slide7.xml><?xml version="1.0" encoding="utf-8"?>
 <p:sld xmlns:a="http://schemas.openxmlformats.org/drawingml/2006/main" xmlns:r="http://schemas.openxmlformats.org/officeDocument/2006/relationships" xmlns:p="http://schemas.openxmlformats.org/presentationml/2006/main">
   <p:cSld>
     <p:spTree>
@@ -36538,6 +41889,497 @@
 </p:sld>
 </file>
 
+<file path=ppt/slides/slide7.xml><?xml version="1.0" encoding="utf-8"?>
+<p:sld xmlns:a="http://schemas.openxmlformats.org/drawingml/2006/main" xmlns:r="http://schemas.openxmlformats.org/officeDocument/2006/relationships" xmlns:p="http://schemas.openxmlformats.org/presentationml/2006/main">
+  <p:cSld>
+    <p:spTree>
+      <p:nvGrpSpPr>
+        <p:cNvPr id="1" name=""/>
+        <p:cNvGrpSpPr/>
+        <p:nvPr/>
+      </p:nvGrpSpPr>
+      <p:grpSpPr>
+        <a:xfrm>
+          <a:off x="0" y="0"/>
+          <a:ext cx="0" cy="0"/>
+          <a:chOff x="0" y="0"/>
+          <a:chExt cx="0" cy="0"/>
+        </a:xfrm>
+      </p:grpSpPr>
+      <p:sp>
+        <p:nvSpPr>
+          <p:cNvPr id="2" name="Title 1">
+            <a:extLst>
+              <a:ext uri="{FF2B5EF4-FFF2-40B4-BE49-F238E27FC236}">
+                <a16:creationId xmlns:a16="http://schemas.microsoft.com/office/drawing/2014/main" id="{AD3B31AC-0918-4E89-8560-3048A90BF638}"/>
+              </a:ext>
+            </a:extLst>
+          </p:cNvPr>
+          <p:cNvSpPr>
+            <a:spLocks noGrp="1"/>
+          </p:cNvSpPr>
+          <p:nvPr>
+            <p:ph type="title"/>
+          </p:nvPr>
+        </p:nvSpPr>
+        <p:spPr>
+          <a:xfrm>
+            <a:off x="838199" y="18255"/>
+            <a:ext cx="10515600" cy="1325563"/>
+          </a:xfrm>
+        </p:spPr>
+        <p:txBody>
+          <a:bodyPr/>
+          <a:lstStyle/>
+          <a:p>
+            <a:r>
+              <a:rPr lang="en-US" dirty="0"/>
+              <a:t>Mobile Health Document Sharing (MHDS)</a:t>
+            </a:r>
+          </a:p>
+        </p:txBody>
+      </p:sp>
+      <p:sp>
+        <p:nvSpPr>
+          <p:cNvPr id="3" name="Content Placeholder 2">
+            <a:extLst>
+              <a:ext uri="{FF2B5EF4-FFF2-40B4-BE49-F238E27FC236}">
+                <a16:creationId xmlns:a16="http://schemas.microsoft.com/office/drawing/2014/main" id="{79A4729B-F5EC-4345-B3FB-36AC77956798}"/>
+              </a:ext>
+            </a:extLst>
+          </p:cNvPr>
+          <p:cNvSpPr>
+            <a:spLocks noGrp="1"/>
+          </p:cNvSpPr>
+          <p:nvPr>
+            <p:ph idx="4294967295"/>
+          </p:nvPr>
+        </p:nvSpPr>
+        <p:spPr>
+          <a:xfrm>
+            <a:off x="617896" y="1095375"/>
+            <a:ext cx="5777499" cy="5347466"/>
+          </a:xfrm>
+        </p:spPr>
+        <p:txBody>
+          <a:bodyPr>
+            <a:normAutofit lnSpcReduction="10000"/>
+          </a:bodyPr>
+          <a:lstStyle/>
+          <a:p>
+            <a:r>
+              <a:rPr lang="en-US" dirty="0"/>
+              <a:t>100% FHIR infrastructure</a:t>
+            </a:r>
+          </a:p>
+          <a:p>
+            <a:r>
+              <a:rPr lang="en-US" dirty="0"/>
+              <a:t>Document Registry</a:t>
+            </a:r>
+          </a:p>
+          <a:p>
+            <a:pPr lvl="1"/>
+            <a:r>
+              <a:rPr lang="en-US" dirty="0"/>
+              <a:t>MHD transactions</a:t>
+            </a:r>
+          </a:p>
+          <a:p>
+            <a:pPr lvl="1"/>
+            <a:r>
+              <a:rPr lang="en-US" dirty="0"/>
+              <a:t>Persistence and lifecycle management</a:t>
+            </a:r>
+          </a:p>
+          <a:p>
+            <a:r>
+              <a:rPr lang="en-US" dirty="0"/>
+              <a:t>Patient Identity Management</a:t>
+            </a:r>
+          </a:p>
+          <a:p>
+            <a:r>
+              <a:rPr lang="en-US" dirty="0"/>
+              <a:t>Authorization - OAuth</a:t>
+            </a:r>
+          </a:p>
+          <a:p>
+            <a:r>
+              <a:rPr lang="en-US" dirty="0"/>
+              <a:t>Consent Management</a:t>
+            </a:r>
+          </a:p>
+          <a:p>
+            <a:r>
+              <a:rPr lang="en-US" dirty="0"/>
+              <a:t>Trust Framework – Certificate Authority</a:t>
+            </a:r>
+          </a:p>
+          <a:p>
+            <a:r>
+              <a:rPr lang="en-US" dirty="0"/>
+              <a:t>Vocabulary Management</a:t>
+            </a:r>
+          </a:p>
+          <a:p>
+            <a:r>
+              <a:rPr lang="en-US" dirty="0"/>
+              <a:t>Audit Record Repository</a:t>
+            </a:r>
+          </a:p>
+          <a:p>
+            <a:r>
+              <a:rPr lang="en-US" dirty="0"/>
+              <a:t>Provider Directory</a:t>
+            </a:r>
+          </a:p>
+          <a:p>
+            <a:pPr marL="0" indent="0">
+              <a:buNone/>
+            </a:pPr>
+            <a:endParaRPr lang="en-US" dirty="0"/>
+          </a:p>
+        </p:txBody>
+      </p:sp>
+      <p:sp>
+        <p:nvSpPr>
+          <p:cNvPr id="5" name="Rectangle: Rounded Corners 4">
+            <a:extLst>
+              <a:ext uri="{FF2B5EF4-FFF2-40B4-BE49-F238E27FC236}">
+                <a16:creationId xmlns:a16="http://schemas.microsoft.com/office/drawing/2014/main" id="{D69B86EA-099F-4ECA-B8F9-12E0F404793E}"/>
+              </a:ext>
+            </a:extLst>
+          </p:cNvPr>
+          <p:cNvSpPr/>
+          <p:nvPr/>
+        </p:nvSpPr>
+        <p:spPr>
+          <a:xfrm>
+            <a:off x="8555420" y="1576551"/>
+            <a:ext cx="1492469" cy="1387365"/>
+          </a:xfrm>
+          <a:prstGeom prst="roundRect">
+            <a:avLst/>
+          </a:prstGeom>
+          <a:solidFill>
+            <a:schemeClr val="accent4">
+              <a:lumMod val="20000"/>
+              <a:lumOff val="80000"/>
+            </a:schemeClr>
+          </a:solidFill>
+        </p:spPr>
+        <p:style>
+          <a:lnRef idx="2">
+            <a:schemeClr val="accent1">
+              <a:shade val="50000"/>
+            </a:schemeClr>
+          </a:lnRef>
+          <a:fillRef idx="1">
+            <a:schemeClr val="accent1"/>
+          </a:fillRef>
+          <a:effectRef idx="0">
+            <a:schemeClr val="accent1"/>
+          </a:effectRef>
+          <a:fontRef idx="minor">
+            <a:schemeClr val="lt1"/>
+          </a:fontRef>
+        </p:style>
+        <p:txBody>
+          <a:bodyPr rtlCol="0" anchor="ctr"/>
+          <a:lstStyle/>
+          <a:p>
+            <a:pPr algn="ctr"/>
+            <a:r>
+              <a:rPr lang="en-US" dirty="0">
+                <a:solidFill>
+                  <a:schemeClr val="tx1"/>
+                </a:solidFill>
+              </a:rPr>
+              <a:t>Central  Support Services</a:t>
+            </a:r>
+          </a:p>
+        </p:txBody>
+      </p:sp>
+      <p:sp>
+        <p:nvSpPr>
+          <p:cNvPr id="48" name="Rectangle: Rounded Corners 47">
+            <a:extLst>
+              <a:ext uri="{FF2B5EF4-FFF2-40B4-BE49-F238E27FC236}">
+                <a16:creationId xmlns:a16="http://schemas.microsoft.com/office/drawing/2014/main" id="{7A9C35C3-6325-444A-82EE-5CBC410D2045}"/>
+              </a:ext>
+            </a:extLst>
+          </p:cNvPr>
+          <p:cNvSpPr/>
+          <p:nvPr/>
+        </p:nvSpPr>
+        <p:spPr>
+          <a:xfrm>
+            <a:off x="8555420" y="3429000"/>
+            <a:ext cx="1492469" cy="1387365"/>
+          </a:xfrm>
+          <a:prstGeom prst="roundRect">
+            <a:avLst/>
+          </a:prstGeom>
+          <a:solidFill>
+            <a:schemeClr val="bg1"/>
+          </a:solidFill>
+        </p:spPr>
+        <p:style>
+          <a:lnRef idx="2">
+            <a:schemeClr val="accent1">
+              <a:shade val="50000"/>
+            </a:schemeClr>
+          </a:lnRef>
+          <a:fillRef idx="1">
+            <a:schemeClr val="accent1"/>
+          </a:fillRef>
+          <a:effectRef idx="0">
+            <a:schemeClr val="accent1"/>
+          </a:effectRef>
+          <a:fontRef idx="minor">
+            <a:schemeClr val="lt1"/>
+          </a:fontRef>
+        </p:style>
+        <p:txBody>
+          <a:bodyPr rtlCol="0" anchor="ctr"/>
+          <a:lstStyle/>
+          <a:p>
+            <a:pPr algn="ctr"/>
+            <a:r>
+              <a:rPr lang="en-US" dirty="0">
+                <a:solidFill>
+                  <a:schemeClr val="tx1"/>
+                </a:solidFill>
+              </a:rPr>
+              <a:t>Document Registry</a:t>
+            </a:r>
+          </a:p>
+        </p:txBody>
+      </p:sp>
+      <p:sp>
+        <p:nvSpPr>
+          <p:cNvPr id="49" name="Rectangle: Rounded Corners 48">
+            <a:extLst>
+              <a:ext uri="{FF2B5EF4-FFF2-40B4-BE49-F238E27FC236}">
+                <a16:creationId xmlns:a16="http://schemas.microsoft.com/office/drawing/2014/main" id="{B8C2EE54-3007-475B-A199-75F07F559262}"/>
+              </a:ext>
+            </a:extLst>
+          </p:cNvPr>
+          <p:cNvSpPr/>
+          <p:nvPr/>
+        </p:nvSpPr>
+        <p:spPr>
+          <a:xfrm>
+            <a:off x="6526924" y="2524284"/>
+            <a:ext cx="1492469" cy="1387365"/>
+          </a:xfrm>
+          <a:prstGeom prst="roundRect">
+            <a:avLst/>
+          </a:prstGeom>
+          <a:solidFill>
+            <a:schemeClr val="accent6">
+              <a:lumMod val="40000"/>
+              <a:lumOff val="60000"/>
+            </a:schemeClr>
+          </a:solidFill>
+        </p:spPr>
+        <p:style>
+          <a:lnRef idx="2">
+            <a:schemeClr val="accent1">
+              <a:shade val="50000"/>
+            </a:schemeClr>
+          </a:lnRef>
+          <a:fillRef idx="1">
+            <a:schemeClr val="accent1"/>
+          </a:fillRef>
+          <a:effectRef idx="0">
+            <a:schemeClr val="accent1"/>
+          </a:effectRef>
+          <a:fontRef idx="minor">
+            <a:schemeClr val="lt1"/>
+          </a:fontRef>
+        </p:style>
+        <p:txBody>
+          <a:bodyPr rtlCol="0" anchor="ctr"/>
+          <a:lstStyle/>
+          <a:p>
+            <a:pPr algn="ctr"/>
+            <a:r>
+              <a:rPr lang="en-US" dirty="0">
+                <a:solidFill>
+                  <a:schemeClr val="tx1"/>
+                </a:solidFill>
+              </a:rPr>
+              <a:t>Systems that   Publish Documents</a:t>
+            </a:r>
+          </a:p>
+        </p:txBody>
+      </p:sp>
+      <p:sp>
+        <p:nvSpPr>
+          <p:cNvPr id="50" name="Rectangle: Rounded Corners 49">
+            <a:extLst>
+              <a:ext uri="{FF2B5EF4-FFF2-40B4-BE49-F238E27FC236}">
+                <a16:creationId xmlns:a16="http://schemas.microsoft.com/office/drawing/2014/main" id="{23EBEECD-AAF3-4A85-8F04-9AE4E6511BF9}"/>
+              </a:ext>
+            </a:extLst>
+          </p:cNvPr>
+          <p:cNvSpPr/>
+          <p:nvPr/>
+        </p:nvSpPr>
+        <p:spPr>
+          <a:xfrm>
+            <a:off x="10607565" y="2524283"/>
+            <a:ext cx="1492469" cy="1387365"/>
+          </a:xfrm>
+          <a:prstGeom prst="roundRect">
+            <a:avLst/>
+          </a:prstGeom>
+          <a:solidFill>
+            <a:schemeClr val="accent6">
+              <a:lumMod val="40000"/>
+              <a:lumOff val="60000"/>
+            </a:schemeClr>
+          </a:solidFill>
+        </p:spPr>
+        <p:style>
+          <a:lnRef idx="2">
+            <a:schemeClr val="accent1">
+              <a:shade val="50000"/>
+            </a:schemeClr>
+          </a:lnRef>
+          <a:fillRef idx="1">
+            <a:schemeClr val="accent1"/>
+          </a:fillRef>
+          <a:effectRef idx="0">
+            <a:schemeClr val="accent1"/>
+          </a:effectRef>
+          <a:fontRef idx="minor">
+            <a:schemeClr val="lt1"/>
+          </a:fontRef>
+        </p:style>
+        <p:txBody>
+          <a:bodyPr rtlCol="0" anchor="ctr"/>
+          <a:lstStyle/>
+          <a:p>
+            <a:pPr algn="ctr"/>
+            <a:r>
+              <a:rPr lang="en-US" dirty="0">
+                <a:solidFill>
+                  <a:schemeClr val="tx1"/>
+                </a:solidFill>
+              </a:rPr>
+              <a:t>Systems that Consume Documents</a:t>
+            </a:r>
+          </a:p>
+        </p:txBody>
+      </p:sp>
+      <p:sp>
+        <p:nvSpPr>
+          <p:cNvPr id="51" name="Arrow: Right 50">
+            <a:extLst>
+              <a:ext uri="{FF2B5EF4-FFF2-40B4-BE49-F238E27FC236}">
+                <a16:creationId xmlns:a16="http://schemas.microsoft.com/office/drawing/2014/main" id="{0865E25B-4296-4A1B-B081-014E117CBA41}"/>
+              </a:ext>
+            </a:extLst>
+          </p:cNvPr>
+          <p:cNvSpPr/>
+          <p:nvPr/>
+        </p:nvSpPr>
+        <p:spPr>
+          <a:xfrm>
+            <a:off x="8019393" y="2270233"/>
+            <a:ext cx="404498" cy="1904844"/>
+          </a:xfrm>
+          <a:prstGeom prst="rightArrow">
+            <a:avLst/>
+          </a:prstGeom>
+        </p:spPr>
+        <p:style>
+          <a:lnRef idx="2">
+            <a:schemeClr val="accent1">
+              <a:shade val="50000"/>
+            </a:schemeClr>
+          </a:lnRef>
+          <a:fillRef idx="1">
+            <a:schemeClr val="accent1"/>
+          </a:fillRef>
+          <a:effectRef idx="0">
+            <a:schemeClr val="accent1"/>
+          </a:effectRef>
+          <a:fontRef idx="minor">
+            <a:schemeClr val="lt1"/>
+          </a:fontRef>
+        </p:style>
+        <p:txBody>
+          <a:bodyPr rtlCol="0" anchor="ctr"/>
+          <a:lstStyle/>
+          <a:p>
+            <a:pPr algn="ctr"/>
+            <a:endParaRPr lang="en-US"/>
+          </a:p>
+        </p:txBody>
+      </p:sp>
+      <p:sp>
+        <p:nvSpPr>
+          <p:cNvPr id="52" name="Arrow: Right 51">
+            <a:extLst>
+              <a:ext uri="{FF2B5EF4-FFF2-40B4-BE49-F238E27FC236}">
+                <a16:creationId xmlns:a16="http://schemas.microsoft.com/office/drawing/2014/main" id="{D160BDDD-817C-41E6-873A-6A4E4C61B141}"/>
+              </a:ext>
+            </a:extLst>
+          </p:cNvPr>
+          <p:cNvSpPr/>
+          <p:nvPr/>
+        </p:nvSpPr>
+        <p:spPr>
+          <a:xfrm>
+            <a:off x="10179418" y="2213150"/>
+            <a:ext cx="404498" cy="1904844"/>
+          </a:xfrm>
+          <a:prstGeom prst="rightArrow">
+            <a:avLst/>
+          </a:prstGeom>
+        </p:spPr>
+        <p:style>
+          <a:lnRef idx="2">
+            <a:schemeClr val="accent1">
+              <a:shade val="50000"/>
+            </a:schemeClr>
+          </a:lnRef>
+          <a:fillRef idx="1">
+            <a:schemeClr val="accent1"/>
+          </a:fillRef>
+          <a:effectRef idx="0">
+            <a:schemeClr val="accent1"/>
+          </a:effectRef>
+          <a:fontRef idx="minor">
+            <a:schemeClr val="lt1"/>
+          </a:fontRef>
+        </p:style>
+        <p:txBody>
+          <a:bodyPr rtlCol="0" anchor="ctr"/>
+          <a:lstStyle/>
+          <a:p>
+            <a:pPr algn="ctr"/>
+            <a:endParaRPr lang="en-US"/>
+          </a:p>
+        </p:txBody>
+      </p:sp>
+    </p:spTree>
+    <p:extLst>
+      <p:ext uri="{BB962C8B-B14F-4D97-AF65-F5344CB8AC3E}">
+        <p14:creationId xmlns:p14="http://schemas.microsoft.com/office/powerpoint/2010/main" val="4247553702"/>
+      </p:ext>
+    </p:extLst>
+  </p:cSld>
+  <p:clrMapOvr>
+    <a:masterClrMapping/>
+  </p:clrMapOvr>
+</p:sld>
+</file>
+
 <file path=ppt/slides/slide8.xml><?xml version="1.0" encoding="utf-8"?>
 <p:sld xmlns:a="http://schemas.openxmlformats.org/drawingml/2006/main" xmlns:r="http://schemas.openxmlformats.org/officeDocument/2006/relationships" xmlns:p="http://schemas.openxmlformats.org/presentationml/2006/main">
   <p:cSld>
